--- a/craigbuckler-pdf-html.pptx
+++ b/craigbuckler-pdf-html.pptx
@@ -5,7 +5,7 @@
     <p:sldMasterId id="2147483672" r:id="rId1"/>
   </p:sldMasterIdLst>
   <p:notesMasterIdLst>
-    <p:notesMasterId r:id="rId15"/>
+    <p:notesMasterId r:id="rId20"/>
   </p:notesMasterIdLst>
   <p:sldIdLst>
     <p:sldId id="260" r:id="rId2"/>
@@ -21,6 +21,11 @@
     <p:sldId id="270" r:id="rId12"/>
     <p:sldId id="271" r:id="rId13"/>
     <p:sldId id="272" r:id="rId14"/>
+    <p:sldId id="273" r:id="rId15"/>
+    <p:sldId id="274" r:id="rId16"/>
+    <p:sldId id="275" r:id="rId17"/>
+    <p:sldId id="276" r:id="rId18"/>
+    <p:sldId id="277" r:id="rId19"/>
   </p:sldIdLst>
   <p:sldSz cx="9215438" cy="7372350"/>
   <p:notesSz cx="6858000" cy="9144000"/>
@@ -223,7 +228,7 @@
           <a:p>
             <a:fld id="{C76FB86B-C2AE-46D2-B88A-1F2A05A31980}" type="datetimeFigureOut">
               <a:rPr lang="en-GB" smtClean="0"/>
-              <a:t>29/07/2018</a:t>
+              <a:t>01/08/2018</a:t>
             </a:fld>
             <a:endParaRPr lang="en-GB"/>
           </a:p>
@@ -639,7 +644,7 @@
           <a:p>
             <a:r>
               <a:rPr lang="en-GB" dirty="0"/>
-              <a:t>But I got though that darkness and experienced a rare moment of clarity.</a:t>
+              <a:t>But I came though that darkness and experienced a rare moment of clarity.</a:t>
             </a:r>
           </a:p>
           <a:p>
@@ -648,7 +653,7 @@
           <a:p>
             <a:r>
               <a:rPr lang="en-GB" dirty="0"/>
-              <a:t>Why am I even trying to convert one document format to another?</a:t>
+              <a:t>Why was I trying to convert one document format to another?</a:t>
             </a:r>
           </a:p>
           <a:p>
@@ -657,7 +662,13 @@
           <a:p>
             <a:r>
               <a:rPr lang="en-GB" dirty="0"/>
-              <a:t>Am I using PDF because that’s what’s expected rather than it being the best solution?</a:t>
+              <a:t>Am I using PDF because that’s what’s expected?</a:t>
+            </a:r>
+          </a:p>
+          <a:p>
+            <a:r>
+              <a:rPr lang="en-GB" dirty="0"/>
+              <a:t>Is it really the best solution?</a:t>
             </a:r>
           </a:p>
           <a:p>
@@ -666,7 +677,13 @@
           <a:p>
             <a:r>
               <a:rPr lang="en-GB" dirty="0"/>
-              <a:t>These reports are HTML. Couldn’t I email people an HTML document instead?</a:t>
+              <a:t>These reports are HTML.</a:t>
+            </a:r>
+          </a:p>
+          <a:p>
+            <a:r>
+              <a:rPr lang="en-GB" dirty="0"/>
+              <a:t>Why can’t I send people an HTML document instead?</a:t>
             </a:r>
           </a:p>
           <a:p>
@@ -675,7 +692,7 @@
           <a:p>
             <a:r>
               <a:rPr lang="en-GB" dirty="0"/>
-              <a:t>That would be easier to develop.</a:t>
+              <a:t>That would be a lot easier to develop.</a:t>
             </a:r>
           </a:p>
         </p:txBody>
@@ -762,7 +779,7 @@
           <a:p>
             <a:r>
               <a:rPr lang="en-GB" dirty="0"/>
-              <a:t>But it would also be more useful to users.</a:t>
+              <a:t>And it would also benefit users.</a:t>
             </a:r>
           </a:p>
           <a:p>
@@ -771,13 +788,13 @@
           <a:p>
             <a:r>
               <a:rPr lang="en-GB" dirty="0"/>
-              <a:t>First, all OSes have a browser so there’s nothing to install</a:t>
-            </a:r>
-          </a:p>
-          <a:p>
-            <a:r>
-              <a:rPr lang="en-GB" dirty="0"/>
-              <a:t>some don’t have a default PDF reader</a:t>
+              <a:t>First, all Operating Systems have a browser so there’s nothing to install</a:t>
+            </a:r>
+          </a:p>
+          <a:p>
+            <a:r>
+              <a:rPr lang="en-GB" dirty="0"/>
+              <a:t>That’s not necessarily the case for PDF readers</a:t>
             </a:r>
           </a:p>
           <a:p>
@@ -786,13 +803,19 @@
           <a:p>
             <a:r>
               <a:rPr lang="en-GB" dirty="0"/>
-              <a:t>documents can be responsive and work on any device whether it’s a smartphone, desktop PC or TV</a:t>
-            </a:r>
-          </a:p>
-          <a:p>
-            <a:r>
-              <a:rPr lang="en-GB" dirty="0"/>
-              <a:t>PDFs are always a fixed size and you end up zooming and panning on smaller screens</a:t>
+              <a:t>HTML documents can be responsive.</a:t>
+            </a:r>
+          </a:p>
+          <a:p>
+            <a:r>
+              <a:rPr lang="en-GB" dirty="0"/>
+              <a:t>They can work on any device whether it’s a smartphone, a PC or TV</a:t>
+            </a:r>
+          </a:p>
+          <a:p>
+            <a:r>
+              <a:rPr lang="en-GB" dirty="0"/>
+              <a:t>PDFs are always a fixed size and you end up zooming and panning on mobiles</a:t>
             </a:r>
           </a:p>
           <a:p>
@@ -807,7 +830,7 @@
           <a:p>
             <a:r>
               <a:rPr lang="en-GB" dirty="0"/>
-              <a:t>A table or SVG image doesn’t need to be rasterized for example</a:t>
+              <a:t>There’s no need to rasterize fonts and images</a:t>
             </a:r>
           </a:p>
           <a:p>
@@ -816,13 +839,13 @@
           <a:p>
             <a:r>
               <a:rPr lang="en-GB" dirty="0"/>
-              <a:t>Copy and paste normally works on an HTML document</a:t>
-            </a:r>
-          </a:p>
-          <a:p>
-            <a:r>
-              <a:rPr lang="en-GB" dirty="0"/>
-              <a:t>Which isn’t always the case for PDFs or the readers people use</a:t>
+              <a:t>Copy and paste normally works on HTML documents</a:t>
+            </a:r>
+          </a:p>
+          <a:p>
+            <a:r>
+              <a:rPr lang="en-GB" dirty="0"/>
+              <a:t>That’s not always the case for PDFs or the readers people use</a:t>
             </a:r>
           </a:p>
           <a:p>
@@ -837,7 +860,7 @@
           <a:p>
             <a:r>
               <a:rPr lang="en-GB" dirty="0"/>
-              <a:t>HTML content can be read with screen readers</a:t>
+              <a:t>HTML content can be read by screen readers</a:t>
             </a:r>
           </a:p>
           <a:p>
@@ -846,13 +869,13 @@
           <a:p>
             <a:r>
               <a:rPr lang="en-GB" dirty="0"/>
-              <a:t>We can use HTML for free.</a:t>
-            </a:r>
-          </a:p>
-          <a:p>
-            <a:r>
-              <a:rPr lang="en-GB" dirty="0"/>
-              <a:t>PDF is also an open standard but the software used to create it rarely is free</a:t>
+              <a:t>And we can create HTML for free.</a:t>
+            </a:r>
+          </a:p>
+          <a:p>
+            <a:r>
+              <a:rPr lang="en-GB" dirty="0"/>
+              <a:t>PDF is also an open standard but the software often isn’t</a:t>
             </a:r>
           </a:p>
           <a:p>
@@ -942,7 +965,7 @@
           <a:p>
             <a:r>
               <a:rPr lang="en-GB" dirty="0"/>
-              <a:t>The only way I could win this argument is if I could bring the benefits of PDF to HTML.</a:t>
+              <a:t>I’d only win this argument is if I could bring the benefits of PDF to HTML.</a:t>
             </a:r>
           </a:p>
           <a:p>
@@ -951,7 +974,7 @@
           <a:p>
             <a:r>
               <a:rPr lang="en-GB" dirty="0"/>
-              <a:t>It certainly couldn’t be any more difficult to create or distribute</a:t>
+              <a:t>It couldn’t be more difficult to create or distribute</a:t>
             </a:r>
           </a:p>
           <a:p>
@@ -960,13 +983,13 @@
           <a:p>
             <a:r>
               <a:rPr lang="en-GB" dirty="0"/>
-              <a:t>This last point got the most concern from my client.</a:t>
-            </a:r>
-          </a:p>
-          <a:p>
-            <a:r>
-              <a:rPr lang="en-GB" dirty="0"/>
-              <a:t>Surely users expect PDFs?</a:t>
+              <a:t>But this last point caused most concern for my client.</a:t>
+            </a:r>
+          </a:p>
+          <a:p>
+            <a:r>
+              <a:rPr lang="en-GB" dirty="0"/>
+              <a:t>Users expect PDFs? Don’t they?</a:t>
             </a:r>
           </a:p>
           <a:p>
@@ -975,7 +998,13 @@
           <a:p>
             <a:r>
               <a:rPr lang="en-GB" dirty="0"/>
-              <a:t>Let's face it: few users rarely know or care what type of file they're receiving.</a:t>
+              <a:t>Let's face it: most users don’t know or care what you’re sending them.</a:t>
+            </a:r>
+          </a:p>
+          <a:p>
+            <a:r>
+              <a:rPr lang="en-GB" dirty="0"/>
+              <a:t>But I had to prove they could cope</a:t>
             </a:r>
           </a:p>
           <a:p>
@@ -984,45 +1013,99 @@
           <a:p>
             <a:r>
               <a:rPr lang="en-GB" dirty="0"/>
-              <a:t>But I had to prove the benefits of HTML would more than outweigh PDF.</a:t>
+              <a:t>Now there are some options from history.</a:t>
             </a:r>
           </a:p>
           <a:p>
             <a:endParaRPr lang="en-GB" dirty="0"/>
           </a:p>
           <a:p>
+            <a:r>
+              <a:rPr lang="en-GB" dirty="0"/>
+              <a:t>Does anyone remember MHTML?</a:t>
+            </a:r>
+          </a:p>
+          <a:p>
+            <a:r>
+              <a:rPr lang="en-GB" dirty="0"/>
+              <a:t>You’re all too young. Ask your grandparents about 56K modems and surfing the web in the 1990s.</a:t>
+            </a:r>
+          </a:p>
+          <a:p>
             <a:endParaRPr lang="en-GB" dirty="0"/>
           </a:p>
           <a:p>
             <a:r>
               <a:rPr lang="en-GB" dirty="0"/>
-              <a:t>Has this been attempted </a:t>
+              <a:t>MHTML is:</a:t>
+            </a:r>
+          </a:p>
+          <a:p>
+            <a:r>
+              <a:rPr lang="en-GB" dirty="0"/>
+              <a:t>MIME Encapsulation of Aggregate HTML Documents.</a:t>
+            </a:r>
+          </a:p>
+          <a:p>
+            <a:endParaRPr lang="en-GB" dirty="0"/>
+          </a:p>
+          <a:p>
+            <a:r>
+              <a:rPr lang="en-GB" dirty="0"/>
+              <a:t>When you loaded a page after 20 minutes, you could save it as a single MHTML file for offline reading later</a:t>
+            </a:r>
+          </a:p>
+          <a:p>
+            <a:r>
+              <a:rPr lang="en-GB" dirty="0"/>
+              <a:t>You didn’t need to hog the telephone line or pay BT a fortune</a:t>
+            </a:r>
+          </a:p>
+          <a:p>
+            <a:endParaRPr lang="en-GB" dirty="0"/>
+          </a:p>
+          <a:p>
+            <a:r>
+              <a:rPr lang="en-GB" dirty="0"/>
+              <a:t>Yes, exactly.</a:t>
+            </a:r>
+          </a:p>
+          <a:p>
+            <a:r>
+              <a:rPr lang="en-GB" dirty="0"/>
+              <a:t>You kids with your fibre </a:t>
             </a:r>
             <a:r>
               <a:rPr lang="en-GB" dirty="0" err="1"/>
-              <a:t>before?Do</a:t>
-            </a:r>
-            <a:r>
-              <a:rPr lang="en-GB" dirty="0"/>
-              <a:t> any of you remember MHTML? Most of you will be far too </a:t>
+              <a:t>wifi</a:t>
+            </a:r>
+            <a:r>
+              <a:rPr lang="en-GB" dirty="0"/>
+              <a:t> and instant </a:t>
             </a:r>
             <a:r>
               <a:rPr lang="en-GB" dirty="0" err="1"/>
-              <a:t>young.MIME</a:t>
-            </a:r>
-            <a:r>
-              <a:rPr lang="en-GB" dirty="0"/>
-              <a:t> Encapsulation of Aggregate HTML Documents. Content of an MHTML file is encoded the same as HTML email message. In the 1990s, web users often used it to download web pages over 56K modems for offline use rather tying up the phone line while they read </a:t>
-            </a:r>
-            <a:r>
-              <a:rPr lang="en-GB" dirty="0" err="1"/>
-              <a:t>it.Unfortunately</a:t>
-            </a:r>
-            <a:r>
-              <a:rPr lang="en-GB"/>
-              <a:t>, not all browsers support MHTML and the format has largely fallen from favour.</a:t>
-            </a:r>
+              <a:t>instagramming</a:t>
+            </a:r>
+            <a:r>
+              <a:rPr lang="en-GB" dirty="0"/>
+              <a:t> don’t know you’re born!</a:t>
+            </a:r>
+          </a:p>
+          <a:p>
             <a:endParaRPr lang="en-GB" dirty="0"/>
+          </a:p>
+          <a:p>
+            <a:r>
+              <a:rPr lang="en-GB" dirty="0"/>
+              <a:t>MHTML effectively encodes HTML as it’s done in email. Which is horrible.</a:t>
+            </a:r>
+          </a:p>
+          <a:p>
+            <a:r>
+              <a:rPr lang="en-GB" dirty="0"/>
+              <a:t>And it’s only directly supported in IE so it wasn’t an option.</a:t>
+            </a:r>
           </a:p>
         </p:txBody>
       </p:sp>
@@ -1108,7 +1191,7 @@
           <a:p>
             <a:r>
               <a:rPr lang="en-GB" dirty="0"/>
-              <a:t>So my plan was to</a:t>
+              <a:t>This was my plan:</a:t>
             </a:r>
           </a:p>
           <a:p>
@@ -1117,13 +1200,13 @@
           <a:p>
             <a:r>
               <a:rPr lang="en-GB" dirty="0"/>
-              <a:t>Create a web report which you could view and do some simple editing</a:t>
-            </a:r>
-          </a:p>
-          <a:p>
-            <a:r>
-              <a:rPr lang="en-GB" dirty="0"/>
-              <a:t>But you could then download a static representation of that page</a:t>
+              <a:t>I’d create a web report preview which allowed some simple editing</a:t>
+            </a:r>
+          </a:p>
+          <a:p>
+            <a:r>
+              <a:rPr lang="en-GB" dirty="0"/>
+              <a:t>You could then download a static representation of that page as a single HTML file</a:t>
             </a:r>
           </a:p>
           <a:p>
@@ -1146,7 +1229,7 @@
           <a:p>
             <a:r>
               <a:rPr lang="en-GB" dirty="0"/>
-              <a:t>It would have actual PDF-like pages even though that was more for show than practicalities</a:t>
+              <a:t>And have PDF-like pages even though that was more for show than practicalities</a:t>
             </a:r>
           </a:p>
           <a:p>
@@ -1161,7 +1244,7 @@
           <a:p>
             <a:r>
               <a:rPr lang="en-GB" dirty="0"/>
-              <a:t>There’s no way HTML will ever print better than a PDF but the results should be reasonable.</a:t>
+              <a:t>HTML pages will never print better than PDFs but the results should be reasonable.</a:t>
             </a:r>
           </a:p>
           <a:p>
@@ -1170,19 +1253,19 @@
           <a:p>
             <a:r>
               <a:rPr lang="en-GB" dirty="0"/>
-              <a:t>I had to offer a single file which could be viewed offline</a:t>
-            </a:r>
-          </a:p>
-          <a:p>
-            <a:r>
-              <a:rPr lang="en-GB" dirty="0"/>
-              <a:t>So it couldn’t rely on external assets such as fonts</a:t>
-            </a:r>
-          </a:p>
-          <a:p>
-            <a:r>
-              <a:rPr lang="en-GB" dirty="0"/>
-              <a:t>CSS and images had to be embedded into the document</a:t>
+              <a:t>The exported HTML file could be viewed offline</a:t>
+            </a:r>
+          </a:p>
+          <a:p>
+            <a:r>
+              <a:rPr lang="en-GB" dirty="0"/>
+              <a:t>That meant I couldn’t use external assets such as fonts</a:t>
+            </a:r>
+          </a:p>
+          <a:p>
+            <a:r>
+              <a:rPr lang="en-GB" dirty="0"/>
+              <a:t>CSS and images would also have to be embedded into the document</a:t>
             </a:r>
           </a:p>
           <a:p>
@@ -1191,13 +1274,13 @@
           <a:p>
             <a:r>
               <a:rPr lang="en-GB" dirty="0"/>
-              <a:t>Finally, the document could not contain JavaScript.</a:t>
-            </a:r>
-          </a:p>
-          <a:p>
-            <a:r>
-              <a:rPr lang="en-GB" dirty="0"/>
-              <a:t>Many systems would flag JS as a security alert so it wasn’t worth the hassle.</a:t>
+              <a:t>Finally, that document could not contain JavaScript.</a:t>
+            </a:r>
+          </a:p>
+          <a:p>
+            <a:r>
+              <a:rPr lang="en-GB" dirty="0"/>
+              <a:t>Some systems would flag a security alert so it wasn’t worth the hassle.</a:t>
             </a:r>
           </a:p>
           <a:p>
@@ -1206,19 +1289,7 @@
           <a:p>
             <a:r>
               <a:rPr lang="en-GB" dirty="0"/>
-              <a:t>But Craig I hear you cry: we use React. Or Vue. Or Angular. We need JavaScript.</a:t>
-            </a:r>
-          </a:p>
-          <a:p>
-            <a:r>
-              <a:rPr lang="en-GB" dirty="0"/>
-              <a:t>That’s not a problem though. All client-side libraries ultimately place HTML on the page.</a:t>
-            </a:r>
-          </a:p>
-          <a:p>
-            <a:r>
-              <a:rPr lang="en-GB" dirty="0"/>
-              <a:t>That could be output in a static document without having to include the JavaScript which created it.</a:t>
+              <a:t>But Craig: we use React. Or Vue. Or Angular. We need JavaScript.</a:t>
             </a:r>
           </a:p>
           <a:p>
@@ -1227,88 +1298,22 @@
           <a:p>
             <a:r>
               <a:rPr lang="en-GB" dirty="0"/>
-              <a:t>Now there are some options from distant history.</a:t>
-            </a:r>
-          </a:p>
-          <a:p>
-            <a:endParaRPr lang="en-GB" dirty="0"/>
-          </a:p>
-          <a:p>
-            <a:r>
-              <a:rPr lang="en-GB" dirty="0"/>
-              <a:t>Do any of you remember MHTML?</a:t>
-            </a:r>
-          </a:p>
-          <a:p>
-            <a:r>
-              <a:rPr lang="en-GB" dirty="0"/>
-              <a:t>You’re all too young. So ask your grandparents about 56K modems and how they surfed the web in the 90s.</a:t>
-            </a:r>
-          </a:p>
-          <a:p>
-            <a:endParaRPr lang="en-GB" dirty="0"/>
-          </a:p>
-          <a:p>
-            <a:r>
-              <a:rPr lang="en-GB" dirty="0"/>
-              <a:t>So MHTML is:</a:t>
-            </a:r>
-          </a:p>
-          <a:p>
-            <a:r>
-              <a:rPr lang="en-GB" dirty="0"/>
-              <a:t>MIME Encapsulation of Aggregate HTML Documents.</a:t>
-            </a:r>
-          </a:p>
-          <a:p>
-            <a:endParaRPr lang="en-GB" dirty="0"/>
-          </a:p>
-          <a:p>
-            <a:r>
-              <a:rPr lang="en-GB" dirty="0"/>
-              <a:t>When you came across a page, you could save it as a single MHTML file for offline reading rather than hogging the telephone line.</a:t>
-            </a:r>
-          </a:p>
-          <a:p>
-            <a:r>
-              <a:rPr lang="en-GB" dirty="0"/>
-              <a:t>Yes, exactly. You kids with your fibre </a:t>
-            </a:r>
-            <a:r>
-              <a:rPr lang="en-GB" dirty="0" err="1"/>
-              <a:t>wifi</a:t>
-            </a:r>
-            <a:r>
-              <a:rPr lang="en-GB" dirty="0"/>
-              <a:t> and instant </a:t>
-            </a:r>
-            <a:r>
-              <a:rPr lang="en-GB" dirty="0" err="1"/>
-              <a:t>instagramming</a:t>
-            </a:r>
-            <a:r>
-              <a:rPr lang="en-GB" dirty="0"/>
-              <a:t> don’t know you’re born!</a:t>
-            </a:r>
-          </a:p>
-          <a:p>
-            <a:endParaRPr lang="en-GB" dirty="0"/>
-          </a:p>
-          <a:p>
-            <a:r>
-              <a:rPr lang="en-GB" dirty="0"/>
-              <a:t>MHTML effectively encodes HTML as it’s done in email. Which is horrible.</a:t>
-            </a:r>
-          </a:p>
-          <a:p>
-            <a:r>
-              <a:rPr lang="en-GB" dirty="0"/>
-              <a:t>But it’s only directly supported by Internet Explorer so thankfully, it’s not </a:t>
-            </a:r>
-            <a:r>
-              <a:rPr lang="en-GB"/>
-              <a:t>an option.</a:t>
-            </a:r>
+              <a:t>That’s not a problem. All client-side libraries ultimately put HTML on the page.</a:t>
+            </a:r>
+          </a:p>
+          <a:p>
+            <a:r>
+              <a:rPr lang="en-GB" dirty="0"/>
+              <a:t>We could extract that HTML.</a:t>
+            </a:r>
+          </a:p>
+          <a:p>
+            <a:r>
+              <a:rPr lang="en-GB" dirty="0"/>
+              <a:t>We wouldn’t need to include the JavaScript which created it.</a:t>
+            </a:r>
+          </a:p>
+          <a:p>
             <a:endParaRPr lang="en-GB" dirty="0"/>
           </a:p>
         </p:txBody>
@@ -1340,6 +1345,797 @@
     <p:extLst>
       <p:ext uri="{BB962C8B-B14F-4D97-AF65-F5344CB8AC3E}">
         <p14:creationId xmlns:p14="http://schemas.microsoft.com/office/powerpoint/2010/main" val="844510062"/>
+      </p:ext>
+    </p:extLst>
+  </p:cSld>
+  <p:clrMapOvr>
+    <a:masterClrMapping/>
+  </p:clrMapOvr>
+</p:notes>
+</file>
+
+<file path=ppt/notesSlides/notesSlide14.xml><?xml version="1.0" encoding="utf-8"?>
+<p:notes xmlns:a="http://schemas.openxmlformats.org/drawingml/2006/main" xmlns:r="http://schemas.openxmlformats.org/officeDocument/2006/relationships" xmlns:p="http://schemas.openxmlformats.org/presentationml/2006/main">
+  <p:cSld>
+    <p:spTree>
+      <p:nvGrpSpPr>
+        <p:cNvPr id="1" name=""/>
+        <p:cNvGrpSpPr/>
+        <p:nvPr/>
+      </p:nvGrpSpPr>
+      <p:grpSpPr>
+        <a:xfrm>
+          <a:off x="0" y="0"/>
+          <a:ext cx="0" cy="0"/>
+          <a:chOff x="0" y="0"/>
+          <a:chExt cx="0" cy="0"/>
+        </a:xfrm>
+      </p:grpSpPr>
+      <p:sp>
+        <p:nvSpPr>
+          <p:cNvPr id="2" name="Slide Image Placeholder 1"/>
+          <p:cNvSpPr>
+            <a:spLocks noGrp="1" noRot="1" noChangeAspect="1"/>
+          </p:cNvSpPr>
+          <p:nvPr>
+            <p:ph type="sldImg"/>
+          </p:nvPr>
+        </p:nvSpPr>
+        <p:spPr/>
+      </p:sp>
+      <p:sp>
+        <p:nvSpPr>
+          <p:cNvPr id="3" name="Notes Placeholder 2"/>
+          <p:cNvSpPr>
+            <a:spLocks noGrp="1"/>
+          </p:cNvSpPr>
+          <p:nvPr>
+            <p:ph type="body" idx="1"/>
+          </p:nvPr>
+        </p:nvSpPr>
+        <p:spPr/>
+        <p:txBody>
+          <a:bodyPr/>
+          <a:lstStyle/>
+          <a:p>
+            <a:r>
+              <a:rPr lang="en-GB" dirty="0"/>
+              <a:t>So our resulting HTML file can now be sent to people by email or whatever.</a:t>
+            </a:r>
+          </a:p>
+          <a:p>
+            <a:endParaRPr lang="en-GB" dirty="0"/>
+          </a:p>
+          <a:p>
+            <a:r>
+              <a:rPr lang="en-GB" dirty="0"/>
+              <a:t>But there’s a slight hitch.</a:t>
+            </a:r>
+          </a:p>
+          <a:p>
+            <a:r>
+              <a:rPr lang="en-GB" dirty="0"/>
+              <a:t>What do you think Gmail users see when they click the attachment and see a preview?</a:t>
+            </a:r>
+          </a:p>
+          <a:p>
+            <a:r>
+              <a:rPr lang="en-GB" dirty="0"/>
+              <a:t>I’ll give you a clue: Gmail opens the file in a new tab.</a:t>
+            </a:r>
+          </a:p>
+          <a:p>
+            <a:endParaRPr lang="en-GB" dirty="0"/>
+          </a:p>
+          <a:p>
+            <a:r>
+              <a:rPr lang="en-GB" dirty="0"/>
+              <a:t>[CLICK]</a:t>
+            </a:r>
+          </a:p>
+          <a:p>
+            <a:endParaRPr lang="en-GB" dirty="0"/>
+          </a:p>
+          <a:p>
+            <a:r>
+              <a:rPr lang="en-GB" dirty="0"/>
+              <a:t>Yep, Google thinks it’s best to treat this document as an HTML email.</a:t>
+            </a:r>
+          </a:p>
+          <a:p>
+            <a:r>
+              <a:rPr lang="en-GB" dirty="0"/>
+              <a:t>It strips the styles and all the images.</a:t>
+            </a:r>
+          </a:p>
+          <a:p>
+            <a:endParaRPr lang="en-GB" dirty="0"/>
+          </a:p>
+          <a:p>
+            <a:r>
+              <a:rPr lang="en-GB" dirty="0"/>
+              <a:t>Ironically, this renders quite well if you use semantic tags.</a:t>
+            </a:r>
+          </a:p>
+          <a:p>
+            <a:r>
+              <a:rPr lang="en-GB" dirty="0"/>
+              <a:t>You can still read the information.</a:t>
+            </a:r>
+          </a:p>
+          <a:p>
+            <a:r>
+              <a:rPr lang="en-GB" dirty="0"/>
+              <a:t>But some users could think this is the report.</a:t>
+            </a:r>
+          </a:p>
+          <a:p>
+            <a:endParaRPr lang="en-GB" dirty="0"/>
+          </a:p>
+          <a:p>
+            <a:r>
+              <a:rPr lang="en-GB" dirty="0"/>
+              <a:t>You could fix this using HTML email-like inline style attributes on all your tags.</a:t>
+            </a:r>
+          </a:p>
+          <a:p>
+            <a:r>
+              <a:rPr lang="en-GB" dirty="0"/>
+              <a:t>But life’s too short for that sort of nonsense.</a:t>
+            </a:r>
+          </a:p>
+          <a:p>
+            <a:endParaRPr lang="en-GB" dirty="0"/>
+          </a:p>
+          <a:p>
+            <a:endParaRPr lang="en-GB" dirty="0"/>
+          </a:p>
+        </p:txBody>
+      </p:sp>
+      <p:sp>
+        <p:nvSpPr>
+          <p:cNvPr id="4" name="Slide Number Placeholder 3"/>
+          <p:cNvSpPr>
+            <a:spLocks noGrp="1"/>
+          </p:cNvSpPr>
+          <p:nvPr>
+            <p:ph type="sldNum" sz="quarter" idx="10"/>
+          </p:nvPr>
+        </p:nvSpPr>
+        <p:spPr/>
+        <p:txBody>
+          <a:bodyPr/>
+          <a:lstStyle/>
+          <a:p>
+            <a:fld id="{7DAD1C3C-184F-4EBE-BA9D-900C6940E360}" type="slidenum">
+              <a:rPr lang="en-GB" smtClean="0"/>
+              <a:t>15</a:t>
+            </a:fld>
+            <a:endParaRPr lang="en-GB"/>
+          </a:p>
+        </p:txBody>
+      </p:sp>
+    </p:spTree>
+    <p:extLst>
+      <p:ext uri="{BB962C8B-B14F-4D97-AF65-F5344CB8AC3E}">
+        <p14:creationId xmlns:p14="http://schemas.microsoft.com/office/powerpoint/2010/main" val="1120082863"/>
+      </p:ext>
+    </p:extLst>
+  </p:cSld>
+  <p:clrMapOvr>
+    <a:masterClrMapping/>
+  </p:clrMapOvr>
+</p:notes>
+</file>
+
+<file path=ppt/notesSlides/notesSlide15.xml><?xml version="1.0" encoding="utf-8"?>
+<p:notes xmlns:a="http://schemas.openxmlformats.org/drawingml/2006/main" xmlns:r="http://schemas.openxmlformats.org/officeDocument/2006/relationships" xmlns:p="http://schemas.openxmlformats.org/presentationml/2006/main">
+  <p:cSld>
+    <p:spTree>
+      <p:nvGrpSpPr>
+        <p:cNvPr id="1" name=""/>
+        <p:cNvGrpSpPr/>
+        <p:nvPr/>
+      </p:nvGrpSpPr>
+      <p:grpSpPr>
+        <a:xfrm>
+          <a:off x="0" y="0"/>
+          <a:ext cx="0" cy="0"/>
+          <a:chOff x="0" y="0"/>
+          <a:chExt cx="0" cy="0"/>
+        </a:xfrm>
+      </p:grpSpPr>
+      <p:sp>
+        <p:nvSpPr>
+          <p:cNvPr id="2" name="Slide Image Placeholder 1"/>
+          <p:cNvSpPr>
+            <a:spLocks noGrp="1" noRot="1" noChangeAspect="1"/>
+          </p:cNvSpPr>
+          <p:nvPr>
+            <p:ph type="sldImg"/>
+          </p:nvPr>
+        </p:nvSpPr>
+        <p:spPr/>
+      </p:sp>
+      <p:sp>
+        <p:nvSpPr>
+          <p:cNvPr id="3" name="Notes Placeholder 2"/>
+          <p:cNvSpPr>
+            <a:spLocks noGrp="1"/>
+          </p:cNvSpPr>
+          <p:nvPr>
+            <p:ph type="body" idx="1"/>
+          </p:nvPr>
+        </p:nvSpPr>
+        <p:spPr/>
+        <p:txBody>
+          <a:bodyPr/>
+          <a:lstStyle/>
+          <a:p>
+            <a:r>
+              <a:rPr lang="en-GB" dirty="0"/>
+              <a:t>To fix it for Gmail and similar systems:</a:t>
+            </a:r>
+          </a:p>
+          <a:p>
+            <a:endParaRPr lang="en-GB" dirty="0"/>
+          </a:p>
+          <a:p>
+            <a:r>
+              <a:rPr lang="en-GB" dirty="0"/>
+              <a:t>I added a styled paragraph at the top of the page which gave the viewer further instructions.</a:t>
+            </a:r>
+          </a:p>
+          <a:p>
+            <a:endParaRPr lang="en-GB" dirty="0"/>
+          </a:p>
+          <a:p>
+            <a:r>
+              <a:rPr lang="en-GB" dirty="0"/>
+              <a:t>That paragraph was then removed with display: none if the CSS was parsed correctly.</a:t>
+            </a:r>
+          </a:p>
+        </p:txBody>
+      </p:sp>
+      <p:sp>
+        <p:nvSpPr>
+          <p:cNvPr id="4" name="Slide Number Placeholder 3"/>
+          <p:cNvSpPr>
+            <a:spLocks noGrp="1"/>
+          </p:cNvSpPr>
+          <p:nvPr>
+            <p:ph type="sldNum" sz="quarter" idx="10"/>
+          </p:nvPr>
+        </p:nvSpPr>
+        <p:spPr/>
+        <p:txBody>
+          <a:bodyPr/>
+          <a:lstStyle/>
+          <a:p>
+            <a:fld id="{7DAD1C3C-184F-4EBE-BA9D-900C6940E360}" type="slidenum">
+              <a:rPr lang="en-GB" smtClean="0"/>
+              <a:t>16</a:t>
+            </a:fld>
+            <a:endParaRPr lang="en-GB"/>
+          </a:p>
+        </p:txBody>
+      </p:sp>
+    </p:spTree>
+    <p:extLst>
+      <p:ext uri="{BB962C8B-B14F-4D97-AF65-F5344CB8AC3E}">
+        <p14:creationId xmlns:p14="http://schemas.microsoft.com/office/powerpoint/2010/main" val="4217908592"/>
+      </p:ext>
+    </p:extLst>
+  </p:cSld>
+  <p:clrMapOvr>
+    <a:masterClrMapping/>
+  </p:clrMapOvr>
+</p:notes>
+</file>
+
+<file path=ppt/notesSlides/notesSlide16.xml><?xml version="1.0" encoding="utf-8"?>
+<p:notes xmlns:a="http://schemas.openxmlformats.org/drawingml/2006/main" xmlns:r="http://schemas.openxmlformats.org/officeDocument/2006/relationships" xmlns:p="http://schemas.openxmlformats.org/presentationml/2006/main">
+  <p:cSld>
+    <p:spTree>
+      <p:nvGrpSpPr>
+        <p:cNvPr id="1" name=""/>
+        <p:cNvGrpSpPr/>
+        <p:nvPr/>
+      </p:nvGrpSpPr>
+      <p:grpSpPr>
+        <a:xfrm>
+          <a:off x="0" y="0"/>
+          <a:ext cx="0" cy="0"/>
+          <a:chOff x="0" y="0"/>
+          <a:chExt cx="0" cy="0"/>
+        </a:xfrm>
+      </p:grpSpPr>
+      <p:sp>
+        <p:nvSpPr>
+          <p:cNvPr id="2" name="Slide Image Placeholder 1"/>
+          <p:cNvSpPr>
+            <a:spLocks noGrp="1" noRot="1" noChangeAspect="1"/>
+          </p:cNvSpPr>
+          <p:nvPr>
+            <p:ph type="sldImg"/>
+          </p:nvPr>
+        </p:nvSpPr>
+        <p:spPr/>
+      </p:sp>
+      <p:sp>
+        <p:nvSpPr>
+          <p:cNvPr id="3" name="Notes Placeholder 2"/>
+          <p:cNvSpPr>
+            <a:spLocks noGrp="1"/>
+          </p:cNvSpPr>
+          <p:nvPr>
+            <p:ph type="body" idx="1"/>
+          </p:nvPr>
+        </p:nvSpPr>
+        <p:spPr/>
+        <p:txBody>
+          <a:bodyPr/>
+          <a:lstStyle/>
+          <a:p>
+            <a:r>
+              <a:rPr lang="en-GB" dirty="0"/>
+              <a:t>The result isn’t perfect</a:t>
+            </a:r>
+          </a:p>
+          <a:p>
+            <a:endParaRPr lang="en-GB" dirty="0"/>
+          </a:p>
+          <a:p>
+            <a:r>
+              <a:rPr lang="en-GB" dirty="0"/>
+              <a:t>But it gives users a helping hand</a:t>
+            </a:r>
+          </a:p>
+          <a:p>
+            <a:endParaRPr lang="en-GB" dirty="0"/>
+          </a:p>
+          <a:p>
+            <a:r>
+              <a:rPr lang="en-GB" dirty="0"/>
+              <a:t>Which is more than Google offers.</a:t>
+            </a:r>
+          </a:p>
+        </p:txBody>
+      </p:sp>
+      <p:sp>
+        <p:nvSpPr>
+          <p:cNvPr id="4" name="Slide Number Placeholder 3"/>
+          <p:cNvSpPr>
+            <a:spLocks noGrp="1"/>
+          </p:cNvSpPr>
+          <p:nvPr>
+            <p:ph type="sldNum" sz="quarter" idx="10"/>
+          </p:nvPr>
+        </p:nvSpPr>
+        <p:spPr/>
+        <p:txBody>
+          <a:bodyPr/>
+          <a:lstStyle/>
+          <a:p>
+            <a:fld id="{7DAD1C3C-184F-4EBE-BA9D-900C6940E360}" type="slidenum">
+              <a:rPr lang="en-GB" smtClean="0"/>
+              <a:t>17</a:t>
+            </a:fld>
+            <a:endParaRPr lang="en-GB"/>
+          </a:p>
+        </p:txBody>
+      </p:sp>
+    </p:spTree>
+    <p:extLst>
+      <p:ext uri="{BB962C8B-B14F-4D97-AF65-F5344CB8AC3E}">
+        <p14:creationId xmlns:p14="http://schemas.microsoft.com/office/powerpoint/2010/main" val="3885657862"/>
+      </p:ext>
+    </p:extLst>
+  </p:cSld>
+  <p:clrMapOvr>
+    <a:masterClrMapping/>
+  </p:clrMapOvr>
+</p:notes>
+</file>
+
+<file path=ppt/notesSlides/notesSlide17.xml><?xml version="1.0" encoding="utf-8"?>
+<p:notes xmlns:a="http://schemas.openxmlformats.org/drawingml/2006/main" xmlns:r="http://schemas.openxmlformats.org/officeDocument/2006/relationships" xmlns:p="http://schemas.openxmlformats.org/presentationml/2006/main">
+  <p:cSld>
+    <p:spTree>
+      <p:nvGrpSpPr>
+        <p:cNvPr id="1" name=""/>
+        <p:cNvGrpSpPr/>
+        <p:nvPr/>
+      </p:nvGrpSpPr>
+      <p:grpSpPr>
+        <a:xfrm>
+          <a:off x="0" y="0"/>
+          <a:ext cx="0" cy="0"/>
+          <a:chOff x="0" y="0"/>
+          <a:chExt cx="0" cy="0"/>
+        </a:xfrm>
+      </p:grpSpPr>
+      <p:sp>
+        <p:nvSpPr>
+          <p:cNvPr id="2" name="Slide Image Placeholder 1"/>
+          <p:cNvSpPr>
+            <a:spLocks noGrp="1" noRot="1" noChangeAspect="1"/>
+          </p:cNvSpPr>
+          <p:nvPr>
+            <p:ph type="sldImg"/>
+          </p:nvPr>
+        </p:nvSpPr>
+        <p:spPr/>
+      </p:sp>
+      <p:sp>
+        <p:nvSpPr>
+          <p:cNvPr id="3" name="Notes Placeholder 2"/>
+          <p:cNvSpPr>
+            <a:spLocks noGrp="1"/>
+          </p:cNvSpPr>
+          <p:nvPr>
+            <p:ph type="body" idx="1"/>
+          </p:nvPr>
+        </p:nvSpPr>
+        <p:spPr/>
+        <p:txBody>
+          <a:bodyPr/>
+          <a:lstStyle/>
+          <a:p>
+            <a:r>
+              <a:rPr lang="en-GB" sz="1200" b="0" kern="1200" dirty="0">
+                <a:solidFill>
+                  <a:schemeClr val="tx1"/>
+                </a:solidFill>
+                <a:effectLst/>
+                <a:latin typeface="+mn-lt"/>
+                <a:ea typeface="+mn-ea"/>
+                <a:cs typeface="+mn-cs"/>
+              </a:rPr>
+              <a:t>We have a web report we can preview then download a static HTML document which can be sent to anyone.</a:t>
+            </a:r>
+          </a:p>
+          <a:p>
+            <a:br>
+              <a:rPr lang="en-GB" sz="1200" b="0" kern="1200" dirty="0">
+                <a:solidFill>
+                  <a:schemeClr val="tx1"/>
+                </a:solidFill>
+                <a:effectLst/>
+                <a:latin typeface="+mn-lt"/>
+                <a:ea typeface="+mn-ea"/>
+                <a:cs typeface="+mn-cs"/>
+              </a:rPr>
+            </a:br>
+            <a:r>
+              <a:rPr lang="en-GB" sz="1200" b="0" kern="1200" dirty="0">
+                <a:solidFill>
+                  <a:schemeClr val="tx1"/>
+                </a:solidFill>
+                <a:effectLst/>
+                <a:latin typeface="+mn-lt"/>
+                <a:ea typeface="+mn-ea"/>
+                <a:cs typeface="+mn-cs"/>
+              </a:rPr>
+              <a:t>It has all the benefits of HTML plus those of PDFs.</a:t>
+            </a:r>
+          </a:p>
+          <a:p>
+            <a:endParaRPr lang="en-GB" sz="1200" b="0" kern="1200" dirty="0">
+              <a:solidFill>
+                <a:schemeClr val="tx1"/>
+              </a:solidFill>
+              <a:effectLst/>
+              <a:latin typeface="+mn-lt"/>
+              <a:ea typeface="+mn-ea"/>
+              <a:cs typeface="+mn-cs"/>
+            </a:endParaRPr>
+          </a:p>
+          <a:p>
+            <a:r>
+              <a:rPr lang="en-GB" sz="1200" b="0" kern="1200" dirty="0">
+                <a:solidFill>
+                  <a:schemeClr val="tx1"/>
+                </a:solidFill>
+                <a:effectLst/>
+                <a:latin typeface="+mn-lt"/>
+                <a:ea typeface="+mn-ea"/>
+                <a:cs typeface="+mn-cs"/>
+              </a:rPr>
+              <a:t>It works in all browsers.</a:t>
+            </a:r>
+          </a:p>
+          <a:p>
+            <a:r>
+              <a:rPr lang="en-GB" sz="1200" b="0" kern="1200" dirty="0">
+                <a:solidFill>
+                  <a:schemeClr val="tx1"/>
+                </a:solidFill>
+                <a:effectLst/>
+                <a:latin typeface="+mn-lt"/>
+                <a:ea typeface="+mn-ea"/>
+                <a:cs typeface="+mn-cs"/>
+              </a:rPr>
+              <a:t>I have used some CSS properties which aren't great in IE but the document is readable and prints perfectly.</a:t>
+            </a:r>
+          </a:p>
+          <a:p>
+            <a:br>
+              <a:rPr lang="en-GB" sz="1200" b="0" kern="1200" dirty="0">
+                <a:solidFill>
+                  <a:schemeClr val="tx1"/>
+                </a:solidFill>
+                <a:effectLst/>
+                <a:latin typeface="+mn-lt"/>
+                <a:ea typeface="+mn-ea"/>
+                <a:cs typeface="+mn-cs"/>
+              </a:rPr>
+            </a:br>
+            <a:r>
+              <a:rPr lang="en-GB" sz="1200" b="0" kern="1200" dirty="0">
+                <a:solidFill>
+                  <a:schemeClr val="tx1"/>
+                </a:solidFill>
+                <a:effectLst/>
+                <a:latin typeface="+mn-lt"/>
+                <a:ea typeface="+mn-ea"/>
+                <a:cs typeface="+mn-cs"/>
+              </a:rPr>
+              <a:t>It's not quite read-only but nor are PDFs when it comes to it.</a:t>
+            </a:r>
+          </a:p>
+          <a:p>
+            <a:r>
+              <a:rPr lang="en-GB" sz="1200" b="0" kern="1200" dirty="0">
+                <a:solidFill>
+                  <a:schemeClr val="tx1"/>
+                </a:solidFill>
+                <a:effectLst/>
+                <a:latin typeface="+mn-lt"/>
+                <a:ea typeface="+mn-ea"/>
+                <a:cs typeface="+mn-cs"/>
+              </a:rPr>
+              <a:t>But the HTML is minified and difficult to edit.</a:t>
+            </a:r>
+          </a:p>
+          <a:p>
+            <a:r>
+              <a:rPr lang="en-GB" sz="1200" b="0" kern="1200" dirty="0">
+                <a:solidFill>
+                  <a:schemeClr val="tx1"/>
+                </a:solidFill>
+                <a:effectLst/>
+                <a:latin typeface="+mn-lt"/>
+                <a:ea typeface="+mn-ea"/>
+                <a:cs typeface="+mn-cs"/>
+              </a:rPr>
+              <a:t>If you’re worried, generate a hash in the content or on the filename so you can prove it’s been tampered with.</a:t>
+            </a:r>
+          </a:p>
+          <a:p>
+            <a:br>
+              <a:rPr lang="en-GB" sz="1200" b="0" kern="1200" dirty="0">
+                <a:solidFill>
+                  <a:schemeClr val="tx1"/>
+                </a:solidFill>
+                <a:effectLst/>
+                <a:latin typeface="+mn-lt"/>
+                <a:ea typeface="+mn-ea"/>
+                <a:cs typeface="+mn-cs"/>
+              </a:rPr>
+            </a:br>
+            <a:r>
+              <a:rPr lang="en-GB" sz="1200" b="0" kern="1200" dirty="0">
+                <a:solidFill>
+                  <a:schemeClr val="tx1"/>
+                </a:solidFill>
+                <a:effectLst/>
+                <a:latin typeface="+mn-lt"/>
+                <a:ea typeface="+mn-ea"/>
+                <a:cs typeface="+mn-cs"/>
+              </a:rPr>
+              <a:t>Finally, user expectations.</a:t>
+            </a:r>
+          </a:p>
+          <a:p>
+            <a:r>
+              <a:rPr lang="en-GB" sz="1200" b="0" kern="1200" dirty="0">
+                <a:solidFill>
+                  <a:schemeClr val="tx1"/>
+                </a:solidFill>
+                <a:effectLst/>
+                <a:latin typeface="+mn-lt"/>
+                <a:ea typeface="+mn-ea"/>
+                <a:cs typeface="+mn-cs"/>
+              </a:rPr>
+              <a:t>This was the biggest unknown but, so far, everyone seems to love it.</a:t>
+            </a:r>
+          </a:p>
+          <a:p>
+            <a:r>
+              <a:rPr lang="en-GB" sz="1200" b="0" kern="1200" dirty="0">
+                <a:solidFill>
+                  <a:schemeClr val="tx1"/>
+                </a:solidFill>
+                <a:effectLst/>
+                <a:latin typeface="+mn-lt"/>
+                <a:ea typeface="+mn-ea"/>
+                <a:cs typeface="+mn-cs"/>
+              </a:rPr>
+              <a:t>HTML documents have been sent to hundreds of people over the past year.</a:t>
+            </a:r>
+          </a:p>
+          <a:p>
+            <a:r>
+              <a:rPr lang="en-GB" sz="1200" b="0" kern="1200" dirty="0">
+                <a:solidFill>
+                  <a:schemeClr val="tx1"/>
+                </a:solidFill>
+                <a:effectLst/>
+                <a:latin typeface="+mn-lt"/>
+                <a:ea typeface="+mn-ea"/>
+                <a:cs typeface="+mn-cs"/>
+              </a:rPr>
+              <a:t>They had different email systems and browsers but I don’t know of anyone who had a technical problem.</a:t>
+            </a:r>
+          </a:p>
+          <a:p>
+            <a:br>
+              <a:rPr lang="en-GB" sz="1200" b="0" kern="1200" dirty="0">
+                <a:solidFill>
+                  <a:schemeClr val="tx1"/>
+                </a:solidFill>
+                <a:effectLst/>
+                <a:latin typeface="+mn-lt"/>
+                <a:ea typeface="+mn-ea"/>
+                <a:cs typeface="+mn-cs"/>
+              </a:rPr>
+            </a:br>
+            <a:r>
+              <a:rPr lang="en-GB" sz="1200" b="0" kern="1200" dirty="0">
+                <a:solidFill>
+                  <a:schemeClr val="tx1"/>
+                </a:solidFill>
+                <a:effectLst/>
+                <a:latin typeface="+mn-lt"/>
+                <a:ea typeface="+mn-ea"/>
+                <a:cs typeface="+mn-cs"/>
+              </a:rPr>
+              <a:t>In fact, some have even being demanding monthly reports before the month ends.</a:t>
+            </a:r>
+          </a:p>
+          <a:p>
+            <a:r>
+              <a:rPr lang="en-GB" sz="1200" b="0" kern="1200" dirty="0">
+                <a:solidFill>
+                  <a:schemeClr val="tx1"/>
+                </a:solidFill>
+                <a:effectLst/>
+                <a:latin typeface="+mn-lt"/>
+                <a:ea typeface="+mn-ea"/>
+                <a:cs typeface="+mn-cs"/>
+              </a:rPr>
+              <a:t>That’s clearly bonkers, but that’s users for you.</a:t>
+            </a:r>
+          </a:p>
+          <a:p>
+            <a:br>
+              <a:rPr lang="en-GB" sz="1200" b="0" kern="1200" dirty="0">
+                <a:solidFill>
+                  <a:schemeClr val="tx1"/>
+                </a:solidFill>
+                <a:effectLst/>
+                <a:latin typeface="+mn-lt"/>
+                <a:ea typeface="+mn-ea"/>
+                <a:cs typeface="+mn-cs"/>
+              </a:rPr>
+            </a:br>
+            <a:r>
+              <a:rPr lang="en-GB" sz="1200" b="0" kern="1200" dirty="0">
+                <a:solidFill>
+                  <a:schemeClr val="tx1"/>
+                </a:solidFill>
+                <a:effectLst/>
+                <a:latin typeface="+mn-lt"/>
+                <a:ea typeface="+mn-ea"/>
+                <a:cs typeface="+mn-cs"/>
+              </a:rPr>
+              <a:t>All the example code is on GitHub.</a:t>
+            </a:r>
+          </a:p>
+          <a:p>
+            <a:r>
+              <a:rPr lang="en-GB" sz="1200" b="0" kern="1200" dirty="0">
+                <a:solidFill>
+                  <a:schemeClr val="tx1"/>
+                </a:solidFill>
+                <a:effectLst/>
+                <a:latin typeface="+mn-lt"/>
+                <a:ea typeface="+mn-ea"/>
+                <a:cs typeface="+mn-cs"/>
+              </a:rPr>
+              <a:t>Feel free to adapt it for your own purposes.</a:t>
+            </a:r>
+          </a:p>
+          <a:p>
+            <a:r>
+              <a:rPr lang="en-GB" sz="1200" b="0" kern="1200" dirty="0">
+                <a:solidFill>
+                  <a:schemeClr val="tx1"/>
+                </a:solidFill>
+                <a:effectLst/>
+                <a:latin typeface="+mn-lt"/>
+                <a:ea typeface="+mn-ea"/>
+                <a:cs typeface="+mn-cs"/>
+              </a:rPr>
+              <a:t>Or please hire me if you’d like someone else to do the work!</a:t>
+            </a:r>
+          </a:p>
+          <a:p>
+            <a:br>
+              <a:rPr lang="en-GB" sz="1200" b="0" kern="1200" dirty="0">
+                <a:solidFill>
+                  <a:schemeClr val="tx1"/>
+                </a:solidFill>
+                <a:effectLst/>
+                <a:latin typeface="+mn-lt"/>
+                <a:ea typeface="+mn-ea"/>
+                <a:cs typeface="+mn-cs"/>
+              </a:rPr>
+            </a:br>
+            <a:r>
+              <a:rPr lang="en-GB" sz="1200" b="0" kern="1200" dirty="0">
+                <a:solidFill>
+                  <a:schemeClr val="tx1"/>
+                </a:solidFill>
+                <a:effectLst/>
+                <a:latin typeface="+mn-lt"/>
+                <a:ea typeface="+mn-ea"/>
+                <a:cs typeface="+mn-cs"/>
+              </a:rPr>
+              <a:t>So, the next time someone demands a PDF, tell them you have a better option.</a:t>
+            </a:r>
+          </a:p>
+          <a:p>
+            <a:endParaRPr lang="en-GB" sz="1200" b="0" kern="1200" dirty="0">
+              <a:solidFill>
+                <a:schemeClr val="tx1"/>
+              </a:solidFill>
+              <a:effectLst/>
+              <a:latin typeface="+mn-lt"/>
+              <a:ea typeface="+mn-ea"/>
+              <a:cs typeface="+mn-cs"/>
+            </a:endParaRPr>
+          </a:p>
+        </p:txBody>
+      </p:sp>
+      <p:sp>
+        <p:nvSpPr>
+          <p:cNvPr id="4" name="Slide Number Placeholder 3"/>
+          <p:cNvSpPr>
+            <a:spLocks noGrp="1"/>
+          </p:cNvSpPr>
+          <p:nvPr>
+            <p:ph type="sldNum" sz="quarter" idx="10"/>
+          </p:nvPr>
+        </p:nvSpPr>
+        <p:spPr/>
+        <p:txBody>
+          <a:bodyPr/>
+          <a:lstStyle/>
+          <a:p>
+            <a:fld id="{7DAD1C3C-184F-4EBE-BA9D-900C6940E360}" type="slidenum">
+              <a:rPr lang="en-GB" smtClean="0"/>
+              <a:t>18</a:t>
+            </a:fld>
+            <a:endParaRPr lang="en-GB"/>
+          </a:p>
+        </p:txBody>
+      </p:sp>
+    </p:spTree>
+    <p:extLst>
+      <p:ext uri="{BB962C8B-B14F-4D97-AF65-F5344CB8AC3E}">
+        <p14:creationId xmlns:p14="http://schemas.microsoft.com/office/powerpoint/2010/main" val="2172785271"/>
       </p:ext>
     </p:extLst>
   </p:cSld>
@@ -1500,7 +2296,7 @@
           <a:p>
             <a:r>
               <a:rPr lang="en-GB" dirty="0"/>
-              <a:t>OK, so PDFs have been around for 25 years.</a:t>
+              <a:t>It’s only been around 25 years.</a:t>
             </a:r>
           </a:p>
           <a:p>
@@ -1532,7 +2328,7 @@
           <a:p>
             <a:r>
               <a:rPr lang="en-GB" dirty="0"/>
-              <a:t>Is anyone not familiar with the document format?</a:t>
+              <a:t>Is anyone not familiar with PDFs?</a:t>
             </a:r>
           </a:p>
           <a:p>
@@ -1541,7 +2337,7 @@
           <a:p>
             <a:r>
               <a:rPr lang="en-GB" dirty="0"/>
-              <a:t>PDFs is essentially the printer-based postscript standard stored in a file rather than output onto paper</a:t>
+              <a:t>They’re essentially postscript instructions sent to a file rather than to a printer</a:t>
             </a:r>
           </a:p>
         </p:txBody>
@@ -1628,7 +2424,7 @@
           <a:p>
             <a:r>
               <a:rPr lang="en-GB" dirty="0"/>
-              <a:t>That makes it very practical.</a:t>
+              <a:t>That makes very practical.</a:t>
             </a:r>
           </a:p>
           <a:p>
@@ -1637,7 +2433,7 @@
           <a:p>
             <a:r>
               <a:rPr lang="en-GB" dirty="0"/>
-              <a:t>If an application can print, it can output a PDF</a:t>
+              <a:t>If an application can print, it can export a PDF</a:t>
             </a:r>
           </a:p>
           <a:p>
@@ -1646,7 +2442,7 @@
           <a:p>
             <a:r>
               <a:rPr lang="en-GB" dirty="0"/>
-              <a:t>That means you know what it’s going to look like before saving just by using a print preview</a:t>
+              <a:t>If you have print preview, you can see what the PDF will look like before saving it</a:t>
             </a:r>
           </a:p>
           <a:p>
@@ -1655,7 +2451,7 @@
           <a:p>
             <a:r>
               <a:rPr lang="en-GB" dirty="0"/>
-              <a:t>The file is effectively read-only</a:t>
+              <a:t>The file is effectively read-only (or near enough)</a:t>
             </a:r>
           </a:p>
           <a:p>
@@ -1673,7 +2469,13 @@
           <a:p>
             <a:r>
               <a:rPr lang="en-GB" dirty="0"/>
-              <a:t>And they can open it on any system without having the software which created it</a:t>
+              <a:t>And they can open it on any system which has a PDF reader.</a:t>
+            </a:r>
+          </a:p>
+          <a:p>
+            <a:r>
+              <a:rPr lang="en-GB" dirty="0"/>
+              <a:t>You don’t need the software which created the PDF file.</a:t>
             </a:r>
           </a:p>
           <a:p>
@@ -1682,7 +2484,7 @@
           <a:p>
             <a:r>
               <a:rPr lang="en-GB" dirty="0"/>
-              <a:t>Normally, they can read it offline</a:t>
+              <a:t>You can usually read PDFs offline</a:t>
             </a:r>
           </a:p>
           <a:p>
@@ -1691,7 +2493,7 @@
           <a:p>
             <a:r>
               <a:rPr lang="en-GB" dirty="0"/>
-              <a:t>Or print it as if they had the original application</a:t>
+              <a:t>and print them as well as the original application could</a:t>
             </a:r>
           </a:p>
           <a:p>
@@ -1706,7 +2508,7 @@
           <a:p>
             <a:r>
               <a:rPr lang="en-GB" dirty="0"/>
-              <a:t>So get over it Craig. You’ve already lost.</a:t>
+              <a:t>So get over it Craig. What don’t you understand.</a:t>
             </a:r>
           </a:p>
           <a:p>
@@ -1796,7 +2598,7 @@
           <a:p>
             <a:r>
               <a:rPr lang="en-GB" dirty="0"/>
-              <a:t>I’ve built on web application for one of my clients</a:t>
+              <a:t>So a little back story to this presentation</a:t>
             </a:r>
           </a:p>
           <a:p>
@@ -1805,6 +2607,15 @@
           <a:p>
             <a:r>
               <a:rPr lang="en-GB" dirty="0"/>
+              <a:t>I’ve been building a web application for one of my clients</a:t>
+            </a:r>
+          </a:p>
+          <a:p>
+            <a:endParaRPr lang="en-GB" dirty="0"/>
+          </a:p>
+          <a:p>
+            <a:r>
+              <a:rPr lang="en-GB" dirty="0"/>
               <a:t>It's nothing revolutionary: usual stuff</a:t>
             </a:r>
           </a:p>
@@ -1823,7 +2634,7 @@
           <a:p>
             <a:r>
               <a:rPr lang="en-GB" dirty="0"/>
-              <a:t>Those customers can run reports and get all sorts of amazing business insights with a few clicks</a:t>
+              <a:t>Those customers can run reports and get all sorts of amazing business insights with just a few clicks</a:t>
             </a:r>
           </a:p>
           <a:p>
@@ -1840,7 +2651,7 @@
             </a:r>
             <a:r>
               <a:rPr lang="en-GB" dirty="0"/>
-              <a:t> satisfied with the system</a:t>
+              <a:t> satisfied with this system</a:t>
             </a:r>
           </a:p>
         </p:txBody>
@@ -1927,7 +2738,7 @@
           <a:p>
             <a:r>
               <a:rPr lang="en-GB" dirty="0"/>
-              <a:t>But how wrong I was</a:t>
+              <a:t>How wrong I was</a:t>
             </a:r>
           </a:p>
           <a:p>
@@ -1936,7 +2747,7 @@
           <a:p>
             <a:r>
               <a:rPr lang="en-GB" dirty="0"/>
-              <a:t>But my client contacted me last year to say they were spending several days every month creating PDF reports which they emailed to their clients.</a:t>
+              <a:t>My client contacted me last year to say they were spending several days every month creating PDF reports which they emailed to customers.</a:t>
             </a:r>
           </a:p>
           <a:p>
@@ -1963,7 +2774,7 @@
           <a:p>
             <a:r>
               <a:rPr lang="en-GB" dirty="0"/>
-              <a:t>What possible reason would you have to do that when the same information and more is a click away.</a:t>
+              <a:t>Why do that when those customers can access the same information with a few clicks.</a:t>
             </a:r>
           </a:p>
           <a:p>
@@ -2199,7 +3010,7 @@
             </a:pPr>
             <a:r>
               <a:rPr lang="en-GB" dirty="0"/>
-              <a:t>We’re all curious about technology and data and serverless and blockchain.</a:t>
+              <a:t>We’re all curious about technology. And data. And serverless. And blockchain.</a:t>
             </a:r>
           </a:p>
           <a:p>
@@ -2242,7 +3053,30 @@
             </a:pPr>
             <a:r>
               <a:rPr lang="en-GB" dirty="0"/>
-              <a:t>So if we want to find something out, we go looking for it. We ask others. We search the web. We go to conferences.</a:t>
+              <a:t>So if we want to find something out, we go looking for it.</a:t>
+            </a:r>
+          </a:p>
+          <a:p>
+            <a:pPr marL="0" marR="0" lvl="0" indent="0" algn="l" defTabSz="914400" rtl="0" eaLnBrk="1" fontAlgn="auto" latinLnBrk="0" hangingPunct="1">
+              <a:lnSpc>
+                <a:spcPct val="100000"/>
+              </a:lnSpc>
+              <a:spcBef>
+                <a:spcPts val="0"/>
+              </a:spcBef>
+              <a:spcAft>
+                <a:spcPts val="0"/>
+              </a:spcAft>
+              <a:buClrTx/>
+              <a:buSzTx/>
+              <a:buFontTx/>
+              <a:buNone/>
+              <a:tabLst/>
+              <a:defRPr/>
+            </a:pPr>
+            <a:r>
+              <a:rPr lang="en-GB" dirty="0"/>
+              <a:t>We ask others. We search the web. We go to conferences.</a:t>
             </a:r>
           </a:p>
           <a:p>
@@ -2328,7 +3162,7 @@
             </a:pPr>
             <a:r>
               <a:rPr lang="en-GB" dirty="0"/>
-              <a:t>They like to be told what’s good for them without going to any effort of doing research for themselves.</a:t>
+              <a:t>They like to be told what’s good for them.</a:t>
             </a:r>
           </a:p>
           <a:p>
@@ -2351,7 +3185,30 @@
             </a:pPr>
             <a:r>
               <a:rPr lang="en-GB" dirty="0"/>
-              <a:t>They’ve got important jobs to do and their far too busy to analyse facts.</a:t>
+              <a:t>They don’t want the effort of doing research.</a:t>
+            </a:r>
+          </a:p>
+          <a:p>
+            <a:pPr marL="0" marR="0" lvl="0" indent="0" algn="l" defTabSz="914400" rtl="0" eaLnBrk="1" fontAlgn="auto" latinLnBrk="0" hangingPunct="1">
+              <a:lnSpc>
+                <a:spcPct val="100000"/>
+              </a:lnSpc>
+              <a:spcBef>
+                <a:spcPts val="0"/>
+              </a:spcBef>
+              <a:spcAft>
+                <a:spcPts val="0"/>
+              </a:spcAft>
+              <a:buClrTx/>
+              <a:buSzTx/>
+              <a:buFontTx/>
+              <a:buNone/>
+              <a:tabLst/>
+              <a:defRPr/>
+            </a:pPr>
+            <a:r>
+              <a:rPr lang="en-GB" dirty="0"/>
+              <a:t>They’ve got important jobs and they’re far too busy to analyse facts.</a:t>
             </a:r>
           </a:p>
           <a:p>
@@ -2394,7 +3251,7 @@
             </a:pPr>
             <a:r>
               <a:rPr lang="en-GB" dirty="0"/>
-              <a:t>Emailing a report allowed them to view it anywhere</a:t>
+              <a:t>This report gave them a summary of information which they could read at their convenience</a:t>
             </a:r>
           </a:p>
           <a:p>
@@ -2417,7 +3274,7 @@
             </a:pPr>
             <a:r>
               <a:rPr lang="en-GB" dirty="0"/>
-              <a:t>And reminded them they were getting a useful service for their money even if they weren’t using it every day.</a:t>
+              <a:t>And it reminded them they were getting a useful service even if they weren’t logging in every day.</a:t>
             </a:r>
           </a:p>
           <a:p>
@@ -2503,7 +3360,7 @@
             </a:pPr>
             <a:r>
               <a:rPr lang="en-GB" dirty="0"/>
-              <a:t>So I had to accept it was probably a good thing and stopped thinking that I somehow knew their business better than they did.</a:t>
+              <a:t>I had to accept I was wrong and most users like to be spoon fed facts.</a:t>
             </a:r>
           </a:p>
           <a:p>
@@ -2610,7 +3467,7 @@
           <a:p>
             <a:r>
               <a:rPr lang="en-GB" dirty="0"/>
-              <a:t>So my next question was: how are you producing these reports?</a:t>
+              <a:t>So my next question: how are you producing these PDFs?</a:t>
             </a:r>
           </a:p>
           <a:p>
@@ -2619,7 +3476,7 @@
           <a:p>
             <a:r>
               <a:rPr lang="en-GB" dirty="0"/>
-              <a:t>Well, Craig, we access various application reports for each individual client. </a:t>
+              <a:t>Well, Craig, we access various reports for each customer in the web application.</a:t>
             </a:r>
           </a:p>
           <a:p>
@@ -2634,7 +3491,7 @@
           <a:p>
             <a:r>
               <a:rPr lang="en-GB" dirty="0"/>
-              <a:t>What? You don’t download the CSV or SVGs?</a:t>
+              <a:t>{ What? You don’t download the CSV or SVGs I sweated over? }</a:t>
             </a:r>
           </a:p>
           <a:p>
@@ -2649,13 +3506,13 @@
           <a:p>
             <a:r>
               <a:rPr lang="en-GB" dirty="0"/>
-              <a:t>Then we paste them into PowerPoint.</a:t>
-            </a:r>
-          </a:p>
-          <a:p>
-            <a:r>
-              <a:rPr lang="en-GB" dirty="0"/>
-              <a:t>PowerPoint? Not Excel or anything practical for further analysis?</a:t>
+              <a:t>We paste screenshots into PowerPoint.</a:t>
+            </a:r>
+          </a:p>
+          <a:p>
+            <a:r>
+              <a:rPr lang="en-GB" dirty="0"/>
+              <a:t>{ PowerPoint? Not Excel or anything practical for further analysis? }</a:t>
             </a:r>
           </a:p>
           <a:p>
@@ -2685,7 +3542,7 @@
           <a:p>
             <a:r>
               <a:rPr lang="en-GB" dirty="0"/>
-              <a:t>OK, but isn’t the quality fairly poor.</a:t>
+              <a:t>{ Whatever. But isn’t the quality really bad? }</a:t>
             </a:r>
           </a:p>
           <a:p>
@@ -2706,13 +3563,13 @@
           <a:p>
             <a:r>
               <a:rPr lang="en-GB" dirty="0"/>
-              <a:t>OK, but aren’t those files fairly big.</a:t>
-            </a:r>
-          </a:p>
-          <a:p>
-            <a:r>
-              <a:rPr lang="en-GB" dirty="0"/>
-              <a:t>Yes, they are. Most are several megabytes in size which causes problems for some clients.</a:t>
+              <a:t>{ OK. Aren’t those files fairly big? }</a:t>
+            </a:r>
+          </a:p>
+          <a:p>
+            <a:r>
+              <a:rPr lang="en-GB" dirty="0"/>
+              <a:t>Yes. They are. They’re several megabytes in size. That causes problems for some clients.</a:t>
             </a:r>
           </a:p>
           <a:p>
@@ -2721,7 +3578,13 @@
           <a:p>
             <a:r>
               <a:rPr lang="en-GB" dirty="0"/>
-              <a:t>So the question was: could I replicate this process in a more practical way to create a PDF?</a:t>
+              <a:t>So the question was:</a:t>
+            </a:r>
+          </a:p>
+          <a:p>
+            <a:r>
+              <a:rPr lang="en-GB" dirty="0"/>
+              <a:t>could I make this process easier?</a:t>
             </a:r>
           </a:p>
         </p:txBody>
@@ -2817,19 +3680,19 @@
           <a:p>
             <a:r>
               <a:rPr lang="en-GB" dirty="0"/>
-              <a:t>The first is what most developers use and you don’t need to really do anything.</a:t>
-            </a:r>
-          </a:p>
-          <a:p>
-            <a:r>
-              <a:rPr lang="en-GB" dirty="0"/>
-              <a:t>You just allow the browser to print to a PDF which effectively converts HTML to Postscript.</a:t>
-            </a:r>
-          </a:p>
-          <a:p>
-            <a:r>
-              <a:rPr lang="en-GB" dirty="0"/>
-              <a:t>It works, but control over that process is limited.</a:t>
+              <a:t>The first is what most developers use … because you don’t need to really do anything.</a:t>
+            </a:r>
+          </a:p>
+          <a:p>
+            <a:r>
+              <a:rPr lang="en-GB" dirty="0"/>
+              <a:t>You just get a browser to print to a PDF which effectively converts HTML to Postscript.</a:t>
+            </a:r>
+          </a:p>
+          <a:p>
+            <a:r>
+              <a:rPr lang="en-GB" dirty="0"/>
+              <a:t>It works, but control is limited.</a:t>
             </a:r>
           </a:p>
           <a:p>
@@ -2847,7 +3710,7 @@
           <a:p>
             <a:r>
               <a:rPr lang="en-GB" dirty="0"/>
-              <a:t>And you’re often relying on the user to tweak export settings and they never get it right.</a:t>
+              <a:t>And you’re often relying on the user to tweak the settings. And they never get it right.</a:t>
             </a:r>
           </a:p>
           <a:p>
@@ -2862,25 +3725,25 @@
           <a:p>
             <a:r>
               <a:rPr lang="en-GB" dirty="0"/>
-              <a:t>You could write raw Postscript code but it’s more practical to use a library.</a:t>
-            </a:r>
-          </a:p>
-          <a:p>
-            <a:r>
-              <a:rPr lang="en-GB" dirty="0"/>
-              <a:t>Now this has ultimate flexibly because you're positioning text and lines on paper. </a:t>
-            </a:r>
-          </a:p>
-          <a:p>
-            <a:r>
-              <a:rPr lang="en-GB" dirty="0"/>
-              <a:t>But it’s difficult do to anything of any complexity.</a:t>
-            </a:r>
-          </a:p>
-          <a:p>
-            <a:r>
-              <a:rPr lang="en-GB" dirty="0"/>
-              <a:t>I tried several libraries to convert tables and SVGs and the results were variable.</a:t>
+              <a:t>The masochists amongst you could write raw Postscript code but it’s easier to use a library.</a:t>
+            </a:r>
+          </a:p>
+          <a:p>
+            <a:r>
+              <a:rPr lang="en-GB" dirty="0"/>
+              <a:t>This has more flexibly because you're positioning text and lines on paper. </a:t>
+            </a:r>
+          </a:p>
+          <a:p>
+            <a:r>
+              <a:rPr lang="en-GB" dirty="0"/>
+              <a:t>But it’s difficult do to anything complex.</a:t>
+            </a:r>
+          </a:p>
+          <a:p>
+            <a:r>
+              <a:rPr lang="en-GB" dirty="0"/>
+              <a:t>I tried several libraries to convert tables and SVGs but it was a lot of work and results were variable.</a:t>
             </a:r>
           </a:p>
           <a:p>
@@ -2895,7 +3758,7 @@
           <a:p>
             <a:r>
               <a:rPr lang="en-GB" dirty="0"/>
-              <a:t>You either use one or the other and neither was ideal.</a:t>
+              <a:t>And neither is ideal for web applications</a:t>
             </a:r>
           </a:p>
           <a:p>
@@ -2904,7 +3767,7 @@
           <a:p>
             <a:r>
               <a:rPr lang="en-GB" dirty="0"/>
-              <a:t>I started to question my life choices and how pointless everything was.</a:t>
+              <a:t>I started to question my life choices and the futility of everything</a:t>
             </a:r>
           </a:p>
         </p:txBody>
@@ -6508,6 +7371,1363 @@
       <p:bldP spid="5" grpId="0" build="p"/>
     </p:bldLst>
   </p:timing>
+</p:sld>
+</file>
+
+<file path=ppt/slides/slide14.xml><?xml version="1.0" encoding="utf-8"?>
+<p:sld xmlns:a="http://schemas.openxmlformats.org/drawingml/2006/main" xmlns:r="http://schemas.openxmlformats.org/officeDocument/2006/relationships" xmlns:p="http://schemas.openxmlformats.org/presentationml/2006/main">
+  <p:cSld>
+    <p:spTree>
+      <p:nvGrpSpPr>
+        <p:cNvPr id="1" name=""/>
+        <p:cNvGrpSpPr/>
+        <p:nvPr/>
+      </p:nvGrpSpPr>
+      <p:grpSpPr>
+        <a:xfrm>
+          <a:off x="0" y="0"/>
+          <a:ext cx="0" cy="0"/>
+          <a:chOff x="0" y="0"/>
+          <a:chExt cx="0" cy="0"/>
+        </a:xfrm>
+      </p:grpSpPr>
+      <p:sp>
+        <p:nvSpPr>
+          <p:cNvPr id="2" name="Title 1">
+            <a:extLst>
+              <a:ext uri="{FF2B5EF4-FFF2-40B4-BE49-F238E27FC236}">
+                <a16:creationId xmlns:a16="http://schemas.microsoft.com/office/drawing/2014/main" id="{4FD23267-3D94-4F81-AAA2-4E170B8838C1}"/>
+              </a:ext>
+            </a:extLst>
+          </p:cNvPr>
+          <p:cNvSpPr>
+            <a:spLocks noGrp="1"/>
+          </p:cNvSpPr>
+          <p:nvPr>
+            <p:ph type="title"/>
+          </p:nvPr>
+        </p:nvSpPr>
+        <p:spPr/>
+        <p:txBody>
+          <a:bodyPr/>
+          <a:lstStyle/>
+          <a:p>
+            <a:r>
+              <a:rPr lang="en-GB" dirty="0"/>
+              <a:t>Let’s get coding!</a:t>
+            </a:r>
+          </a:p>
+        </p:txBody>
+      </p:sp>
+      <p:sp>
+        <p:nvSpPr>
+          <p:cNvPr id="3" name="Footer Placeholder 2">
+            <a:extLst>
+              <a:ext uri="{FF2B5EF4-FFF2-40B4-BE49-F238E27FC236}">
+                <a16:creationId xmlns:a16="http://schemas.microsoft.com/office/drawing/2014/main" id="{7C5C640E-D91F-4E1F-BEDC-023D4977D5D9}"/>
+              </a:ext>
+            </a:extLst>
+          </p:cNvPr>
+          <p:cNvSpPr>
+            <a:spLocks noGrp="1"/>
+          </p:cNvSpPr>
+          <p:nvPr>
+            <p:ph type="ftr" sz="quarter" idx="10"/>
+          </p:nvPr>
+        </p:nvSpPr>
+        <p:spPr/>
+        <p:txBody>
+          <a:bodyPr/>
+          <a:lstStyle/>
+          <a:p>
+            <a:pPr algn="l"/>
+            <a:r>
+              <a:rPr lang="en-GB"/>
+              <a:t>“Is PDF your best option?” @craigbuckler</a:t>
+            </a:r>
+            <a:endParaRPr lang="en-GB" dirty="0"/>
+          </a:p>
+        </p:txBody>
+      </p:sp>
+      <p:sp>
+        <p:nvSpPr>
+          <p:cNvPr id="4" name="Slide Number Placeholder 3">
+            <a:extLst>
+              <a:ext uri="{FF2B5EF4-FFF2-40B4-BE49-F238E27FC236}">
+                <a16:creationId xmlns:a16="http://schemas.microsoft.com/office/drawing/2014/main" id="{F681B2C2-3CBA-40C8-953C-A33ABB3D2BF0}"/>
+              </a:ext>
+            </a:extLst>
+          </p:cNvPr>
+          <p:cNvSpPr>
+            <a:spLocks noGrp="1"/>
+          </p:cNvSpPr>
+          <p:nvPr>
+            <p:ph type="sldNum" sz="quarter" idx="11"/>
+          </p:nvPr>
+        </p:nvSpPr>
+        <p:spPr/>
+        <p:txBody>
+          <a:bodyPr/>
+          <a:lstStyle/>
+          <a:p>
+            <a:fld id="{29C3688D-466A-4AE0-92FF-3F2AC942A837}" type="slidenum">
+              <a:rPr lang="en-GB" smtClean="0"/>
+              <a:pPr/>
+              <a:t>14</a:t>
+            </a:fld>
+            <a:r>
+              <a:rPr lang="en-GB"/>
+              <a:t> of 99</a:t>
+            </a:r>
+            <a:endParaRPr lang="en-GB" dirty="0"/>
+          </a:p>
+        </p:txBody>
+      </p:sp>
+    </p:spTree>
+    <p:extLst>
+      <p:ext uri="{BB962C8B-B14F-4D97-AF65-F5344CB8AC3E}">
+        <p14:creationId xmlns:p14="http://schemas.microsoft.com/office/powerpoint/2010/main" val="2148524004"/>
+      </p:ext>
+    </p:extLst>
+  </p:cSld>
+  <p:clrMapOvr>
+    <a:masterClrMapping/>
+  </p:clrMapOvr>
+</p:sld>
+</file>
+
+<file path=ppt/slides/slide15.xml><?xml version="1.0" encoding="utf-8"?>
+<p:sld xmlns:a="http://schemas.openxmlformats.org/drawingml/2006/main" xmlns:r="http://schemas.openxmlformats.org/officeDocument/2006/relationships" xmlns:p="http://schemas.openxmlformats.org/presentationml/2006/main">
+  <p:cSld>
+    <p:spTree>
+      <p:nvGrpSpPr>
+        <p:cNvPr id="1" name=""/>
+        <p:cNvGrpSpPr/>
+        <p:nvPr/>
+      </p:nvGrpSpPr>
+      <p:grpSpPr>
+        <a:xfrm>
+          <a:off x="0" y="0"/>
+          <a:ext cx="0" cy="0"/>
+          <a:chOff x="0" y="0"/>
+          <a:chExt cx="0" cy="0"/>
+        </a:xfrm>
+      </p:grpSpPr>
+      <p:sp>
+        <p:nvSpPr>
+          <p:cNvPr id="2" name="Title 1">
+            <a:extLst>
+              <a:ext uri="{FF2B5EF4-FFF2-40B4-BE49-F238E27FC236}">
+                <a16:creationId xmlns:a16="http://schemas.microsoft.com/office/drawing/2014/main" id="{A29C0077-185B-4008-91FC-99AA98AE5709}"/>
+              </a:ext>
+            </a:extLst>
+          </p:cNvPr>
+          <p:cNvSpPr>
+            <a:spLocks noGrp="1"/>
+          </p:cNvSpPr>
+          <p:nvPr>
+            <p:ph type="title"/>
+          </p:nvPr>
+        </p:nvSpPr>
+        <p:spPr/>
+        <p:txBody>
+          <a:bodyPr/>
+          <a:lstStyle/>
+          <a:p>
+            <a:r>
+              <a:rPr lang="en-GB" dirty="0"/>
+              <a:t>Gmail evil</a:t>
+            </a:r>
+          </a:p>
+        </p:txBody>
+      </p:sp>
+      <p:sp>
+        <p:nvSpPr>
+          <p:cNvPr id="3" name="Footer Placeholder 2">
+            <a:extLst>
+              <a:ext uri="{FF2B5EF4-FFF2-40B4-BE49-F238E27FC236}">
+                <a16:creationId xmlns:a16="http://schemas.microsoft.com/office/drawing/2014/main" id="{F77E27CF-8D50-476F-B6D4-8982AA8BB737}"/>
+              </a:ext>
+            </a:extLst>
+          </p:cNvPr>
+          <p:cNvSpPr>
+            <a:spLocks noGrp="1"/>
+          </p:cNvSpPr>
+          <p:nvPr>
+            <p:ph type="ftr" sz="quarter" idx="10"/>
+          </p:nvPr>
+        </p:nvSpPr>
+        <p:spPr/>
+        <p:txBody>
+          <a:bodyPr/>
+          <a:lstStyle/>
+          <a:p>
+            <a:pPr algn="l"/>
+            <a:r>
+              <a:rPr lang="en-GB"/>
+              <a:t>“Is PDF your best option?” @craigbuckler</a:t>
+            </a:r>
+            <a:endParaRPr lang="en-GB" dirty="0"/>
+          </a:p>
+        </p:txBody>
+      </p:sp>
+      <p:sp>
+        <p:nvSpPr>
+          <p:cNvPr id="4" name="Slide Number Placeholder 3">
+            <a:extLst>
+              <a:ext uri="{FF2B5EF4-FFF2-40B4-BE49-F238E27FC236}">
+                <a16:creationId xmlns:a16="http://schemas.microsoft.com/office/drawing/2014/main" id="{7E84B4C7-68AB-4062-9747-73C98404178D}"/>
+              </a:ext>
+            </a:extLst>
+          </p:cNvPr>
+          <p:cNvSpPr>
+            <a:spLocks noGrp="1"/>
+          </p:cNvSpPr>
+          <p:nvPr>
+            <p:ph type="sldNum" sz="quarter" idx="11"/>
+          </p:nvPr>
+        </p:nvSpPr>
+        <p:spPr/>
+        <p:txBody>
+          <a:bodyPr/>
+          <a:lstStyle/>
+          <a:p>
+            <a:fld id="{29C3688D-466A-4AE0-92FF-3F2AC942A837}" type="slidenum">
+              <a:rPr lang="en-GB" smtClean="0"/>
+              <a:pPr/>
+              <a:t>15</a:t>
+            </a:fld>
+            <a:r>
+              <a:rPr lang="en-GB"/>
+              <a:t> of 99</a:t>
+            </a:r>
+            <a:endParaRPr lang="en-GB" dirty="0"/>
+          </a:p>
+        </p:txBody>
+      </p:sp>
+      <p:pic>
+        <p:nvPicPr>
+          <p:cNvPr id="6" name="Picture 5">
+            <a:extLst>
+              <a:ext uri="{FF2B5EF4-FFF2-40B4-BE49-F238E27FC236}">
+                <a16:creationId xmlns:a16="http://schemas.microsoft.com/office/drawing/2014/main" id="{A1439195-6B19-41F8-A461-04188AE0DFBF}"/>
+              </a:ext>
+            </a:extLst>
+          </p:cNvPr>
+          <p:cNvPicPr>
+            <a:picLocks noChangeAspect="1"/>
+          </p:cNvPicPr>
+          <p:nvPr/>
+        </p:nvPicPr>
+        <p:blipFill>
+          <a:blip r:embed="rId3">
+            <a:extLst>
+              <a:ext uri="{28A0092B-C50C-407E-A947-70E740481C1C}">
+                <a14:useLocalDpi xmlns:a14="http://schemas.microsoft.com/office/drawing/2010/main" val="0"/>
+              </a:ext>
+            </a:extLst>
+          </a:blip>
+          <a:stretch>
+            <a:fillRect/>
+          </a:stretch>
+        </p:blipFill>
+        <p:spPr>
+          <a:xfrm>
+            <a:off x="2257625" y="1316052"/>
+            <a:ext cx="4700187" cy="5316954"/>
+          </a:xfrm>
+          <a:prstGeom prst="rect">
+            <a:avLst/>
+          </a:prstGeom>
+        </p:spPr>
+      </p:pic>
+    </p:spTree>
+    <p:extLst>
+      <p:ext uri="{BB962C8B-B14F-4D97-AF65-F5344CB8AC3E}">
+        <p14:creationId xmlns:p14="http://schemas.microsoft.com/office/powerpoint/2010/main" val="1765642487"/>
+      </p:ext>
+    </p:extLst>
+  </p:cSld>
+  <p:clrMapOvr>
+    <a:masterClrMapping/>
+  </p:clrMapOvr>
+  <p:timing>
+    <p:tnLst>
+      <p:par>
+        <p:cTn id="1" dur="indefinite" restart="never" nodeType="tmRoot">
+          <p:childTnLst>
+            <p:seq concurrent="1" nextAc="seek">
+              <p:cTn id="2" dur="indefinite" nodeType="mainSeq">
+                <p:childTnLst>
+                  <p:par>
+                    <p:cTn id="3" fill="hold">
+                      <p:stCondLst>
+                        <p:cond delay="indefinite"/>
+                      </p:stCondLst>
+                      <p:childTnLst>
+                        <p:par>
+                          <p:cTn id="4" fill="hold">
+                            <p:stCondLst>
+                              <p:cond delay="0"/>
+                            </p:stCondLst>
+                            <p:childTnLst>
+                              <p:par>
+                                <p:cTn id="5" presetID="22" presetClass="entr" presetSubtype="1" fill="hold" nodeType="clickEffect">
+                                  <p:stCondLst>
+                                    <p:cond delay="0"/>
+                                  </p:stCondLst>
+                                  <p:childTnLst>
+                                    <p:set>
+                                      <p:cBhvr>
+                                        <p:cTn id="6" dur="1" fill="hold">
+                                          <p:stCondLst>
+                                            <p:cond delay="0"/>
+                                          </p:stCondLst>
+                                        </p:cTn>
+                                        <p:tgtEl>
+                                          <p:spTgt spid="6"/>
+                                        </p:tgtEl>
+                                        <p:attrNameLst>
+                                          <p:attrName>style.visibility</p:attrName>
+                                        </p:attrNameLst>
+                                      </p:cBhvr>
+                                      <p:to>
+                                        <p:strVal val="visible"/>
+                                      </p:to>
+                                    </p:set>
+                                    <p:animEffect transition="in" filter="wipe(up)">
+                                      <p:cBhvr>
+                                        <p:cTn id="7" dur="500"/>
+                                        <p:tgtEl>
+                                          <p:spTgt spid="6"/>
+                                        </p:tgtEl>
+                                      </p:cBhvr>
+                                    </p:animEffect>
+                                  </p:childTnLst>
+                                </p:cTn>
+                              </p:par>
+                            </p:childTnLst>
+                          </p:cTn>
+                        </p:par>
+                      </p:childTnLst>
+                    </p:cTn>
+                  </p:par>
+                </p:childTnLst>
+              </p:cTn>
+              <p:prevCondLst>
+                <p:cond evt="onPrev" delay="0">
+                  <p:tgtEl>
+                    <p:sldTgt/>
+                  </p:tgtEl>
+                </p:cond>
+              </p:prevCondLst>
+              <p:nextCondLst>
+                <p:cond evt="onNext" delay="0">
+                  <p:tgtEl>
+                    <p:sldTgt/>
+                  </p:tgtEl>
+                </p:cond>
+              </p:nextCondLst>
+            </p:seq>
+          </p:childTnLst>
+        </p:cTn>
+      </p:par>
+    </p:tnLst>
+  </p:timing>
+</p:sld>
+</file>
+
+<file path=ppt/slides/slide16.xml><?xml version="1.0" encoding="utf-8"?>
+<p:sld xmlns:a="http://schemas.openxmlformats.org/drawingml/2006/main" xmlns:r="http://schemas.openxmlformats.org/officeDocument/2006/relationships" xmlns:p="http://schemas.openxmlformats.org/presentationml/2006/main">
+  <p:cSld>
+    <p:spTree>
+      <p:nvGrpSpPr>
+        <p:cNvPr id="1" name=""/>
+        <p:cNvGrpSpPr/>
+        <p:nvPr/>
+      </p:nvGrpSpPr>
+      <p:grpSpPr>
+        <a:xfrm>
+          <a:off x="0" y="0"/>
+          <a:ext cx="0" cy="0"/>
+          <a:chOff x="0" y="0"/>
+          <a:chExt cx="0" cy="0"/>
+        </a:xfrm>
+      </p:grpSpPr>
+      <p:sp>
+        <p:nvSpPr>
+          <p:cNvPr id="2" name="Title 1">
+            <a:extLst>
+              <a:ext uri="{FF2B5EF4-FFF2-40B4-BE49-F238E27FC236}">
+                <a16:creationId xmlns:a16="http://schemas.microsoft.com/office/drawing/2014/main" id="{4DAA5D22-9698-4C09-80A2-7F8D4DD9FEF1}"/>
+              </a:ext>
+            </a:extLst>
+          </p:cNvPr>
+          <p:cNvSpPr>
+            <a:spLocks noGrp="1"/>
+          </p:cNvSpPr>
+          <p:nvPr>
+            <p:ph type="title"/>
+          </p:nvPr>
+        </p:nvSpPr>
+        <p:spPr/>
+        <p:txBody>
+          <a:bodyPr/>
+          <a:lstStyle/>
+          <a:p>
+            <a:r>
+              <a:rPr lang="en-GB" dirty="0"/>
+              <a:t>Gmail preview fix</a:t>
+            </a:r>
+          </a:p>
+        </p:txBody>
+      </p:sp>
+      <p:sp>
+        <p:nvSpPr>
+          <p:cNvPr id="3" name="Footer Placeholder 2">
+            <a:extLst>
+              <a:ext uri="{FF2B5EF4-FFF2-40B4-BE49-F238E27FC236}">
+                <a16:creationId xmlns:a16="http://schemas.microsoft.com/office/drawing/2014/main" id="{62A66D63-EF90-4DCC-AE69-9D2540DBD5B7}"/>
+              </a:ext>
+            </a:extLst>
+          </p:cNvPr>
+          <p:cNvSpPr>
+            <a:spLocks noGrp="1"/>
+          </p:cNvSpPr>
+          <p:nvPr>
+            <p:ph type="ftr" sz="quarter" idx="10"/>
+          </p:nvPr>
+        </p:nvSpPr>
+        <p:spPr/>
+        <p:txBody>
+          <a:bodyPr/>
+          <a:lstStyle/>
+          <a:p>
+            <a:pPr algn="l"/>
+            <a:r>
+              <a:rPr lang="en-GB"/>
+              <a:t>“Is PDF your best option?” @craigbuckler</a:t>
+            </a:r>
+            <a:endParaRPr lang="en-GB" dirty="0"/>
+          </a:p>
+        </p:txBody>
+      </p:sp>
+      <p:sp>
+        <p:nvSpPr>
+          <p:cNvPr id="4" name="Slide Number Placeholder 3">
+            <a:extLst>
+              <a:ext uri="{FF2B5EF4-FFF2-40B4-BE49-F238E27FC236}">
+                <a16:creationId xmlns:a16="http://schemas.microsoft.com/office/drawing/2014/main" id="{64CFF0B3-56D5-4B13-8134-E3B0925CEF77}"/>
+              </a:ext>
+            </a:extLst>
+          </p:cNvPr>
+          <p:cNvSpPr>
+            <a:spLocks noGrp="1"/>
+          </p:cNvSpPr>
+          <p:nvPr>
+            <p:ph type="sldNum" sz="quarter" idx="11"/>
+          </p:nvPr>
+        </p:nvSpPr>
+        <p:spPr/>
+        <p:txBody>
+          <a:bodyPr/>
+          <a:lstStyle/>
+          <a:p>
+            <a:fld id="{29C3688D-466A-4AE0-92FF-3F2AC942A837}" type="slidenum">
+              <a:rPr lang="en-GB" smtClean="0"/>
+              <a:pPr/>
+              <a:t>16</a:t>
+            </a:fld>
+            <a:r>
+              <a:rPr lang="en-GB"/>
+              <a:t> of 99</a:t>
+            </a:r>
+            <a:endParaRPr lang="en-GB" dirty="0"/>
+          </a:p>
+        </p:txBody>
+      </p:sp>
+      <p:sp>
+        <p:nvSpPr>
+          <p:cNvPr id="5" name="Rectangle 4">
+            <a:extLst>
+              <a:ext uri="{FF2B5EF4-FFF2-40B4-BE49-F238E27FC236}">
+                <a16:creationId xmlns:a16="http://schemas.microsoft.com/office/drawing/2014/main" id="{FC284739-63F4-4051-AB3F-40668B95FA47}"/>
+              </a:ext>
+            </a:extLst>
+          </p:cNvPr>
+          <p:cNvSpPr/>
+          <p:nvPr/>
+        </p:nvSpPr>
+        <p:spPr>
+          <a:xfrm>
+            <a:off x="633562" y="1452612"/>
+            <a:ext cx="7948315" cy="5078313"/>
+          </a:xfrm>
+          <a:prstGeom prst="rect">
+            <a:avLst/>
+          </a:prstGeom>
+        </p:spPr>
+        <p:txBody>
+          <a:bodyPr wrap="square">
+            <a:spAutoFit/>
+          </a:bodyPr>
+          <a:lstStyle/>
+          <a:p>
+            <a:r>
+              <a:rPr lang="en-GB" dirty="0">
+                <a:solidFill>
+                  <a:srgbClr val="F8F8F2"/>
+                </a:solidFill>
+                <a:latin typeface="Meslo LG M" panose="020B0609030804020204" pitchFamily="49" charset="0"/>
+              </a:rPr>
+              <a:t>&lt;</a:t>
+            </a:r>
+            <a:r>
+              <a:rPr lang="en-GB" dirty="0">
+                <a:solidFill>
+                  <a:srgbClr val="F92672"/>
+                </a:solidFill>
+                <a:latin typeface="Meslo LG M" panose="020B0609030804020204" pitchFamily="49" charset="0"/>
+              </a:rPr>
+              <a:t>head</a:t>
+            </a:r>
+            <a:r>
+              <a:rPr lang="en-GB" dirty="0">
+                <a:solidFill>
+                  <a:srgbClr val="F8F8F2"/>
+                </a:solidFill>
+                <a:latin typeface="Meslo LG M" panose="020B0609030804020204" pitchFamily="49" charset="0"/>
+              </a:rPr>
+              <a:t>&gt;</a:t>
+            </a:r>
+          </a:p>
+          <a:p>
+            <a:r>
+              <a:rPr lang="en-GB" dirty="0">
+                <a:solidFill>
+                  <a:srgbClr val="F8F8F2"/>
+                </a:solidFill>
+                <a:latin typeface="Meslo LG M" panose="020B0609030804020204" pitchFamily="49" charset="0"/>
+              </a:rPr>
+              <a:t>&lt;</a:t>
+            </a:r>
+            <a:r>
+              <a:rPr lang="en-GB" dirty="0">
+                <a:solidFill>
+                  <a:srgbClr val="F92672"/>
+                </a:solidFill>
+                <a:latin typeface="Meslo LG M" panose="020B0609030804020204" pitchFamily="49" charset="0"/>
+              </a:rPr>
+              <a:t>style</a:t>
+            </a:r>
+            <a:r>
+              <a:rPr lang="en-GB" dirty="0">
+                <a:solidFill>
+                  <a:srgbClr val="F8F8F2"/>
+                </a:solidFill>
+                <a:latin typeface="Meslo LG M" panose="020B0609030804020204" pitchFamily="49" charset="0"/>
+              </a:rPr>
+              <a:t>&gt;</a:t>
+            </a:r>
+          </a:p>
+          <a:p>
+            <a:r>
+              <a:rPr lang="en-GB" dirty="0">
+                <a:solidFill>
+                  <a:srgbClr val="A6E22E"/>
+                </a:solidFill>
+                <a:latin typeface="Meslo LG M" panose="020B0609030804020204" pitchFamily="49" charset="0"/>
+              </a:rPr>
+              <a:t>#exportview</a:t>
+            </a:r>
+            <a:r>
+              <a:rPr lang="en-GB" dirty="0">
+                <a:solidFill>
+                  <a:srgbClr val="F8F8F2"/>
+                </a:solidFill>
+                <a:latin typeface="Meslo LG M" panose="020B0609030804020204" pitchFamily="49" charset="0"/>
+              </a:rPr>
+              <a:t> {</a:t>
+            </a:r>
+          </a:p>
+          <a:p>
+            <a:r>
+              <a:rPr lang="en-GB" i="1" dirty="0">
+                <a:solidFill>
+                  <a:srgbClr val="66D9EF"/>
+                </a:solidFill>
+                <a:latin typeface="Meslo LG M" panose="020B0609030804020204" pitchFamily="49" charset="0"/>
+              </a:rPr>
+              <a:t>	display</a:t>
+            </a:r>
+            <a:r>
+              <a:rPr lang="en-GB" dirty="0">
+                <a:solidFill>
+                  <a:srgbClr val="F8F8F2"/>
+                </a:solidFill>
+                <a:latin typeface="Meslo LG M" panose="020B0609030804020204" pitchFamily="49" charset="0"/>
+              </a:rPr>
+              <a:t>: </a:t>
+            </a:r>
+            <a:r>
+              <a:rPr lang="en-GB" dirty="0">
+                <a:solidFill>
+                  <a:srgbClr val="66D9EF"/>
+                </a:solidFill>
+                <a:latin typeface="Meslo LG M" panose="020B0609030804020204" pitchFamily="49" charset="0"/>
+              </a:rPr>
+              <a:t>none</a:t>
+            </a:r>
+            <a:r>
+              <a:rPr lang="en-GB" dirty="0">
+                <a:solidFill>
+                  <a:srgbClr val="F8F8F2"/>
+                </a:solidFill>
+                <a:latin typeface="Meslo LG M" panose="020B0609030804020204" pitchFamily="49" charset="0"/>
+              </a:rPr>
+              <a:t>;</a:t>
+            </a:r>
+          </a:p>
+          <a:p>
+            <a:r>
+              <a:rPr lang="en-GB" dirty="0">
+                <a:solidFill>
+                  <a:srgbClr val="F8F8F2"/>
+                </a:solidFill>
+                <a:latin typeface="Meslo LG M" panose="020B0609030804020204" pitchFamily="49" charset="0"/>
+              </a:rPr>
+              <a:t>}</a:t>
+            </a:r>
+          </a:p>
+          <a:p>
+            <a:r>
+              <a:rPr lang="en-GB" dirty="0">
+                <a:solidFill>
+                  <a:srgbClr val="F8F8F2"/>
+                </a:solidFill>
+                <a:latin typeface="Meslo LG M" panose="020B0609030804020204" pitchFamily="49" charset="0"/>
+              </a:rPr>
+              <a:t>&lt;/</a:t>
+            </a:r>
+            <a:r>
+              <a:rPr lang="en-GB" dirty="0">
+                <a:solidFill>
+                  <a:srgbClr val="F92672"/>
+                </a:solidFill>
+                <a:latin typeface="Meslo LG M" panose="020B0609030804020204" pitchFamily="49" charset="0"/>
+              </a:rPr>
+              <a:t>style</a:t>
+            </a:r>
+            <a:r>
+              <a:rPr lang="en-GB" dirty="0">
+                <a:solidFill>
+                  <a:srgbClr val="F8F8F2"/>
+                </a:solidFill>
+                <a:latin typeface="Meslo LG M" panose="020B0609030804020204" pitchFamily="49" charset="0"/>
+              </a:rPr>
+              <a:t>&gt;</a:t>
+            </a:r>
+          </a:p>
+          <a:p>
+            <a:r>
+              <a:rPr lang="en-GB" dirty="0">
+                <a:solidFill>
+                  <a:srgbClr val="F8F8F2"/>
+                </a:solidFill>
+                <a:latin typeface="Meslo LG M" panose="020B0609030804020204" pitchFamily="49" charset="0"/>
+              </a:rPr>
+              <a:t>&lt;/</a:t>
+            </a:r>
+            <a:r>
+              <a:rPr lang="en-GB" dirty="0">
+                <a:solidFill>
+                  <a:srgbClr val="F92672"/>
+                </a:solidFill>
+                <a:latin typeface="Meslo LG M" panose="020B0609030804020204" pitchFamily="49" charset="0"/>
+              </a:rPr>
+              <a:t>head</a:t>
+            </a:r>
+            <a:r>
+              <a:rPr lang="en-GB" dirty="0">
+                <a:solidFill>
+                  <a:srgbClr val="F8F8F2"/>
+                </a:solidFill>
+                <a:latin typeface="Meslo LG M" panose="020B0609030804020204" pitchFamily="49" charset="0"/>
+              </a:rPr>
+              <a:t>&gt;</a:t>
+            </a:r>
+          </a:p>
+          <a:p>
+            <a:br>
+              <a:rPr lang="en-GB" dirty="0">
+                <a:solidFill>
+                  <a:srgbClr val="F8F8F2"/>
+                </a:solidFill>
+                <a:latin typeface="Meslo LG M" panose="020B0609030804020204" pitchFamily="49" charset="0"/>
+              </a:rPr>
+            </a:br>
+            <a:r>
+              <a:rPr lang="en-GB" dirty="0">
+                <a:solidFill>
+                  <a:srgbClr val="F8F8F2"/>
+                </a:solidFill>
+                <a:latin typeface="Meslo LG M" panose="020B0609030804020204" pitchFamily="49" charset="0"/>
+              </a:rPr>
+              <a:t>&lt;</a:t>
+            </a:r>
+            <a:r>
+              <a:rPr lang="en-GB" dirty="0">
+                <a:solidFill>
+                  <a:srgbClr val="F92672"/>
+                </a:solidFill>
+                <a:latin typeface="Meslo LG M" panose="020B0609030804020204" pitchFamily="49" charset="0"/>
+              </a:rPr>
+              <a:t>main</a:t>
+            </a:r>
+            <a:r>
+              <a:rPr lang="en-GB" dirty="0">
+                <a:solidFill>
+                  <a:srgbClr val="F8F8F2"/>
+                </a:solidFill>
+                <a:latin typeface="Meslo LG M" panose="020B0609030804020204" pitchFamily="49" charset="0"/>
+              </a:rPr>
+              <a:t>&gt;</a:t>
+            </a:r>
+          </a:p>
+          <a:p>
+            <a:pPr lvl="1"/>
+            <a:br>
+              <a:rPr lang="en-GB" dirty="0">
+                <a:solidFill>
+                  <a:srgbClr val="F8F8F2"/>
+                </a:solidFill>
+                <a:latin typeface="Meslo LG M" panose="020B0609030804020204" pitchFamily="49" charset="0"/>
+              </a:rPr>
+            </a:br>
+            <a:r>
+              <a:rPr lang="en-GB" dirty="0">
+                <a:solidFill>
+                  <a:srgbClr val="75715E"/>
+                </a:solidFill>
+                <a:latin typeface="Meslo LG M" panose="020B0609030804020204" pitchFamily="49" charset="0"/>
+              </a:rPr>
+              <a:t>&lt;!-- damn you Gmail! --&gt;</a:t>
+            </a:r>
+            <a:endParaRPr lang="en-GB" dirty="0">
+              <a:solidFill>
+                <a:srgbClr val="F8F8F2"/>
+              </a:solidFill>
+              <a:latin typeface="Meslo LG M" panose="020B0609030804020204" pitchFamily="49" charset="0"/>
+            </a:endParaRPr>
+          </a:p>
+          <a:p>
+            <a:pPr lvl="1"/>
+            <a:r>
+              <a:rPr lang="en-GB" dirty="0">
+                <a:solidFill>
+                  <a:srgbClr val="F8F8F2"/>
+                </a:solidFill>
+                <a:latin typeface="Meslo LG M" panose="020B0609030804020204" pitchFamily="49" charset="0"/>
+              </a:rPr>
+              <a:t>&lt;</a:t>
+            </a:r>
+            <a:r>
+              <a:rPr lang="en-GB" dirty="0">
+                <a:solidFill>
+                  <a:srgbClr val="F92672"/>
+                </a:solidFill>
+                <a:latin typeface="Meslo LG M" panose="020B0609030804020204" pitchFamily="49" charset="0"/>
+              </a:rPr>
+              <a:t>p</a:t>
+            </a:r>
+            <a:r>
+              <a:rPr lang="en-GB" dirty="0">
+                <a:solidFill>
+                  <a:srgbClr val="F8F8F2"/>
+                </a:solidFill>
+                <a:latin typeface="Meslo LG M" panose="020B0609030804020204" pitchFamily="49" charset="0"/>
+              </a:rPr>
+              <a:t> </a:t>
+            </a:r>
+            <a:r>
+              <a:rPr lang="en-GB" dirty="0">
+                <a:solidFill>
+                  <a:srgbClr val="A6E22E"/>
+                </a:solidFill>
+                <a:latin typeface="Meslo LG M" panose="020B0609030804020204" pitchFamily="49" charset="0"/>
+              </a:rPr>
+              <a:t>id</a:t>
+            </a:r>
+            <a:r>
+              <a:rPr lang="en-GB" dirty="0">
+                <a:solidFill>
+                  <a:srgbClr val="F8F8F2"/>
+                </a:solidFill>
+                <a:latin typeface="Meslo LG M" panose="020B0609030804020204" pitchFamily="49" charset="0"/>
+              </a:rPr>
+              <a:t>=</a:t>
+            </a:r>
+            <a:r>
+              <a:rPr lang="en-GB" dirty="0">
+                <a:solidFill>
+                  <a:srgbClr val="E6DB74"/>
+                </a:solidFill>
+                <a:latin typeface="Meslo LG M" panose="020B0609030804020204" pitchFamily="49" charset="0"/>
+              </a:rPr>
+              <a:t>"exportview"</a:t>
+            </a:r>
+            <a:r>
+              <a:rPr lang="en-GB" dirty="0">
+                <a:solidFill>
+                  <a:srgbClr val="F8F8F2"/>
+                </a:solidFill>
+                <a:latin typeface="Meslo LG M" panose="020B0609030804020204" pitchFamily="49" charset="0"/>
+              </a:rPr>
+              <a:t> </a:t>
+            </a:r>
+            <a:r>
+              <a:rPr lang="en-GB" dirty="0">
+                <a:solidFill>
+                  <a:srgbClr val="A6E22E"/>
+                </a:solidFill>
+                <a:latin typeface="Meslo LG M" panose="020B0609030804020204" pitchFamily="49" charset="0"/>
+              </a:rPr>
+              <a:t>style</a:t>
+            </a:r>
+            <a:r>
+              <a:rPr lang="en-GB" dirty="0">
+                <a:solidFill>
+                  <a:srgbClr val="F8F8F2"/>
+                </a:solidFill>
+                <a:latin typeface="Meslo LG M" panose="020B0609030804020204" pitchFamily="49" charset="0"/>
+              </a:rPr>
+              <a:t>=</a:t>
+            </a:r>
+            <a:r>
+              <a:rPr lang="en-GB" dirty="0">
+                <a:solidFill>
+                  <a:srgbClr val="E6DB74"/>
+                </a:solidFill>
+                <a:latin typeface="Meslo LG M" panose="020B0609030804020204" pitchFamily="49" charset="0"/>
+              </a:rPr>
+              <a:t>"font-size:2em;text-align:center;color:#f00;background-color:#ff0;"</a:t>
+            </a:r>
+            <a:r>
+              <a:rPr lang="en-GB" dirty="0">
+                <a:solidFill>
+                  <a:srgbClr val="F8F8F2"/>
+                </a:solidFill>
+                <a:latin typeface="Meslo LG M" panose="020B0609030804020204" pitchFamily="49" charset="0"/>
+              </a:rPr>
+              <a:t>&gt;THIS DOCUMENT IS NOT DISPLAYING CORRECTLY.&lt;</a:t>
+            </a:r>
+            <a:r>
+              <a:rPr lang="en-GB" dirty="0">
+                <a:solidFill>
+                  <a:srgbClr val="F92672"/>
+                </a:solidFill>
+                <a:latin typeface="Meslo LG M" panose="020B0609030804020204" pitchFamily="49" charset="0"/>
+              </a:rPr>
+              <a:t>br</a:t>
+            </a:r>
+            <a:r>
+              <a:rPr lang="en-GB" dirty="0">
+                <a:solidFill>
+                  <a:srgbClr val="F8F8F2"/>
+                </a:solidFill>
+                <a:latin typeface="Meslo LG M" panose="020B0609030804020204" pitchFamily="49" charset="0"/>
+              </a:rPr>
+              <a:t> /&gt;PLEASE DOWNLOAD THE FILE THEN OPEN IT IN A WEB BROWSER.&lt;/</a:t>
+            </a:r>
+            <a:r>
+              <a:rPr lang="en-GB" dirty="0">
+                <a:solidFill>
+                  <a:srgbClr val="F92672"/>
+                </a:solidFill>
+                <a:latin typeface="Meslo LG M" panose="020B0609030804020204" pitchFamily="49" charset="0"/>
+              </a:rPr>
+              <a:t>p</a:t>
+            </a:r>
+            <a:r>
+              <a:rPr lang="en-GB" dirty="0">
+                <a:solidFill>
+                  <a:srgbClr val="F8F8F2"/>
+                </a:solidFill>
+                <a:latin typeface="Meslo LG M" panose="020B0609030804020204" pitchFamily="49" charset="0"/>
+              </a:rPr>
+              <a:t>&gt;</a:t>
+            </a:r>
+          </a:p>
+          <a:p>
+            <a:pPr lvl="1"/>
+            <a:br>
+              <a:rPr lang="en-GB" dirty="0">
+                <a:solidFill>
+                  <a:srgbClr val="F8F8F2"/>
+                </a:solidFill>
+                <a:latin typeface="Meslo LG M" panose="020B0609030804020204" pitchFamily="49" charset="0"/>
+              </a:rPr>
+            </a:br>
+            <a:r>
+              <a:rPr lang="en-GB" dirty="0">
+                <a:solidFill>
+                  <a:srgbClr val="75715E"/>
+                </a:solidFill>
+                <a:latin typeface="Meslo LG M" panose="020B0609030804020204" pitchFamily="49" charset="0"/>
+              </a:rPr>
+              <a:t>&lt;!-- slide 1 --&gt;</a:t>
+            </a:r>
+            <a:endParaRPr lang="en-GB" dirty="0">
+              <a:solidFill>
+                <a:srgbClr val="F8F8F2"/>
+              </a:solidFill>
+              <a:latin typeface="Meslo LG M" panose="020B0609030804020204" pitchFamily="49" charset="0"/>
+            </a:endParaRPr>
+          </a:p>
+          <a:p>
+            <a:pPr lvl="1"/>
+            <a:r>
+              <a:rPr lang="en-GB" dirty="0">
+                <a:solidFill>
+                  <a:srgbClr val="F8F8F2"/>
+                </a:solidFill>
+                <a:latin typeface="Meslo LG M" panose="020B0609030804020204" pitchFamily="49" charset="0"/>
+              </a:rPr>
+              <a:t>&lt;</a:t>
+            </a:r>
+            <a:r>
+              <a:rPr lang="en-GB" dirty="0">
+                <a:solidFill>
+                  <a:srgbClr val="F92672"/>
+                </a:solidFill>
+                <a:latin typeface="Meslo LG M" panose="020B0609030804020204" pitchFamily="49" charset="0"/>
+              </a:rPr>
+              <a:t>article</a:t>
+            </a:r>
+            <a:r>
+              <a:rPr lang="en-GB" dirty="0">
+                <a:solidFill>
+                  <a:srgbClr val="F8F8F2"/>
+                </a:solidFill>
+                <a:latin typeface="Meslo LG M" panose="020B0609030804020204" pitchFamily="49" charset="0"/>
+              </a:rPr>
+              <a:t>&gt;&lt;/</a:t>
+            </a:r>
+            <a:r>
+              <a:rPr lang="en-GB" dirty="0">
+                <a:solidFill>
+                  <a:srgbClr val="F92672"/>
+                </a:solidFill>
+                <a:latin typeface="Meslo LG M" panose="020B0609030804020204" pitchFamily="49" charset="0"/>
+              </a:rPr>
+              <a:t>article</a:t>
+            </a:r>
+            <a:r>
+              <a:rPr lang="en-GB" dirty="0">
+                <a:solidFill>
+                  <a:srgbClr val="F8F8F2"/>
+                </a:solidFill>
+                <a:latin typeface="Meslo LG M" panose="020B0609030804020204" pitchFamily="49" charset="0"/>
+              </a:rPr>
+              <a:t>&gt;</a:t>
+            </a:r>
+          </a:p>
+        </p:txBody>
+      </p:sp>
+    </p:spTree>
+    <p:extLst>
+      <p:ext uri="{BB962C8B-B14F-4D97-AF65-F5344CB8AC3E}">
+        <p14:creationId xmlns:p14="http://schemas.microsoft.com/office/powerpoint/2010/main" val="683175136"/>
+      </p:ext>
+    </p:extLst>
+  </p:cSld>
+  <p:clrMapOvr>
+    <a:masterClrMapping/>
+  </p:clrMapOvr>
+</p:sld>
+</file>
+
+<file path=ppt/slides/slide17.xml><?xml version="1.0" encoding="utf-8"?>
+<p:sld xmlns:a="http://schemas.openxmlformats.org/drawingml/2006/main" xmlns:r="http://schemas.openxmlformats.org/officeDocument/2006/relationships" xmlns:p="http://schemas.openxmlformats.org/presentationml/2006/main">
+  <p:cSld>
+    <p:spTree>
+      <p:nvGrpSpPr>
+        <p:cNvPr id="1" name=""/>
+        <p:cNvGrpSpPr/>
+        <p:nvPr/>
+      </p:nvGrpSpPr>
+      <p:grpSpPr>
+        <a:xfrm>
+          <a:off x="0" y="0"/>
+          <a:ext cx="0" cy="0"/>
+          <a:chOff x="0" y="0"/>
+          <a:chExt cx="0" cy="0"/>
+        </a:xfrm>
+      </p:grpSpPr>
+      <p:sp>
+        <p:nvSpPr>
+          <p:cNvPr id="2" name="Title 1">
+            <a:extLst>
+              <a:ext uri="{FF2B5EF4-FFF2-40B4-BE49-F238E27FC236}">
+                <a16:creationId xmlns:a16="http://schemas.microsoft.com/office/drawing/2014/main" id="{67641D5B-FCFC-404C-8F67-A5D694D7F5D0}"/>
+              </a:ext>
+            </a:extLst>
+          </p:cNvPr>
+          <p:cNvSpPr>
+            <a:spLocks noGrp="1"/>
+          </p:cNvSpPr>
+          <p:nvPr>
+            <p:ph type="title"/>
+          </p:nvPr>
+        </p:nvSpPr>
+        <p:spPr/>
+        <p:txBody>
+          <a:bodyPr/>
+          <a:lstStyle/>
+          <a:p>
+            <a:r>
+              <a:rPr lang="en-GB" dirty="0"/>
+              <a:t>Gmail new preview</a:t>
+            </a:r>
+          </a:p>
+        </p:txBody>
+      </p:sp>
+      <p:sp>
+        <p:nvSpPr>
+          <p:cNvPr id="3" name="Footer Placeholder 2">
+            <a:extLst>
+              <a:ext uri="{FF2B5EF4-FFF2-40B4-BE49-F238E27FC236}">
+                <a16:creationId xmlns:a16="http://schemas.microsoft.com/office/drawing/2014/main" id="{CAFEEB19-8E42-42CB-994E-833A0D6482DB}"/>
+              </a:ext>
+            </a:extLst>
+          </p:cNvPr>
+          <p:cNvSpPr>
+            <a:spLocks noGrp="1"/>
+          </p:cNvSpPr>
+          <p:nvPr>
+            <p:ph type="ftr" sz="quarter" idx="10"/>
+          </p:nvPr>
+        </p:nvSpPr>
+        <p:spPr/>
+        <p:txBody>
+          <a:bodyPr/>
+          <a:lstStyle/>
+          <a:p>
+            <a:pPr algn="l"/>
+            <a:r>
+              <a:rPr lang="en-GB"/>
+              <a:t>“Is PDF your best option?” @craigbuckler</a:t>
+            </a:r>
+            <a:endParaRPr lang="en-GB" dirty="0"/>
+          </a:p>
+        </p:txBody>
+      </p:sp>
+      <p:sp>
+        <p:nvSpPr>
+          <p:cNvPr id="4" name="Slide Number Placeholder 3">
+            <a:extLst>
+              <a:ext uri="{FF2B5EF4-FFF2-40B4-BE49-F238E27FC236}">
+                <a16:creationId xmlns:a16="http://schemas.microsoft.com/office/drawing/2014/main" id="{3C16A2BA-6D81-4A84-8278-027488B306AE}"/>
+              </a:ext>
+            </a:extLst>
+          </p:cNvPr>
+          <p:cNvSpPr>
+            <a:spLocks noGrp="1"/>
+          </p:cNvSpPr>
+          <p:nvPr>
+            <p:ph type="sldNum" sz="quarter" idx="11"/>
+          </p:nvPr>
+        </p:nvSpPr>
+        <p:spPr/>
+        <p:txBody>
+          <a:bodyPr/>
+          <a:lstStyle/>
+          <a:p>
+            <a:fld id="{29C3688D-466A-4AE0-92FF-3F2AC942A837}" type="slidenum">
+              <a:rPr lang="en-GB" smtClean="0"/>
+              <a:pPr/>
+              <a:t>17</a:t>
+            </a:fld>
+            <a:r>
+              <a:rPr lang="en-GB"/>
+              <a:t> of 99</a:t>
+            </a:r>
+            <a:endParaRPr lang="en-GB" dirty="0"/>
+          </a:p>
+        </p:txBody>
+      </p:sp>
+      <p:pic>
+        <p:nvPicPr>
+          <p:cNvPr id="6" name="Picture 5">
+            <a:extLst>
+              <a:ext uri="{FF2B5EF4-FFF2-40B4-BE49-F238E27FC236}">
+                <a16:creationId xmlns:a16="http://schemas.microsoft.com/office/drawing/2014/main" id="{4BA96F0F-348A-4032-9015-1EB0149709F2}"/>
+              </a:ext>
+            </a:extLst>
+          </p:cNvPr>
+          <p:cNvPicPr>
+            <a:picLocks noChangeAspect="1"/>
+          </p:cNvPicPr>
+          <p:nvPr/>
+        </p:nvPicPr>
+        <p:blipFill>
+          <a:blip r:embed="rId3">
+            <a:extLst>
+              <a:ext uri="{28A0092B-C50C-407E-A947-70E740481C1C}">
+                <a14:useLocalDpi xmlns:a14="http://schemas.microsoft.com/office/drawing/2010/main" val="0"/>
+              </a:ext>
+            </a:extLst>
+          </a:blip>
+          <a:stretch>
+            <a:fillRect/>
+          </a:stretch>
+        </p:blipFill>
+        <p:spPr>
+          <a:xfrm>
+            <a:off x="1006838" y="1316052"/>
+            <a:ext cx="7201762" cy="5322651"/>
+          </a:xfrm>
+          <a:prstGeom prst="rect">
+            <a:avLst/>
+          </a:prstGeom>
+        </p:spPr>
+      </p:pic>
+    </p:spTree>
+    <p:extLst>
+      <p:ext uri="{BB962C8B-B14F-4D97-AF65-F5344CB8AC3E}">
+        <p14:creationId xmlns:p14="http://schemas.microsoft.com/office/powerpoint/2010/main" val="725355550"/>
+      </p:ext>
+    </p:extLst>
+  </p:cSld>
+  <p:clrMapOvr>
+    <a:masterClrMapping/>
+  </p:clrMapOvr>
+</p:sld>
+</file>
+
+<file path=ppt/slides/slide18.xml><?xml version="1.0" encoding="utf-8"?>
+<p:sld xmlns:a="http://schemas.openxmlformats.org/drawingml/2006/main" xmlns:r="http://schemas.openxmlformats.org/officeDocument/2006/relationships" xmlns:p="http://schemas.openxmlformats.org/presentationml/2006/main">
+  <p:cSld>
+    <p:spTree>
+      <p:nvGrpSpPr>
+        <p:cNvPr id="1" name=""/>
+        <p:cNvGrpSpPr/>
+        <p:nvPr/>
+      </p:nvGrpSpPr>
+      <p:grpSpPr>
+        <a:xfrm>
+          <a:off x="0" y="0"/>
+          <a:ext cx="0" cy="0"/>
+          <a:chOff x="0" y="0"/>
+          <a:chExt cx="0" cy="0"/>
+        </a:xfrm>
+      </p:grpSpPr>
+      <p:sp>
+        <p:nvSpPr>
+          <p:cNvPr id="2" name="Title 1">
+            <a:extLst>
+              <a:ext uri="{FF2B5EF4-FFF2-40B4-BE49-F238E27FC236}">
+                <a16:creationId xmlns:a16="http://schemas.microsoft.com/office/drawing/2014/main" id="{6A64C501-209A-49DB-8CD0-04E26A99C54F}"/>
+              </a:ext>
+            </a:extLst>
+          </p:cNvPr>
+          <p:cNvSpPr>
+            <a:spLocks noGrp="1"/>
+          </p:cNvSpPr>
+          <p:nvPr>
+            <p:ph type="title"/>
+          </p:nvPr>
+        </p:nvSpPr>
+        <p:spPr>
+          <a:xfrm>
+            <a:off x="633562" y="392511"/>
+            <a:ext cx="7562171" cy="1216156"/>
+          </a:xfrm>
+        </p:spPr>
+        <p:txBody>
+          <a:bodyPr>
+            <a:noAutofit/>
+          </a:bodyPr>
+          <a:lstStyle/>
+          <a:p>
+            <a:pPr algn="ctr"/>
+            <a:r>
+              <a:rPr lang="en-GB" sz="8000" b="1" dirty="0">
+                <a:latin typeface="Kunstler Script" panose="030304020206070D0D06" pitchFamily="66" charset="0"/>
+              </a:rPr>
+              <a:t>Fin</a:t>
+            </a:r>
+          </a:p>
+        </p:txBody>
+      </p:sp>
+      <p:sp>
+        <p:nvSpPr>
+          <p:cNvPr id="3" name="Footer Placeholder 2">
+            <a:extLst>
+              <a:ext uri="{FF2B5EF4-FFF2-40B4-BE49-F238E27FC236}">
+                <a16:creationId xmlns:a16="http://schemas.microsoft.com/office/drawing/2014/main" id="{C7CA8811-16FC-469F-BFF9-7336D7C04F4A}"/>
+              </a:ext>
+            </a:extLst>
+          </p:cNvPr>
+          <p:cNvSpPr>
+            <a:spLocks noGrp="1"/>
+          </p:cNvSpPr>
+          <p:nvPr>
+            <p:ph type="ftr" sz="quarter" idx="3"/>
+          </p:nvPr>
+        </p:nvSpPr>
+        <p:spPr/>
+        <p:txBody>
+          <a:bodyPr/>
+          <a:lstStyle/>
+          <a:p>
+            <a:pPr algn="l"/>
+            <a:r>
+              <a:rPr lang="en-GB"/>
+              <a:t>“Is PDF your best option?” @craigbuckler</a:t>
+            </a:r>
+            <a:endParaRPr lang="en-GB" dirty="0"/>
+          </a:p>
+        </p:txBody>
+      </p:sp>
+      <p:sp>
+        <p:nvSpPr>
+          <p:cNvPr id="4" name="Slide Number Placeholder 3">
+            <a:extLst>
+              <a:ext uri="{FF2B5EF4-FFF2-40B4-BE49-F238E27FC236}">
+                <a16:creationId xmlns:a16="http://schemas.microsoft.com/office/drawing/2014/main" id="{A2E6A254-E6E0-420D-AEDA-0A116B91A92E}"/>
+              </a:ext>
+            </a:extLst>
+          </p:cNvPr>
+          <p:cNvSpPr>
+            <a:spLocks noGrp="1"/>
+          </p:cNvSpPr>
+          <p:nvPr>
+            <p:ph type="sldNum" sz="quarter" idx="4"/>
+          </p:nvPr>
+        </p:nvSpPr>
+        <p:spPr/>
+        <p:txBody>
+          <a:bodyPr/>
+          <a:lstStyle/>
+          <a:p>
+            <a:fld id="{29C3688D-466A-4AE0-92FF-3F2AC942A837}" type="slidenum">
+              <a:rPr lang="en-GB" smtClean="0"/>
+              <a:pPr/>
+              <a:t>18</a:t>
+            </a:fld>
+            <a:endParaRPr lang="en-GB" dirty="0"/>
+          </a:p>
+        </p:txBody>
+      </p:sp>
+      <p:sp>
+        <p:nvSpPr>
+          <p:cNvPr id="5" name="Text Placeholder 4">
+            <a:extLst>
+              <a:ext uri="{FF2B5EF4-FFF2-40B4-BE49-F238E27FC236}">
+                <a16:creationId xmlns:a16="http://schemas.microsoft.com/office/drawing/2014/main" id="{2BA4CE8D-26D0-4C96-BCFA-B5A3BF01AA73}"/>
+              </a:ext>
+            </a:extLst>
+          </p:cNvPr>
+          <p:cNvSpPr>
+            <a:spLocks noGrp="1"/>
+          </p:cNvSpPr>
+          <p:nvPr>
+            <p:ph type="body" sz="quarter" idx="10"/>
+          </p:nvPr>
+        </p:nvSpPr>
+        <p:spPr>
+          <a:xfrm>
+            <a:off x="633413" y="1939895"/>
+            <a:ext cx="7948315" cy="4153256"/>
+          </a:xfrm>
+        </p:spPr>
+        <p:txBody>
+          <a:bodyPr>
+            <a:normAutofit/>
+          </a:bodyPr>
+          <a:lstStyle/>
+          <a:p>
+            <a:pPr marL="0" indent="0" algn="ctr">
+              <a:buNone/>
+            </a:pPr>
+            <a:r>
+              <a:rPr lang="en-GB" b="1" dirty="0" err="1">
+                <a:solidFill>
+                  <a:schemeClr val="accent4"/>
+                </a:solidFill>
+              </a:rPr>
+              <a:t>TechExeter</a:t>
+            </a:r>
+            <a:r>
+              <a:rPr lang="en-GB" b="1" dirty="0">
+                <a:solidFill>
+                  <a:schemeClr val="accent4"/>
+                </a:solidFill>
+              </a:rPr>
+              <a:t> 2018</a:t>
+            </a:r>
+          </a:p>
+          <a:p>
+            <a:pPr marL="0" indent="0" algn="ctr">
+              <a:buNone/>
+            </a:pPr>
+            <a:endParaRPr lang="en-GB" dirty="0"/>
+          </a:p>
+          <a:p>
+            <a:pPr marL="0" indent="0" algn="ctr">
+              <a:buNone/>
+            </a:pPr>
+            <a:r>
+              <a:rPr lang="en-GB" dirty="0"/>
+              <a:t>Craig Buckler</a:t>
+            </a:r>
+          </a:p>
+          <a:p>
+            <a:pPr marL="0" indent="0" algn="ctr">
+              <a:buNone/>
+            </a:pPr>
+            <a:r>
+              <a:rPr lang="en-GB" dirty="0"/>
+              <a:t>@</a:t>
+            </a:r>
+            <a:r>
+              <a:rPr lang="en-GB" dirty="0" err="1"/>
+              <a:t>craigbuckler</a:t>
+            </a:r>
+            <a:endParaRPr lang="en-GB" dirty="0"/>
+          </a:p>
+          <a:p>
+            <a:pPr marL="0" indent="0" algn="ctr">
+              <a:buNone/>
+            </a:pPr>
+            <a:endParaRPr lang="en-GB" dirty="0"/>
+          </a:p>
+          <a:p>
+            <a:pPr marL="0" indent="0" algn="ctr">
+              <a:buNone/>
+            </a:pPr>
+            <a:r>
+              <a:rPr lang="en-GB" sz="3000" dirty="0">
+                <a:solidFill>
+                  <a:schemeClr val="accent4"/>
+                </a:solidFill>
+              </a:rPr>
+              <a:t>github.com/craigbuckler/html5-export</a:t>
+            </a:r>
+          </a:p>
+        </p:txBody>
+      </p:sp>
+    </p:spTree>
+    <p:extLst>
+      <p:ext uri="{BB962C8B-B14F-4D97-AF65-F5344CB8AC3E}">
+        <p14:creationId xmlns:p14="http://schemas.microsoft.com/office/powerpoint/2010/main" val="1918607472"/>
+      </p:ext>
+    </p:extLst>
+  </p:cSld>
+  <p:clrMapOvr>
+    <a:masterClrMapping/>
+  </p:clrMapOvr>
 </p:sld>
 </file>
 
@@ -12314,7 +14534,11 @@
               <a:buNone/>
             </a:pPr>
             <a:r>
-              <a:rPr lang="en-GB" dirty="0"/>
+              <a:rPr lang="en-GB" b="1" dirty="0">
+                <a:solidFill>
+                  <a:schemeClr val="accent2"/>
+                </a:solidFill>
+              </a:rPr>
               <a:t>METHOD 1</a:t>
             </a:r>
           </a:p>
@@ -12371,7 +14595,11 @@
               <a:buNone/>
             </a:pPr>
             <a:r>
-              <a:rPr lang="en-GB" dirty="0"/>
+              <a:rPr lang="en-GB" b="1" dirty="0">
+                <a:solidFill>
+                  <a:schemeClr val="accent2"/>
+                </a:solidFill>
+              </a:rPr>
               <a:t>METHOD 2</a:t>
             </a:r>
           </a:p>

--- a/craigbuckler-pdf-html.pptx
+++ b/craigbuckler-pdf-html.pptx
@@ -228,7 +228,7 @@
           <a:p>
             <a:fld id="{C76FB86B-C2AE-46D2-B88A-1F2A05A31980}" type="datetimeFigureOut">
               <a:rPr lang="en-GB" smtClean="0"/>
-              <a:t>01/08/2018</a:t>
+              <a:t>03/08/2018</a:t>
             </a:fld>
             <a:endParaRPr lang="en-GB"/>
           </a:p>
@@ -560,6 +560,35 @@
               <a:t>And I'm a freelance full-stack web developer</a:t>
             </a:r>
           </a:p>
+          <a:p>
+            <a:endParaRPr lang="en-GB" dirty="0"/>
+          </a:p>
+          <a:p>
+            <a:pPr marL="0" marR="0" lvl="0" indent="0" algn="l" defTabSz="914400" rtl="0" eaLnBrk="1" fontAlgn="auto" latinLnBrk="0" hangingPunct="1">
+              <a:lnSpc>
+                <a:spcPct val="100000"/>
+              </a:lnSpc>
+              <a:spcBef>
+                <a:spcPts val="0"/>
+              </a:spcBef>
+              <a:spcAft>
+                <a:spcPts val="0"/>
+              </a:spcAft>
+              <a:buClrTx/>
+              <a:buSzTx/>
+              <a:buFontTx/>
+              <a:buNone/>
+              <a:tabLst/>
+              <a:defRPr/>
+            </a:pPr>
+            <a:r>
+              <a:rPr lang="en-GB" dirty="0"/>
+              <a:t>but you won't see any self-promotion or subliminal advertising in this presentation</a:t>
+            </a:r>
+          </a:p>
+          <a:p>
+            <a:endParaRPr lang="en-GB" dirty="0"/>
+          </a:p>
         </p:txBody>
       </p:sp>
       <p:sp>
@@ -683,7 +712,7 @@
           <a:p>
             <a:r>
               <a:rPr lang="en-GB" dirty="0"/>
-              <a:t>Why can’t I send people an HTML document instead?</a:t>
+              <a:t>Can’t I send people an HTML document instead?</a:t>
             </a:r>
           </a:p>
           <a:p>
@@ -788,7 +817,7 @@
           <a:p>
             <a:r>
               <a:rPr lang="en-GB" dirty="0"/>
-              <a:t>First, all Operating Systems have a browser so there’s nothing to install</a:t>
+              <a:t>All Operating Systems have a browser so there’s nothing to install</a:t>
             </a:r>
           </a:p>
           <a:p>
@@ -815,7 +844,7 @@
           <a:p>
             <a:r>
               <a:rPr lang="en-GB" dirty="0"/>
-              <a:t>PDFs are always a fixed size and you end up zooming and panning on mobiles</a:t>
+              <a:t>PDFs are a fixed size: you end up zooming and panning on mobiles</a:t>
             </a:r>
           </a:p>
           <a:p>
@@ -974,7 +1003,7 @@
           <a:p>
             <a:r>
               <a:rPr lang="en-GB" dirty="0"/>
-              <a:t>It couldn’t be more difficult to create or distribute</a:t>
+              <a:t>It couldn’t be more difficult to create or send to others</a:t>
             </a:r>
           </a:p>
           <a:p>
@@ -983,13 +1012,13 @@
           <a:p>
             <a:r>
               <a:rPr lang="en-GB" dirty="0"/>
-              <a:t>But this last point caused most concern for my client.</a:t>
-            </a:r>
-          </a:p>
-          <a:p>
-            <a:r>
-              <a:rPr lang="en-GB" dirty="0"/>
-              <a:t>Users expect PDFs? Don’t they?</a:t>
+              <a:t>But it was this last point which caused most concern:</a:t>
+            </a:r>
+          </a:p>
+          <a:p>
+            <a:r>
+              <a:rPr lang="en-GB" dirty="0"/>
+              <a:t>Don’t users expect PDFs?</a:t>
             </a:r>
           </a:p>
           <a:p>
@@ -1004,7 +1033,7 @@
           <a:p>
             <a:r>
               <a:rPr lang="en-GB" dirty="0"/>
-              <a:t>But I had to prove they could cope</a:t>
+              <a:t>But I had to prove they could cope.</a:t>
             </a:r>
           </a:p>
           <a:p>
@@ -1026,51 +1055,47 @@
             </a:r>
           </a:p>
           <a:p>
+            <a:endParaRPr lang="en-GB" dirty="0"/>
+          </a:p>
+          <a:p>
             <a:r>
               <a:rPr lang="en-GB" dirty="0"/>
               <a:t>You’re all too young. Ask your grandparents about 56K modems and surfing the web in the 1990s.</a:t>
             </a:r>
           </a:p>
           <a:p>
+            <a:r>
+              <a:rPr lang="en-GB" dirty="0"/>
+              <a:t>Back then, it’d take 20 minutes to download a web page so you’d save a single MHTML file for offline reading.</a:t>
+            </a:r>
+          </a:p>
+          <a:p>
+            <a:r>
+              <a:rPr lang="en-GB" dirty="0"/>
+              <a:t>That freed the telephone line and meant you could eat that week rather than paying BT.</a:t>
+            </a:r>
+          </a:p>
+          <a:p>
             <a:endParaRPr lang="en-GB" dirty="0"/>
           </a:p>
           <a:p>
-            <a:r>
-              <a:rPr lang="en-GB" dirty="0"/>
-              <a:t>MHTML is:</a:t>
-            </a:r>
-          </a:p>
-          <a:p>
-            <a:r>
-              <a:rPr lang="en-GB" dirty="0"/>
-              <a:t>MIME Encapsulation of Aggregate HTML Documents.</a:t>
-            </a:r>
-          </a:p>
-          <a:p>
-            <a:endParaRPr lang="en-GB" dirty="0"/>
-          </a:p>
-          <a:p>
-            <a:r>
-              <a:rPr lang="en-GB" dirty="0"/>
-              <a:t>When you loaded a page after 20 minutes, you could save it as a single MHTML file for offline reading later</a:t>
-            </a:r>
-          </a:p>
-          <a:p>
-            <a:r>
-              <a:rPr lang="en-GB" dirty="0"/>
-              <a:t>You didn’t need to hog the telephone line or pay BT a fortune</a:t>
-            </a:r>
-          </a:p>
-          <a:p>
-            <a:endParaRPr lang="en-GB" dirty="0"/>
-          </a:p>
-          <a:p>
-            <a:r>
-              <a:rPr lang="en-GB" dirty="0"/>
-              <a:t>Yes, exactly.</a:t>
-            </a:r>
-          </a:p>
-          <a:p>
+            <a:pPr marL="0" marR="0" lvl="0" indent="0" algn="l" defTabSz="914400" rtl="0" eaLnBrk="1" fontAlgn="auto" latinLnBrk="0" hangingPunct="1">
+              <a:lnSpc>
+                <a:spcPct val="100000"/>
+              </a:lnSpc>
+              <a:spcBef>
+                <a:spcPts val="0"/>
+              </a:spcBef>
+              <a:spcAft>
+                <a:spcPts val="0"/>
+              </a:spcAft>
+              <a:buClrTx/>
+              <a:buSzTx/>
+              <a:buFontTx/>
+              <a:buNone/>
+              <a:tabLst/>
+              <a:defRPr/>
+            </a:pPr>
             <a:r>
               <a:rPr lang="en-GB" dirty="0"/>
               <a:t>You kids with your fibre </a:t>
@@ -1096,15 +1121,41 @@
             <a:endParaRPr lang="en-GB" dirty="0"/>
           </a:p>
           <a:p>
-            <a:r>
-              <a:rPr lang="en-GB" dirty="0"/>
-              <a:t>MHTML effectively encodes HTML as it’s done in email. Which is horrible.</a:t>
-            </a:r>
-          </a:p>
-          <a:p>
-            <a:r>
-              <a:rPr lang="en-GB" dirty="0"/>
-              <a:t>And it’s only directly supported in IE so it wasn’t an option.</a:t>
+            <a:pPr marL="0" marR="0" lvl="0" indent="0" algn="l" defTabSz="914400" rtl="0" eaLnBrk="1" fontAlgn="auto" latinLnBrk="0" hangingPunct="1">
+              <a:lnSpc>
+                <a:spcPct val="100000"/>
+              </a:lnSpc>
+              <a:spcBef>
+                <a:spcPts val="0"/>
+              </a:spcBef>
+              <a:spcAft>
+                <a:spcPts val="0"/>
+              </a:spcAft>
+              <a:buClrTx/>
+              <a:buSzTx/>
+              <a:buFontTx/>
+              <a:buNone/>
+              <a:tabLst/>
+              <a:defRPr/>
+            </a:pPr>
+            <a:r>
+              <a:rPr lang="en-GB" dirty="0"/>
+              <a:t>MHTML is: MIME Encapsulation of Aggregate HTML Documents.</a:t>
+            </a:r>
+          </a:p>
+          <a:p>
+            <a:endParaRPr lang="en-GB" dirty="0"/>
+          </a:p>
+          <a:p>
+            <a:r>
+              <a:rPr lang="en-GB" dirty="0"/>
+              <a:t>It’s effectively HTML email format.</a:t>
+            </a:r>
+          </a:p>
+          <a:p>
+            <a:r>
+              <a:rPr lang="en-GB" dirty="0"/>
+              <a:t>That’s horrible and the format is only supported by IE so it wasn’t an option.</a:t>
             </a:r>
           </a:p>
         </p:txBody>
@@ -1210,12 +1261,18 @@
             </a:r>
           </a:p>
           <a:p>
+            <a:r>
+              <a:rPr lang="en-GB" dirty="0"/>
+              <a:t>It would all be done client side.</a:t>
+            </a:r>
+          </a:p>
+          <a:p>
             <a:endParaRPr lang="en-GB" dirty="0"/>
           </a:p>
           <a:p>
             <a:r>
               <a:rPr lang="en-GB" dirty="0"/>
-              <a:t>It would look </a:t>
+              <a:t>The page would look </a:t>
             </a:r>
             <a:r>
               <a:rPr lang="en-GB" dirty="0" err="1"/>
@@ -1229,7 +1286,7 @@
           <a:p>
             <a:r>
               <a:rPr lang="en-GB" dirty="0"/>
-              <a:t>And have PDF-like pages even though that was more for show than practicalities</a:t>
+              <a:t>I’d give it PDF-like pages so users weren’t confused.</a:t>
             </a:r>
           </a:p>
           <a:p>
@@ -1238,13 +1295,13 @@
           <a:p>
             <a:r>
               <a:rPr lang="en-GB" dirty="0"/>
-              <a:t>It would print well.</a:t>
-            </a:r>
-          </a:p>
-          <a:p>
-            <a:r>
-              <a:rPr lang="en-GB" dirty="0"/>
-              <a:t>HTML pages will never print better than PDFs but the results should be reasonable.</a:t>
+              <a:t>It would have to print well.</a:t>
+            </a:r>
+          </a:p>
+          <a:p>
+            <a:r>
+              <a:rPr lang="en-GB" dirty="0"/>
+              <a:t>It could never be better than PDF but would have to be OK.</a:t>
             </a:r>
           </a:p>
           <a:p>
@@ -1253,19 +1310,19 @@
           <a:p>
             <a:r>
               <a:rPr lang="en-GB" dirty="0"/>
-              <a:t>The exported HTML file could be viewed offline</a:t>
-            </a:r>
-          </a:p>
-          <a:p>
-            <a:r>
-              <a:rPr lang="en-GB" dirty="0"/>
-              <a:t>That meant I couldn’t use external assets such as fonts</a:t>
-            </a:r>
-          </a:p>
-          <a:p>
-            <a:r>
-              <a:rPr lang="en-GB" dirty="0"/>
-              <a:t>CSS and images would also have to be embedded into the document</a:t>
+              <a:t>The exported HTML file had to be viewable offline</a:t>
+            </a:r>
+          </a:p>
+          <a:p>
+            <a:r>
+              <a:rPr lang="en-GB" dirty="0"/>
+              <a:t>I couldn’t use external assets such as fonts</a:t>
+            </a:r>
+          </a:p>
+          <a:p>
+            <a:r>
+              <a:rPr lang="en-GB" dirty="0"/>
+              <a:t>All CSS and images would need to be embedded into the document</a:t>
             </a:r>
           </a:p>
           <a:p>
@@ -1274,7 +1331,7 @@
           <a:p>
             <a:r>
               <a:rPr lang="en-GB" dirty="0"/>
-              <a:t>Finally, that document could not contain JavaScript.</a:t>
+              <a:t>Finally, it couldn’t contain JavaScript.</a:t>
             </a:r>
           </a:p>
           <a:p>
@@ -1304,13 +1361,13 @@
           <a:p>
             <a:r>
               <a:rPr lang="en-GB" dirty="0"/>
-              <a:t>We could extract that HTML.</a:t>
-            </a:r>
-          </a:p>
-          <a:p>
-            <a:r>
-              <a:rPr lang="en-GB" dirty="0"/>
-              <a:t>We wouldn’t need to include the JavaScript which created it.</a:t>
+              <a:t>We can extract that HTML.</a:t>
+            </a:r>
+          </a:p>
+          <a:p>
+            <a:r>
+              <a:rPr lang="en-GB" dirty="0"/>
+              <a:t>and won’t need the JavaScript which created it.</a:t>
             </a:r>
           </a:p>
           <a:p>
@@ -1400,95 +1457,8 @@
           <a:p>
             <a:r>
               <a:rPr lang="en-GB" dirty="0"/>
-              <a:t>So our resulting HTML file can now be sent to people by email or whatever.</a:t>
-            </a:r>
-          </a:p>
-          <a:p>
-            <a:endParaRPr lang="en-GB" dirty="0"/>
-          </a:p>
-          <a:p>
-            <a:r>
-              <a:rPr lang="en-GB" dirty="0"/>
-              <a:t>But there’s a slight hitch.</a:t>
-            </a:r>
-          </a:p>
-          <a:p>
-            <a:r>
-              <a:rPr lang="en-GB" dirty="0"/>
-              <a:t>What do you think Gmail users see when they click the attachment and see a preview?</a:t>
-            </a:r>
-          </a:p>
-          <a:p>
-            <a:r>
-              <a:rPr lang="en-GB" dirty="0"/>
-              <a:t>I’ll give you a clue: Gmail opens the file in a new tab.</a:t>
-            </a:r>
-          </a:p>
-          <a:p>
-            <a:endParaRPr lang="en-GB" dirty="0"/>
-          </a:p>
-          <a:p>
-            <a:r>
-              <a:rPr lang="en-GB" dirty="0"/>
-              <a:t>[CLICK]</a:t>
-            </a:r>
-          </a:p>
-          <a:p>
-            <a:endParaRPr lang="en-GB" dirty="0"/>
-          </a:p>
-          <a:p>
-            <a:r>
-              <a:rPr lang="en-GB" dirty="0"/>
-              <a:t>Yep, Google thinks it’s best to treat this document as an HTML email.</a:t>
-            </a:r>
-          </a:p>
-          <a:p>
-            <a:r>
-              <a:rPr lang="en-GB" dirty="0"/>
-              <a:t>It strips the styles and all the images.</a:t>
-            </a:r>
-          </a:p>
-          <a:p>
-            <a:endParaRPr lang="en-GB" dirty="0"/>
-          </a:p>
-          <a:p>
-            <a:r>
-              <a:rPr lang="en-GB" dirty="0"/>
-              <a:t>Ironically, this renders quite well if you use semantic tags.</a:t>
-            </a:r>
-          </a:p>
-          <a:p>
-            <a:r>
-              <a:rPr lang="en-GB" dirty="0"/>
-              <a:t>You can still read the information.</a:t>
-            </a:r>
-          </a:p>
-          <a:p>
-            <a:r>
-              <a:rPr lang="en-GB" dirty="0"/>
-              <a:t>But some users could think this is the report.</a:t>
-            </a:r>
-          </a:p>
-          <a:p>
-            <a:endParaRPr lang="en-GB" dirty="0"/>
-          </a:p>
-          <a:p>
-            <a:r>
-              <a:rPr lang="en-GB" dirty="0"/>
-              <a:t>You could fix this using HTML email-like inline style attributes on all your tags.</a:t>
-            </a:r>
-          </a:p>
-          <a:p>
-            <a:r>
-              <a:rPr lang="en-GB" dirty="0"/>
-              <a:t>But life’s too short for that sort of nonsense.</a:t>
-            </a:r>
-          </a:p>
-          <a:p>
-            <a:endParaRPr lang="en-GB" dirty="0"/>
-          </a:p>
-          <a:p>
-            <a:endParaRPr lang="en-GB" dirty="0"/>
+              <a:t>Over to VS code</a:t>
+            </a:r>
           </a:p>
         </p:txBody>
       </p:sp>
@@ -1509,7 +1479,7 @@
           <a:p>
             <a:fld id="{7DAD1C3C-184F-4EBE-BA9D-900C6940E360}" type="slidenum">
               <a:rPr lang="en-GB" smtClean="0"/>
-              <a:t>15</a:t>
+              <a:t>14</a:t>
             </a:fld>
             <a:endParaRPr lang="en-GB"/>
           </a:p>
@@ -1518,7 +1488,7 @@
     </p:spTree>
     <p:extLst>
       <p:ext uri="{BB962C8B-B14F-4D97-AF65-F5344CB8AC3E}">
-        <p14:creationId xmlns:p14="http://schemas.microsoft.com/office/powerpoint/2010/main" val="1120082863"/>
+        <p14:creationId xmlns:p14="http://schemas.microsoft.com/office/powerpoint/2010/main" val="1168274758"/>
       </p:ext>
     </p:extLst>
   </p:cSld>
@@ -1574,7 +1544,7 @@
           <a:p>
             <a:r>
               <a:rPr lang="en-GB" dirty="0"/>
-              <a:t>To fix it for Gmail and similar systems:</a:t>
+              <a:t>So our static HTML file can now be sent to people by email or whatever.</a:t>
             </a:r>
           </a:p>
           <a:p>
@@ -1583,7 +1553,19 @@
           <a:p>
             <a:r>
               <a:rPr lang="en-GB" dirty="0"/>
-              <a:t>I added a styled paragraph at the top of the page which gave the viewer further instructions.</a:t>
+              <a:t>But there is a minor hitch.</a:t>
+            </a:r>
+          </a:p>
+          <a:p>
+            <a:r>
+              <a:rPr lang="en-GB" dirty="0"/>
+              <a:t>What do you think Gmail users see when they click the attachment icon and see a preview?</a:t>
+            </a:r>
+          </a:p>
+          <a:p>
+            <a:r>
+              <a:rPr lang="en-GB" dirty="0"/>
+              <a:t>I’ll give you a clue: Gmail opens the file in a new tab so there’s no interface.</a:t>
             </a:r>
           </a:p>
           <a:p>
@@ -1592,8 +1574,65 @@
           <a:p>
             <a:r>
               <a:rPr lang="en-GB" dirty="0"/>
-              <a:t>That paragraph was then removed with display: none if the CSS was parsed correctly.</a:t>
-            </a:r>
+              <a:t>[CLICK]</a:t>
+            </a:r>
+          </a:p>
+          <a:p>
+            <a:endParaRPr lang="en-GB" dirty="0"/>
+          </a:p>
+          <a:p>
+            <a:r>
+              <a:rPr lang="en-GB" dirty="0"/>
+              <a:t>Yep, Google thinks it’s best to treat this document as an HTML email.</a:t>
+            </a:r>
+          </a:p>
+          <a:p>
+            <a:r>
+              <a:rPr lang="en-GB" dirty="0"/>
+              <a:t>It strips all the styles and images.</a:t>
+            </a:r>
+          </a:p>
+          <a:p>
+            <a:endParaRPr lang="en-GB" dirty="0"/>
+          </a:p>
+          <a:p>
+            <a:r>
+              <a:rPr lang="en-GB" dirty="0"/>
+              <a:t>It looks reasonable if you use semantic tags.</a:t>
+            </a:r>
+          </a:p>
+          <a:p>
+            <a:r>
+              <a:rPr lang="en-GB" dirty="0"/>
+              <a:t>You can still read the information.</a:t>
+            </a:r>
+          </a:p>
+          <a:p>
+            <a:r>
+              <a:rPr lang="en-GB" dirty="0"/>
+              <a:t>But some users could think this is the actual report.</a:t>
+            </a:r>
+          </a:p>
+          <a:p>
+            <a:endParaRPr lang="en-GB" dirty="0"/>
+          </a:p>
+          <a:p>
+            <a:r>
+              <a:rPr lang="en-GB" dirty="0"/>
+              <a:t>You can fix this using tables and inline style attributes.</a:t>
+            </a:r>
+          </a:p>
+          <a:p>
+            <a:r>
+              <a:rPr lang="en-GB" dirty="0"/>
+              <a:t>But life’s too short for that sort of nonsense.</a:t>
+            </a:r>
+          </a:p>
+          <a:p>
+            <a:endParaRPr lang="en-GB" dirty="0"/>
+          </a:p>
+          <a:p>
+            <a:endParaRPr lang="en-GB" dirty="0"/>
           </a:p>
         </p:txBody>
       </p:sp>
@@ -1614,7 +1653,7 @@
           <a:p>
             <a:fld id="{7DAD1C3C-184F-4EBE-BA9D-900C6940E360}" type="slidenum">
               <a:rPr lang="en-GB" smtClean="0"/>
-              <a:t>16</a:t>
+              <a:t>15</a:t>
             </a:fld>
             <a:endParaRPr lang="en-GB"/>
           </a:p>
@@ -1623,7 +1662,7 @@
     </p:spTree>
     <p:extLst>
       <p:ext uri="{BB962C8B-B14F-4D97-AF65-F5344CB8AC3E}">
-        <p14:creationId xmlns:p14="http://schemas.microsoft.com/office/powerpoint/2010/main" val="4217908592"/>
+        <p14:creationId xmlns:p14="http://schemas.microsoft.com/office/powerpoint/2010/main" val="1120082863"/>
       </p:ext>
     </p:extLst>
   </p:cSld>
@@ -1679,7 +1718,7 @@
           <a:p>
             <a:r>
               <a:rPr lang="en-GB" dirty="0"/>
-              <a:t>The result isn’t perfect</a:t>
+              <a:t>I fixed it by adding a styled paragraph at the top of the page.</a:t>
             </a:r>
           </a:p>
           <a:p>
@@ -1688,7 +1727,7 @@
           <a:p>
             <a:r>
               <a:rPr lang="en-GB" dirty="0"/>
-              <a:t>But it gives users a helping hand</a:t>
+              <a:t>That gave the reader further instructions.</a:t>
             </a:r>
           </a:p>
           <a:p>
@@ -1697,7 +1736,7 @@
           <a:p>
             <a:r>
               <a:rPr lang="en-GB" dirty="0"/>
-              <a:t>Which is more than Google offers.</a:t>
+              <a:t>But the paragraph was removed with display: none if the CSS was parsed correctly.</a:t>
             </a:r>
           </a:p>
         </p:txBody>
@@ -1719,7 +1758,7 @@
           <a:p>
             <a:fld id="{7DAD1C3C-184F-4EBE-BA9D-900C6940E360}" type="slidenum">
               <a:rPr lang="en-GB" smtClean="0"/>
-              <a:t>17</a:t>
+              <a:t>16</a:t>
             </a:fld>
             <a:endParaRPr lang="en-GB"/>
           </a:p>
@@ -1728,7 +1767,7 @@
     </p:spTree>
     <p:extLst>
       <p:ext uri="{BB962C8B-B14F-4D97-AF65-F5344CB8AC3E}">
-        <p14:creationId xmlns:p14="http://schemas.microsoft.com/office/powerpoint/2010/main" val="3885657862"/>
+        <p14:creationId xmlns:p14="http://schemas.microsoft.com/office/powerpoint/2010/main" val="4217908592"/>
       </p:ext>
     </p:extLst>
   </p:cSld>
@@ -1783,6 +1822,111 @@
           <a:lstStyle/>
           <a:p>
             <a:r>
+              <a:rPr lang="en-GB" dirty="0"/>
+              <a:t>The result isn’t perfect</a:t>
+            </a:r>
+          </a:p>
+          <a:p>
+            <a:endParaRPr lang="en-GB" dirty="0"/>
+          </a:p>
+          <a:p>
+            <a:r>
+              <a:rPr lang="en-GB" dirty="0"/>
+              <a:t>But it helps users</a:t>
+            </a:r>
+          </a:p>
+          <a:p>
+            <a:endParaRPr lang="en-GB" dirty="0"/>
+          </a:p>
+          <a:p>
+            <a:r>
+              <a:rPr lang="en-GB" dirty="0"/>
+              <a:t>Which is more than Google does!</a:t>
+            </a:r>
+          </a:p>
+        </p:txBody>
+      </p:sp>
+      <p:sp>
+        <p:nvSpPr>
+          <p:cNvPr id="4" name="Slide Number Placeholder 3"/>
+          <p:cNvSpPr>
+            <a:spLocks noGrp="1"/>
+          </p:cNvSpPr>
+          <p:nvPr>
+            <p:ph type="sldNum" sz="quarter" idx="10"/>
+          </p:nvPr>
+        </p:nvSpPr>
+        <p:spPr/>
+        <p:txBody>
+          <a:bodyPr/>
+          <a:lstStyle/>
+          <a:p>
+            <a:fld id="{7DAD1C3C-184F-4EBE-BA9D-900C6940E360}" type="slidenum">
+              <a:rPr lang="en-GB" smtClean="0"/>
+              <a:t>17</a:t>
+            </a:fld>
+            <a:endParaRPr lang="en-GB"/>
+          </a:p>
+        </p:txBody>
+      </p:sp>
+    </p:spTree>
+    <p:extLst>
+      <p:ext uri="{BB962C8B-B14F-4D97-AF65-F5344CB8AC3E}">
+        <p14:creationId xmlns:p14="http://schemas.microsoft.com/office/powerpoint/2010/main" val="3885657862"/>
+      </p:ext>
+    </p:extLst>
+  </p:cSld>
+  <p:clrMapOvr>
+    <a:masterClrMapping/>
+  </p:clrMapOvr>
+</p:notes>
+</file>
+
+<file path=ppt/notesSlides/notesSlide18.xml><?xml version="1.0" encoding="utf-8"?>
+<p:notes xmlns:a="http://schemas.openxmlformats.org/drawingml/2006/main" xmlns:r="http://schemas.openxmlformats.org/officeDocument/2006/relationships" xmlns:p="http://schemas.openxmlformats.org/presentationml/2006/main">
+  <p:cSld>
+    <p:spTree>
+      <p:nvGrpSpPr>
+        <p:cNvPr id="1" name=""/>
+        <p:cNvGrpSpPr/>
+        <p:nvPr/>
+      </p:nvGrpSpPr>
+      <p:grpSpPr>
+        <a:xfrm>
+          <a:off x="0" y="0"/>
+          <a:ext cx="0" cy="0"/>
+          <a:chOff x="0" y="0"/>
+          <a:chExt cx="0" cy="0"/>
+        </a:xfrm>
+      </p:grpSpPr>
+      <p:sp>
+        <p:nvSpPr>
+          <p:cNvPr id="2" name="Slide Image Placeholder 1"/>
+          <p:cNvSpPr>
+            <a:spLocks noGrp="1" noRot="1" noChangeAspect="1"/>
+          </p:cNvSpPr>
+          <p:nvPr>
+            <p:ph type="sldImg"/>
+          </p:nvPr>
+        </p:nvSpPr>
+        <p:spPr/>
+      </p:sp>
+      <p:sp>
+        <p:nvSpPr>
+          <p:cNvPr id="3" name="Notes Placeholder 2"/>
+          <p:cNvSpPr>
+            <a:spLocks noGrp="1"/>
+          </p:cNvSpPr>
+          <p:nvPr>
+            <p:ph type="body" idx="1"/>
+          </p:nvPr>
+        </p:nvSpPr>
+        <p:spPr/>
+        <p:txBody>
+          <a:bodyPr/>
+          <a:lstStyle/>
+          <a:p>
+            <a:r>
               <a:rPr lang="en-GB" sz="1200" b="0" kern="1200" dirty="0">
                 <a:solidFill>
                   <a:schemeClr val="tx1"/>
@@ -1792,7 +1936,7 @@
                 <a:ea typeface="+mn-ea"/>
                 <a:cs typeface="+mn-cs"/>
               </a:rPr>
-              <a:t>We have a web report we can preview then download a static HTML document which can be sent to anyone.</a:t>
+              <a:t>That’s it. We have a report we can preview then download a static HTML document.</a:t>
             </a:r>
           </a:p>
           <a:p>
@@ -1817,7 +1961,7 @@
                 <a:ea typeface="+mn-ea"/>
                 <a:cs typeface="+mn-cs"/>
               </a:rPr>
-              <a:t>It has all the benefits of HTML plus those of PDFs.</a:t>
+              <a:t>It can be sent to anyone, and has the benefits of both HTML and PDF.</a:t>
             </a:r>
           </a:p>
           <a:p>
@@ -1842,21 +1986,7 @@
                 <a:ea typeface="+mn-ea"/>
                 <a:cs typeface="+mn-cs"/>
               </a:rPr>
-              <a:t>It works in all browsers.</a:t>
-            </a:r>
-          </a:p>
-          <a:p>
-            <a:r>
-              <a:rPr lang="en-GB" sz="1200" b="0" kern="1200" dirty="0">
-                <a:solidFill>
-                  <a:schemeClr val="tx1"/>
-                </a:solidFill>
-                <a:effectLst/>
-                <a:latin typeface="+mn-lt"/>
-                <a:ea typeface="+mn-ea"/>
-                <a:cs typeface="+mn-cs"/>
-              </a:rPr>
-              <a:t>I have used some CSS properties which aren't great in IE but the document is readable and prints perfectly.</a:t>
+              <a:t>Some CSS properties I used aren’t great in IE but the document is still readable and prints perfectly.</a:t>
             </a:r>
           </a:p>
           <a:p>
@@ -1881,7 +2011,7 @@
                 <a:ea typeface="+mn-ea"/>
                 <a:cs typeface="+mn-cs"/>
               </a:rPr>
-              <a:t>It's not quite read-only but nor are PDFs when it comes to it.</a:t>
+              <a:t>It's not read-only but nor are PDFs when it comes to it.</a:t>
             </a:r>
           </a:p>
           <a:p>
@@ -1895,7 +2025,7 @@
                 <a:ea typeface="+mn-ea"/>
                 <a:cs typeface="+mn-cs"/>
               </a:rPr>
-              <a:t>But the HTML is minified and difficult to edit.</a:t>
+              <a:t>The HTML is minified so it’s difficult to edit.</a:t>
             </a:r>
           </a:p>
           <a:p>
@@ -1909,7 +2039,7 @@
                 <a:ea typeface="+mn-ea"/>
                 <a:cs typeface="+mn-cs"/>
               </a:rPr>
-              <a:t>If you’re worried, generate a hash in the content or on the filename so you can prove it’s been tampered with.</a:t>
+              <a:t>If you’re worried, I’d suggest generating a hash in the content or filename so you can prove it’s been tampered with.</a:t>
             </a:r>
           </a:p>
           <a:p>
@@ -1934,35 +2064,7 @@
                 <a:ea typeface="+mn-ea"/>
                 <a:cs typeface="+mn-cs"/>
               </a:rPr>
-              <a:t>Finally, user expectations.</a:t>
-            </a:r>
-          </a:p>
-          <a:p>
-            <a:r>
-              <a:rPr lang="en-GB" sz="1200" b="0" kern="1200" dirty="0">
-                <a:solidFill>
-                  <a:schemeClr val="tx1"/>
-                </a:solidFill>
-                <a:effectLst/>
-                <a:latin typeface="+mn-lt"/>
-                <a:ea typeface="+mn-ea"/>
-                <a:cs typeface="+mn-cs"/>
-              </a:rPr>
-              <a:t>This was the biggest unknown but, so far, everyone seems to love it.</a:t>
-            </a:r>
-          </a:p>
-          <a:p>
-            <a:r>
-              <a:rPr lang="en-GB" sz="1200" b="0" kern="1200" dirty="0">
-                <a:solidFill>
-                  <a:schemeClr val="tx1"/>
-                </a:solidFill>
-                <a:effectLst/>
-                <a:latin typeface="+mn-lt"/>
-                <a:ea typeface="+mn-ea"/>
-                <a:cs typeface="+mn-cs"/>
-              </a:rPr>
-              <a:t>HTML documents have been sent to hundreds of people over the past year.</a:t>
+              <a:t>User expectations was the biggest unknown, but similar HTML documents have been sent to hundreds of people over the past year.</a:t>
             </a:r>
           </a:p>
           <a:p>
@@ -2001,10 +2103,22 @@
                 <a:ea typeface="+mn-ea"/>
                 <a:cs typeface="+mn-cs"/>
               </a:rPr>
-              <a:t>In fact, some have even being demanding monthly reports before the month ends.</a:t>
-            </a:r>
-          </a:p>
-          <a:p>
+              <a:t>In fact, they love it. Some are now demanding monthly reports before the month ends.</a:t>
+            </a:r>
+          </a:p>
+          <a:p>
+            <a:r>
+              <a:rPr lang="en-GB" sz="1200" b="0" kern="1200">
+                <a:solidFill>
+                  <a:schemeClr val="tx1"/>
+                </a:solidFill>
+                <a:effectLst/>
+                <a:latin typeface="+mn-lt"/>
+                <a:ea typeface="+mn-ea"/>
+                <a:cs typeface="+mn-cs"/>
+              </a:rPr>
+              <a:t>Which is </a:t>
+            </a:r>
             <a:r>
               <a:rPr lang="en-GB" sz="1200" b="0" kern="1200" dirty="0">
                 <a:solidFill>
@@ -2015,7 +2129,7 @@
                 <a:ea typeface="+mn-ea"/>
                 <a:cs typeface="+mn-cs"/>
               </a:rPr>
-              <a:t>That’s clearly bonkers, but that’s users for you.</a:t>
+              <a:t>clearly bonkers, but that’s users for you.</a:t>
             </a:r>
           </a:p>
           <a:p>
@@ -2068,7 +2182,7 @@
                 <a:ea typeface="+mn-ea"/>
                 <a:cs typeface="+mn-cs"/>
               </a:rPr>
-              <a:t>Or please hire me if you’d like someone else to do the work!</a:t>
+              <a:t>Or please hire me if you’d like someone else to do the hard work!</a:t>
             </a:r>
           </a:p>
           <a:p>
@@ -2189,10 +2303,7 @@
           <a:bodyPr/>
           <a:lstStyle/>
           <a:p>
-            <a:r>
-              <a:rPr lang="en-GB" dirty="0"/>
-              <a:t>but you won't see any self-promotion or subliminal advertising in this presentation</a:t>
-            </a:r>
+            <a:endParaRPr lang="en-GB" dirty="0"/>
           </a:p>
         </p:txBody>
       </p:sp>
@@ -2278,7 +2389,7 @@
           <a:p>
             <a:r>
               <a:rPr lang="en-GB" dirty="0"/>
-              <a:t>So let’s talk about Portable Document Format – or PDF.</a:t>
+              <a:t>So let’s talk about Portable Document Format – or PDFs.</a:t>
             </a:r>
           </a:p>
           <a:p>
@@ -2319,10 +2430,27 @@
             </a:pPr>
             <a:r>
               <a:rPr lang="en-GB" dirty="0"/>
-              <a:t>But I’ll keep you excited by mentioning Blockchain and serverless every few minutes.</a:t>
-            </a:r>
-          </a:p>
-          <a:p>
+              <a:t>I’ll keep you excited by mentioning Blockchain and serverless every so often.</a:t>
+            </a:r>
+          </a:p>
+          <a:p>
+            <a:pPr marL="0" marR="0" lvl="0" indent="0" algn="l" defTabSz="914400" rtl="0" eaLnBrk="1" fontAlgn="auto" latinLnBrk="0" hangingPunct="1">
+              <a:lnSpc>
+                <a:spcPct val="100000"/>
+              </a:lnSpc>
+              <a:spcBef>
+                <a:spcPts val="0"/>
+              </a:spcBef>
+              <a:spcAft>
+                <a:spcPts val="0"/>
+              </a:spcAft>
+              <a:buClrTx/>
+              <a:buSzTx/>
+              <a:buFontTx/>
+              <a:buNone/>
+              <a:tabLst/>
+              <a:defRPr/>
+            </a:pPr>
             <a:endParaRPr lang="en-GB" dirty="0"/>
           </a:p>
           <a:p>
@@ -2337,7 +2465,7 @@
           <a:p>
             <a:r>
               <a:rPr lang="en-GB" dirty="0"/>
-              <a:t>They’re essentially postscript instructions sent to a file rather than to a printer</a:t>
+              <a:t>They’re essentially postscript instructions sent to a file rather than sent to a printer</a:t>
             </a:r>
           </a:p>
         </p:txBody>
@@ -2442,7 +2570,7 @@
           <a:p>
             <a:r>
               <a:rPr lang="en-GB" dirty="0"/>
-              <a:t>If you have print preview, you can see what the PDF will look like before saving it</a:t>
+              <a:t>You can print preview to see what it’ll look like</a:t>
             </a:r>
           </a:p>
           <a:p>
@@ -2469,13 +2597,13 @@
           <a:p>
             <a:r>
               <a:rPr lang="en-GB" dirty="0"/>
-              <a:t>And they can open it on any system which has a PDF reader.</a:t>
-            </a:r>
-          </a:p>
-          <a:p>
-            <a:r>
-              <a:rPr lang="en-GB" dirty="0"/>
-              <a:t>You don’t need the software which created the PDF file.</a:t>
+              <a:t>Those people can open it with a PDF reader.</a:t>
+            </a:r>
+          </a:p>
+          <a:p>
+            <a:r>
+              <a:rPr lang="en-GB" dirty="0"/>
+              <a:t>So you don’t need the software which created it.</a:t>
             </a:r>
           </a:p>
           <a:p>
@@ -2502,13 +2630,19 @@
           <a:p>
             <a:r>
               <a:rPr lang="en-GB" dirty="0"/>
-              <a:t>And finally, PDFs are the will of the people. It’s what they want.</a:t>
-            </a:r>
-          </a:p>
-          <a:p>
-            <a:r>
-              <a:rPr lang="en-GB" dirty="0"/>
-              <a:t>So get over it Craig. What don’t you understand.</a:t>
+              <a:t>And finally, PDFs are the will of the people.</a:t>
+            </a:r>
+          </a:p>
+          <a:p>
+            <a:r>
+              <a:rPr lang="en-GB" dirty="0"/>
+              <a:t>It’s what they want.</a:t>
+            </a:r>
+          </a:p>
+          <a:p>
+            <a:r>
+              <a:rPr lang="en-GB" dirty="0"/>
+              <a:t>Get over it Craig. What don’t you understand.</a:t>
             </a:r>
           </a:p>
           <a:p>
@@ -2616,7 +2750,7 @@
           <a:p>
             <a:r>
               <a:rPr lang="en-GB" dirty="0"/>
-              <a:t>It's nothing revolutionary: usual stuff</a:t>
+              <a:t>It's nothing revolutionary</a:t>
             </a:r>
           </a:p>
           <a:p>
@@ -2634,7 +2768,7 @@
           <a:p>
             <a:r>
               <a:rPr lang="en-GB" dirty="0"/>
-              <a:t>Those customers can run reports and get all sorts of amazing business insights with just a few clicks</a:t>
+              <a:t>Those customers can run reports and get all sorts of amazing business insights with a few clicks</a:t>
             </a:r>
           </a:p>
           <a:p>
@@ -2747,7 +2881,13 @@
           <a:p>
             <a:r>
               <a:rPr lang="en-GB" dirty="0"/>
-              <a:t>My client contacted me last year to say they were spending several days every month creating PDF reports which they emailed to customers.</a:t>
+              <a:t>My client contacted me last year.</a:t>
+            </a:r>
+          </a:p>
+          <a:p>
+            <a:r>
+              <a:rPr lang="en-GB" dirty="0"/>
+              <a:t>They were spending several days every month creating PDF reports which they emailed to customers.</a:t>
             </a:r>
           </a:p>
           <a:p>
@@ -2774,7 +2914,16 @@
           <a:p>
             <a:r>
               <a:rPr lang="en-GB" dirty="0"/>
-              <a:t>Why do that when those customers can access the same information with a few clicks.</a:t>
+              <a:t>Why do that?</a:t>
+            </a:r>
+          </a:p>
+          <a:p>
+            <a:endParaRPr lang="en-GB" dirty="0"/>
+          </a:p>
+          <a:p>
+            <a:r>
+              <a:rPr lang="en-GB" dirty="0"/>
+              <a:t>Those customers can access the same information with a few clicks.</a:t>
             </a:r>
           </a:p>
           <a:p>
@@ -2881,7 +3030,30 @@
             </a:pPr>
             <a:r>
               <a:rPr lang="en-GB" dirty="0"/>
-              <a:t>The reason was simple.</a:t>
+              <a:t>The reason was simple:</a:t>
+            </a:r>
+          </a:p>
+          <a:p>
+            <a:pPr marL="0" marR="0" lvl="0" indent="0" algn="l" defTabSz="914400" rtl="0" eaLnBrk="1" fontAlgn="auto" latinLnBrk="0" hangingPunct="1">
+              <a:lnSpc>
+                <a:spcPct val="100000"/>
+              </a:lnSpc>
+              <a:spcBef>
+                <a:spcPts val="0"/>
+              </a:spcBef>
+              <a:spcAft>
+                <a:spcPts val="0"/>
+              </a:spcAft>
+              <a:buClrTx/>
+              <a:buSzTx/>
+              <a:buFontTx/>
+              <a:buNone/>
+              <a:tabLst/>
+              <a:defRPr/>
+            </a:pPr>
+            <a:r>
+              <a:rPr lang="en-GB" dirty="0"/>
+              <a:t>I don’t understand marketing.</a:t>
             </a:r>
           </a:p>
           <a:p>
@@ -2924,7 +3096,7 @@
             </a:pPr>
             <a:r>
               <a:rPr lang="en-GB" dirty="0"/>
-              <a:t>I don’t understand marketing.</a:t>
+              <a:t>But I’m not a typical user. And nor are any of you.</a:t>
             </a:r>
           </a:p>
           <a:p>
@@ -2967,7 +3139,7 @@
             </a:pPr>
             <a:r>
               <a:rPr lang="en-GB" dirty="0"/>
-              <a:t>But I’m not a typical user. And nor are any of you.</a:t>
+              <a:t>We’re all curious about technology. And data. And serverless. And blockchain.</a:t>
             </a:r>
           </a:p>
           <a:p>
@@ -3010,7 +3182,30 @@
             </a:pPr>
             <a:r>
               <a:rPr lang="en-GB" dirty="0"/>
-              <a:t>We’re all curious about technology. And data. And serverless. And blockchain.</a:t>
+              <a:t>So if we want to find something out, we go looking for it.</a:t>
+            </a:r>
+          </a:p>
+          <a:p>
+            <a:pPr marL="0" marR="0" lvl="0" indent="0" algn="l" defTabSz="914400" rtl="0" eaLnBrk="1" fontAlgn="auto" latinLnBrk="0" hangingPunct="1">
+              <a:lnSpc>
+                <a:spcPct val="100000"/>
+              </a:lnSpc>
+              <a:spcBef>
+                <a:spcPts val="0"/>
+              </a:spcBef>
+              <a:spcAft>
+                <a:spcPts val="0"/>
+              </a:spcAft>
+              <a:buClrTx/>
+              <a:buSzTx/>
+              <a:buFontTx/>
+              <a:buNone/>
+              <a:tabLst/>
+              <a:defRPr/>
+            </a:pPr>
+            <a:r>
+              <a:rPr lang="en-GB" dirty="0"/>
+              <a:t>We ask others. We search the web. We go to conferences.</a:t>
             </a:r>
           </a:p>
           <a:p>
@@ -3053,30 +3248,7 @@
             </a:pPr>
             <a:r>
               <a:rPr lang="en-GB" dirty="0"/>
-              <a:t>So if we want to find something out, we go looking for it.</a:t>
-            </a:r>
-          </a:p>
-          <a:p>
-            <a:pPr marL="0" marR="0" lvl="0" indent="0" algn="l" defTabSz="914400" rtl="0" eaLnBrk="1" fontAlgn="auto" latinLnBrk="0" hangingPunct="1">
-              <a:lnSpc>
-                <a:spcPct val="100000"/>
-              </a:lnSpc>
-              <a:spcBef>
-                <a:spcPts val="0"/>
-              </a:spcBef>
-              <a:spcAft>
-                <a:spcPts val="0"/>
-              </a:spcAft>
-              <a:buClrTx/>
-              <a:buSzTx/>
-              <a:buFontTx/>
-              <a:buNone/>
-              <a:tabLst/>
-              <a:defRPr/>
-            </a:pPr>
-            <a:r>
-              <a:rPr lang="en-GB" dirty="0"/>
-              <a:t>We ask others. We search the web. We go to conferences.</a:t>
+              <a:t>Normal people are not like us. </a:t>
             </a:r>
           </a:p>
           <a:p>
@@ -3119,7 +3291,53 @@
             </a:pPr>
             <a:r>
               <a:rPr lang="en-GB" dirty="0"/>
-              <a:t>Normal people are not like us. </a:t>
+              <a:t>They like to be told what’s good for them.</a:t>
+            </a:r>
+          </a:p>
+          <a:p>
+            <a:pPr marL="0" marR="0" lvl="0" indent="0" algn="l" defTabSz="914400" rtl="0" eaLnBrk="1" fontAlgn="auto" latinLnBrk="0" hangingPunct="1">
+              <a:lnSpc>
+                <a:spcPct val="100000"/>
+              </a:lnSpc>
+              <a:spcBef>
+                <a:spcPts val="0"/>
+              </a:spcBef>
+              <a:spcAft>
+                <a:spcPts val="0"/>
+              </a:spcAft>
+              <a:buClrTx/>
+              <a:buSzTx/>
+              <a:buFontTx/>
+              <a:buNone/>
+              <a:tabLst/>
+              <a:defRPr/>
+            </a:pPr>
+            <a:r>
+              <a:rPr lang="en-GB" dirty="0"/>
+              <a:t>They don’t want the effort of doing research.</a:t>
+            </a:r>
+          </a:p>
+          <a:p>
+            <a:pPr marL="0" marR="0" lvl="0" indent="0" algn="l" defTabSz="914400" rtl="0" eaLnBrk="1" fontAlgn="auto" latinLnBrk="0" hangingPunct="1">
+              <a:lnSpc>
+                <a:spcPct val="100000"/>
+              </a:lnSpc>
+              <a:spcBef>
+                <a:spcPts val="0"/>
+              </a:spcBef>
+              <a:spcAft>
+                <a:spcPts val="0"/>
+              </a:spcAft>
+              <a:buClrTx/>
+              <a:buSzTx/>
+              <a:buFontTx/>
+              <a:buNone/>
+              <a:tabLst/>
+              <a:defRPr/>
+            </a:pPr>
+            <a:r>
+              <a:rPr lang="en-GB" dirty="0"/>
+              <a:t>They’ve got important jobs and they’re far too busy to analyse facts.</a:t>
             </a:r>
           </a:p>
           <a:p>
@@ -3162,7 +3380,7 @@
             </a:pPr>
             <a:r>
               <a:rPr lang="en-GB" dirty="0"/>
-              <a:t>They like to be told what’s good for them.</a:t>
+              <a:t>This report gave them a summary of information which they could read at their convenience</a:t>
             </a:r>
           </a:p>
           <a:p>
@@ -3185,30 +3403,7 @@
             </a:pPr>
             <a:r>
               <a:rPr lang="en-GB" dirty="0"/>
-              <a:t>They don’t want the effort of doing research.</a:t>
-            </a:r>
-          </a:p>
-          <a:p>
-            <a:pPr marL="0" marR="0" lvl="0" indent="0" algn="l" defTabSz="914400" rtl="0" eaLnBrk="1" fontAlgn="auto" latinLnBrk="0" hangingPunct="1">
-              <a:lnSpc>
-                <a:spcPct val="100000"/>
-              </a:lnSpc>
-              <a:spcBef>
-                <a:spcPts val="0"/>
-              </a:spcBef>
-              <a:spcAft>
-                <a:spcPts val="0"/>
-              </a:spcAft>
-              <a:buClrTx/>
-              <a:buSzTx/>
-              <a:buFontTx/>
-              <a:buNone/>
-              <a:tabLst/>
-              <a:defRPr/>
-            </a:pPr>
-            <a:r>
-              <a:rPr lang="en-GB" dirty="0"/>
-              <a:t>They’ve got important jobs and they’re far too busy to analyse facts.</a:t>
+              <a:t>And it reminded them they were getting a useful service even if they weren’t logging in every day.</a:t>
             </a:r>
           </a:p>
           <a:p>
@@ -3251,7 +3446,7 @@
             </a:pPr>
             <a:r>
               <a:rPr lang="en-GB" dirty="0"/>
-              <a:t>This report gave them a summary of information which they could read at their convenience</a:t>
+              <a:t>So I had to accept this monthly PDF report actually worked well.</a:t>
             </a:r>
           </a:p>
           <a:p>
@@ -3274,114 +3469,8 @@
             </a:pPr>
             <a:r>
               <a:rPr lang="en-GB" dirty="0"/>
-              <a:t>And it reminded them they were getting a useful service even if they weren’t logging in every day.</a:t>
-            </a:r>
-          </a:p>
-          <a:p>
-            <a:pPr marL="0" marR="0" lvl="0" indent="0" algn="l" defTabSz="914400" rtl="0" eaLnBrk="1" fontAlgn="auto" latinLnBrk="0" hangingPunct="1">
-              <a:lnSpc>
-                <a:spcPct val="100000"/>
-              </a:lnSpc>
-              <a:spcBef>
-                <a:spcPts val="0"/>
-              </a:spcBef>
-              <a:spcAft>
-                <a:spcPts val="0"/>
-              </a:spcAft>
-              <a:buClrTx/>
-              <a:buSzTx/>
-              <a:buFontTx/>
-              <a:buNone/>
-              <a:tabLst/>
-              <a:defRPr/>
-            </a:pPr>
-            <a:endParaRPr lang="en-GB" dirty="0"/>
-          </a:p>
-          <a:p>
-            <a:pPr marL="0" marR="0" lvl="0" indent="0" algn="l" defTabSz="914400" rtl="0" eaLnBrk="1" fontAlgn="auto" latinLnBrk="0" hangingPunct="1">
-              <a:lnSpc>
-                <a:spcPct val="100000"/>
-              </a:lnSpc>
-              <a:spcBef>
-                <a:spcPts val="0"/>
-              </a:spcBef>
-              <a:spcAft>
-                <a:spcPts val="0"/>
-              </a:spcAft>
-              <a:buClrTx/>
-              <a:buSzTx/>
-              <a:buFontTx/>
-              <a:buNone/>
-              <a:tabLst/>
-              <a:defRPr/>
-            </a:pPr>
-            <a:r>
-              <a:rPr lang="en-GB" dirty="0"/>
-              <a:t>So this monthly PDF report worked well.</a:t>
-            </a:r>
-          </a:p>
-          <a:p>
-            <a:pPr marL="0" marR="0" lvl="0" indent="0" algn="l" defTabSz="914400" rtl="0" eaLnBrk="1" fontAlgn="auto" latinLnBrk="0" hangingPunct="1">
-              <a:lnSpc>
-                <a:spcPct val="100000"/>
-              </a:lnSpc>
-              <a:spcBef>
-                <a:spcPts val="0"/>
-              </a:spcBef>
-              <a:spcAft>
-                <a:spcPts val="0"/>
-              </a:spcAft>
-              <a:buClrTx/>
-              <a:buSzTx/>
-              <a:buFontTx/>
-              <a:buNone/>
-              <a:tabLst/>
-              <a:defRPr/>
-            </a:pPr>
-            <a:endParaRPr lang="en-GB" dirty="0"/>
-          </a:p>
-          <a:p>
-            <a:pPr marL="0" marR="0" lvl="0" indent="0" algn="l" defTabSz="914400" rtl="0" eaLnBrk="1" fontAlgn="auto" latinLnBrk="0" hangingPunct="1">
-              <a:lnSpc>
-                <a:spcPct val="100000"/>
-              </a:lnSpc>
-              <a:spcBef>
-                <a:spcPts val="0"/>
-              </a:spcBef>
-              <a:spcAft>
-                <a:spcPts val="0"/>
-              </a:spcAft>
-              <a:buClrTx/>
-              <a:buSzTx/>
-              <a:buFontTx/>
-              <a:buNone/>
-              <a:tabLst/>
-              <a:defRPr/>
-            </a:pPr>
-            <a:r>
-              <a:rPr lang="en-GB" dirty="0"/>
-              <a:t>I had to accept I was wrong and most users like to be spoon fed facts.</a:t>
-            </a:r>
-          </a:p>
-          <a:p>
-            <a:pPr marL="0" marR="0" lvl="0" indent="0" algn="l" defTabSz="914400" rtl="0" eaLnBrk="1" fontAlgn="auto" latinLnBrk="0" hangingPunct="1">
-              <a:lnSpc>
-                <a:spcPct val="100000"/>
-              </a:lnSpc>
-              <a:spcBef>
-                <a:spcPts val="0"/>
-              </a:spcBef>
-              <a:spcAft>
-                <a:spcPts val="0"/>
-              </a:spcAft>
-              <a:buClrTx/>
-              <a:buSzTx/>
-              <a:buFontTx/>
-              <a:buNone/>
-              <a:tabLst/>
-              <a:defRPr/>
-            </a:pPr>
-            <a:endParaRPr lang="en-GB" dirty="0"/>
+              <a:t>And I knew nothing.</a:t>
+            </a:r>
           </a:p>
         </p:txBody>
       </p:sp>
@@ -3485,7 +3574,7 @@
           <a:p>
             <a:r>
               <a:rPr lang="en-GB" dirty="0"/>
-              <a:t>Then we grab screenshots.</a:t>
+              <a:t>And then we grab screenshots!</a:t>
             </a:r>
           </a:p>
           <a:p>
@@ -3512,7 +3601,7 @@
           <a:p>
             <a:r>
               <a:rPr lang="en-GB" dirty="0"/>
-              <a:t>{ PowerPoint? Not Excel or anything practical for further analysis? }</a:t>
+              <a:t>{ PowerPoint? Not Excel or anything practical for analysis? }</a:t>
             </a:r>
           </a:p>
           <a:p>
@@ -3527,7 +3616,7 @@
           <a:p>
             <a:r>
               <a:rPr lang="en-GB" dirty="0"/>
-              <a:t>And it means we can edit the information easily.</a:t>
+              <a:t>And it means we can add useful text.</a:t>
             </a:r>
           </a:p>
           <a:p>
@@ -3548,7 +3637,7 @@
           <a:p>
             <a:r>
               <a:rPr lang="en-GB" dirty="0"/>
-              <a:t>Yes it’s terrible. The screenshots go all blocky. We often have to go back, zoom the page, then stitch screens together.</a:t>
+              <a:t>Yes it’s terrible. The screenshots go all blocky. We often have to zoom the web page and stitch screens together.</a:t>
             </a:r>
           </a:p>
           <a:p>
@@ -3584,7 +3673,7 @@
           <a:p>
             <a:r>
               <a:rPr lang="en-GB" dirty="0"/>
-              <a:t>could I make this process easier?</a:t>
+              <a:t>could I make this easier?</a:t>
             </a:r>
           </a:p>
         </p:txBody>
@@ -3686,7 +3775,13 @@
           <a:p>
             <a:r>
               <a:rPr lang="en-GB" dirty="0"/>
-              <a:t>You just get a browser to print to a PDF which effectively converts HTML to Postscript.</a:t>
+              <a:t>You just get a browser to print to a PDF.</a:t>
+            </a:r>
+          </a:p>
+          <a:p>
+            <a:r>
+              <a:rPr lang="en-GB" dirty="0"/>
+              <a:t>That effectively converts HTML to Postscript.</a:t>
             </a:r>
           </a:p>
           <a:p>
@@ -3704,13 +3799,13 @@
           <a:p>
             <a:r>
               <a:rPr lang="en-GB" dirty="0"/>
-              <a:t>you couldn't, for example, make some pages portrait and some landscape.</a:t>
-            </a:r>
-          </a:p>
-          <a:p>
-            <a:r>
-              <a:rPr lang="en-GB" dirty="0"/>
-              <a:t>And you’re often relying on the user to tweak the settings. And they never get it right.</a:t>
+              <a:t>You can’t make some pages portrait and some landscape, for example.</a:t>
+            </a:r>
+          </a:p>
+          <a:p>
+            <a:r>
+              <a:rPr lang="en-GB" dirty="0"/>
+              <a:t>And it depends on user to tweak the settings. Which they never get right.</a:t>
             </a:r>
           </a:p>
           <a:p>
@@ -3719,13 +3814,13 @@
           <a:p>
             <a:r>
               <a:rPr lang="en-GB" dirty="0"/>
-              <a:t>The second option is to output a PDF directly by drawing onto the paper canvas.</a:t>
-            </a:r>
-          </a:p>
-          <a:p>
-            <a:r>
-              <a:rPr lang="en-GB" dirty="0"/>
-              <a:t>The masochists amongst you could write raw Postscript code but it’s easier to use a library.</a:t>
+              <a:t>The second option is to output a PDF by drawing onto the paper canvas.</a:t>
+            </a:r>
+          </a:p>
+          <a:p>
+            <a:r>
+              <a:rPr lang="en-GB" dirty="0"/>
+              <a:t>I’m sure you could all write raw Postscript but most developers would grab a library.</a:t>
             </a:r>
           </a:p>
           <a:p>
@@ -3737,13 +3832,13 @@
           <a:p>
             <a:r>
               <a:rPr lang="en-GB" dirty="0"/>
-              <a:t>But it’s difficult do to anything complex.</a:t>
-            </a:r>
-          </a:p>
-          <a:p>
-            <a:r>
-              <a:rPr lang="en-GB" dirty="0"/>
-              <a:t>I tried several libraries to convert tables and SVGs but it was a lot of work and results were variable.</a:t>
+              <a:t>But it’s hard work.</a:t>
+            </a:r>
+          </a:p>
+          <a:p>
+            <a:r>
+              <a:rPr lang="en-GB" dirty="0"/>
+              <a:t>I tried several libraries and results weren’t always great.</a:t>
             </a:r>
           </a:p>
           <a:p>
@@ -3767,7 +3862,7 @@
           <a:p>
             <a:r>
               <a:rPr lang="en-GB" dirty="0"/>
-              <a:t>I started to question my life choices and the futility of everything</a:t>
+              <a:t>So I started to question my life choices</a:t>
             </a:r>
           </a:p>
         </p:txBody>
@@ -3958,7 +4053,7 @@
             </a:fld>
             <a:r>
               <a:rPr lang="en-GB" dirty="0"/>
-              <a:t> of 99</a:t>
+              <a:t> of 18</a:t>
             </a:r>
           </a:p>
         </p:txBody>
@@ -4189,7 +4284,7 @@
             </a:fld>
             <a:r>
               <a:rPr lang="en-GB" dirty="0"/>
-              <a:t> of 99</a:t>
+              <a:t> of 18</a:t>
             </a:r>
           </a:p>
         </p:txBody>
@@ -4436,10 +4531,9 @@
               <a:t>‹#›</a:t>
             </a:fld>
             <a:r>
-              <a:rPr lang="en-GB"/>
-              <a:t> of 99</a:t>
-            </a:r>
-            <a:endParaRPr lang="en-GB" dirty="0"/>
+              <a:rPr lang="en-GB" dirty="0"/>
+              <a:t> of 18</a:t>
+            </a:r>
           </a:p>
         </p:txBody>
       </p:sp>
@@ -5128,8 +5222,8 @@
         </p:nvSpPr>
         <p:spPr>
           <a:xfrm>
-            <a:off x="633413" y="1939895"/>
-            <a:ext cx="7948315" cy="4153256"/>
+            <a:off x="633413" y="1676400"/>
+            <a:ext cx="7948315" cy="4758267"/>
           </a:xfrm>
         </p:spPr>
         <p:txBody>
@@ -5186,6 +5280,15 @@
               <a:t>craigbuckler</a:t>
             </a:r>
             <a:endParaRPr lang="en-GB" dirty="0"/>
+          </a:p>
+          <a:p>
+            <a:pPr marL="0" indent="0" algn="ctr">
+              <a:buNone/>
+            </a:pPr>
+            <a:r>
+              <a:rPr lang="en-GB" dirty="0"/>
+              <a:t>craigbuckler.com</a:t>
+            </a:r>
           </a:p>
           <a:p>
             <a:pPr marL="0" indent="0" algn="ctr">
@@ -5322,10 +5425,6 @@
               <a:pPr/>
               <a:t>10</a:t>
             </a:fld>
-            <a:r>
-              <a:rPr lang="en-GB"/>
-              <a:t> of 99</a:t>
-            </a:r>
             <a:endParaRPr lang="en-GB" dirty="0"/>
           </a:p>
         </p:txBody>
@@ -5387,6 +5486,18 @@
   <p:clrMapOvr>
     <a:masterClrMapping/>
   </p:clrMapOvr>
+  <mc:AlternateContent xmlns:mc="http://schemas.openxmlformats.org/markup-compatibility/2006">
+    <mc:Choice xmlns:p14="http://schemas.microsoft.com/office/powerpoint/2010/main" Requires="p14">
+      <p:transition spd="slow" p14:dur="800">
+        <p14:flythrough dir="out"/>
+      </p:transition>
+    </mc:Choice>
+    <mc:Fallback>
+      <p:transition spd="slow">
+        <p:fade/>
+      </p:transition>
+    </mc:Fallback>
+  </mc:AlternateContent>
   <p:timing>
     <p:tnLst>
       <p:par>
@@ -5570,10 +5681,6 @@
               <a:pPr/>
               <a:t>11</a:t>
             </a:fld>
-            <a:r>
-              <a:rPr lang="en-GB"/>
-              <a:t> of 99</a:t>
-            </a:r>
             <a:endParaRPr lang="en-GB" dirty="0"/>
           </a:p>
         </p:txBody>
@@ -5651,6 +5758,18 @@
   <p:clrMapOvr>
     <a:masterClrMapping/>
   </p:clrMapOvr>
+  <mc:AlternateContent xmlns:mc="http://schemas.openxmlformats.org/markup-compatibility/2006">
+    <mc:Choice xmlns:p15="http://schemas.microsoft.com/office/powerpoint/2012/main" Requires="p15">
+      <p:transition xmlns:p14="http://schemas.microsoft.com/office/powerpoint/2010/main" spd="slow" p14:dur="2000">
+        <p15:prstTrans prst="drape"/>
+      </p:transition>
+    </mc:Choice>
+    <mc:Fallback>
+      <p:transition spd="slow">
+        <p:fade/>
+      </p:transition>
+    </mc:Fallback>
+  </mc:AlternateContent>
   <p:timing>
     <p:tnLst>
       <p:par>
@@ -6478,10 +6597,6 @@
               <a:pPr/>
               <a:t>12</a:t>
             </a:fld>
-            <a:r>
-              <a:rPr lang="en-GB"/>
-              <a:t> of 99</a:t>
-            </a:r>
             <a:endParaRPr lang="en-GB" dirty="0"/>
           </a:p>
         </p:txBody>
@@ -6569,6 +6684,9 @@
   <p:clrMapOvr>
     <a:masterClrMapping/>
   </p:clrMapOvr>
+  <p:transition spd="slow">
+    <p:cover dir="d"/>
+  </p:transition>
 </p:sld>
 </file>
 
@@ -6673,10 +6791,6 @@
               <a:pPr/>
               <a:t>13</a:t>
             </a:fld>
-            <a:r>
-              <a:rPr lang="en-GB"/>
-              <a:t> of 99</a:t>
-            </a:r>
             <a:endParaRPr lang="en-GB" dirty="0"/>
           </a:p>
         </p:txBody>
@@ -6763,6 +6877,18 @@
   <p:clrMapOvr>
     <a:masterClrMapping/>
   </p:clrMapOvr>
+  <mc:AlternateContent xmlns:mc="http://schemas.openxmlformats.org/markup-compatibility/2006">
+    <mc:Choice xmlns:p15="http://schemas.microsoft.com/office/powerpoint/2012/main" Requires="p15">
+      <p:transition xmlns:p14="http://schemas.microsoft.com/office/powerpoint/2010/main" spd="slow" p14:dur="1250">
+        <p15:prstTrans prst="peelOff"/>
+      </p:transition>
+    </mc:Choice>
+    <mc:Fallback>
+      <p:transition spd="slow">
+        <p:fade/>
+      </p:transition>
+    </mc:Fallback>
+  </mc:AlternateContent>
   <p:timing>
     <p:tnLst>
       <p:par>
@@ -7475,10 +7601,6 @@
               <a:pPr/>
               <a:t>14</a:t>
             </a:fld>
-            <a:r>
-              <a:rPr lang="en-GB"/>
-              <a:t> of 99</a:t>
-            </a:r>
             <a:endParaRPr lang="en-GB" dirty="0"/>
           </a:p>
         </p:txBody>
@@ -7493,6 +7615,18 @@
   <p:clrMapOvr>
     <a:masterClrMapping/>
   </p:clrMapOvr>
+  <mc:AlternateContent xmlns:mc="http://schemas.openxmlformats.org/markup-compatibility/2006">
+    <mc:Choice xmlns:p14="http://schemas.microsoft.com/office/powerpoint/2010/main" Requires="p14">
+      <p:transition spd="slow" p14:dur="4400">
+        <p14:honeycomb/>
+      </p:transition>
+    </mc:Choice>
+    <mc:Fallback>
+      <p:transition spd="slow">
+        <p:fade/>
+      </p:transition>
+    </mc:Fallback>
+  </mc:AlternateContent>
 </p:sld>
 </file>
 
@@ -7597,10 +7731,6 @@
               <a:pPr/>
               <a:t>15</a:t>
             </a:fld>
-            <a:r>
-              <a:rPr lang="en-GB"/>
-              <a:t> of 99</a:t>
-            </a:r>
             <a:endParaRPr lang="en-GB" dirty="0"/>
           </a:p>
         </p:txBody>
@@ -7651,6 +7781,18 @@
   <p:clrMapOvr>
     <a:masterClrMapping/>
   </p:clrMapOvr>
+  <mc:AlternateContent xmlns:mc="http://schemas.openxmlformats.org/markup-compatibility/2006">
+    <mc:Choice xmlns:p14="http://schemas.microsoft.com/office/powerpoint/2010/main" Requires="p14">
+      <p:transition spd="slow" p14:dur="1250">
+        <p14:switch dir="l"/>
+      </p:transition>
+    </mc:Choice>
+    <mc:Fallback>
+      <p:transition spd="slow">
+        <p:fade/>
+      </p:transition>
+    </mc:Fallback>
+  </mc:AlternateContent>
   <p:timing>
     <p:tnLst>
       <p:par>
@@ -7838,10 +7980,6 @@
               <a:pPr/>
               <a:t>16</a:t>
             </a:fld>
-            <a:r>
-              <a:rPr lang="en-GB"/>
-              <a:t> of 99</a:t>
-            </a:r>
             <a:endParaRPr lang="en-GB" dirty="0"/>
           </a:p>
         </p:txBody>
@@ -8344,6 +8482,18 @@
   <p:clrMapOvr>
     <a:masterClrMapping/>
   </p:clrMapOvr>
+  <mc:AlternateContent xmlns:mc="http://schemas.openxmlformats.org/markup-compatibility/2006">
+    <mc:Choice xmlns:p14="http://schemas.microsoft.com/office/powerpoint/2010/main" Requires="p14">
+      <p:transition spd="slow" p14:dur="2000">
+        <p14:vortex dir="r"/>
+      </p:transition>
+    </mc:Choice>
+    <mc:Fallback>
+      <p:transition spd="slow">
+        <p:fade/>
+      </p:transition>
+    </mc:Fallback>
+  </mc:AlternateContent>
 </p:sld>
 </file>
 
@@ -8448,10 +8598,6 @@
               <a:pPr/>
               <a:t>17</a:t>
             </a:fld>
-            <a:r>
-              <a:rPr lang="en-GB"/>
-              <a:t> of 99</a:t>
-            </a:r>
             <a:endParaRPr lang="en-GB" dirty="0"/>
           </a:p>
         </p:txBody>
@@ -8502,6 +8648,18 @@
   <p:clrMapOvr>
     <a:masterClrMapping/>
   </p:clrMapOvr>
+  <mc:AlternateContent xmlns:mc="http://schemas.openxmlformats.org/markup-compatibility/2006">
+    <mc:Choice xmlns:p14="http://schemas.microsoft.com/office/powerpoint/2010/main" Requires="p14">
+      <p:transition spd="slow" p14:dur="1600">
+        <p14:gallery dir="l"/>
+      </p:transition>
+    </mc:Choice>
+    <mc:Fallback>
+      <p:transition spd="slow">
+        <p:fade/>
+      </p:transition>
+    </mc:Fallback>
+  </mc:AlternateContent>
 </p:sld>
 </file>
 
@@ -8592,63 +8750,198 @@
       </p:sp>
       <p:sp>
         <p:nvSpPr>
-          <p:cNvPr id="4" name="Slide Number Placeholder 3">
+          <p:cNvPr id="6" name="Text Placeholder 4">
             <a:extLst>
               <a:ext uri="{FF2B5EF4-FFF2-40B4-BE49-F238E27FC236}">
-                <a16:creationId xmlns:a16="http://schemas.microsoft.com/office/drawing/2014/main" id="{A2E6A254-E6E0-420D-AEDA-0A116B91A92E}"/>
+                <a16:creationId xmlns:a16="http://schemas.microsoft.com/office/drawing/2014/main" id="{33F82DB8-96A0-4D49-B712-3C33BF98B002}"/>
               </a:ext>
             </a:extLst>
           </p:cNvPr>
-          <p:cNvSpPr>
-            <a:spLocks noGrp="1"/>
+          <p:cNvSpPr txBox="1">
+            <a:spLocks/>
           </p:cNvSpPr>
-          <p:nvPr>
-            <p:ph type="sldNum" sz="quarter" idx="4"/>
-          </p:nvPr>
-        </p:nvSpPr>
-        <p:spPr/>
-        <p:txBody>
-          <a:bodyPr/>
-          <a:lstStyle/>
-          <a:p>
-            <a:fld id="{29C3688D-466A-4AE0-92FF-3F2AC942A837}" type="slidenum">
-              <a:rPr lang="en-GB" smtClean="0"/>
-              <a:pPr/>
-              <a:t>18</a:t>
-            </a:fld>
-            <a:endParaRPr lang="en-GB" dirty="0"/>
-          </a:p>
-        </p:txBody>
-      </p:sp>
-      <p:sp>
-        <p:nvSpPr>
-          <p:cNvPr id="5" name="Text Placeholder 4">
-            <a:extLst>
-              <a:ext uri="{FF2B5EF4-FFF2-40B4-BE49-F238E27FC236}">
-                <a16:creationId xmlns:a16="http://schemas.microsoft.com/office/drawing/2014/main" id="{2BA4CE8D-26D0-4C96-BCFA-B5A3BF01AA73}"/>
-              </a:ext>
-            </a:extLst>
-          </p:cNvPr>
-          <p:cNvSpPr>
-            <a:spLocks noGrp="1"/>
-          </p:cNvSpPr>
-          <p:nvPr>
-            <p:ph type="body" sz="quarter" idx="10"/>
-          </p:nvPr>
+          <p:nvPr/>
         </p:nvSpPr>
         <p:spPr>
           <a:xfrm>
-            <a:off x="633413" y="1939895"/>
-            <a:ext cx="7948315" cy="4153256"/>
+            <a:off x="633561" y="1837586"/>
+            <a:ext cx="7948315" cy="4758267"/>
           </a:xfrm>
+          <a:prstGeom prst="rect">
+            <a:avLst/>
+          </a:prstGeom>
         </p:spPr>
         <p:txBody>
-          <a:bodyPr>
+          <a:bodyPr vert="horz" lIns="91440" tIns="45720" rIns="91440" bIns="45720" rtlCol="0">
             <a:normAutofit/>
           </a:bodyPr>
-          <a:lstStyle/>
+          <a:lstStyle>
+            <a:lvl1pPr marL="230383" indent="-230383" algn="l" defTabSz="921532" rtl="0" eaLnBrk="1" latinLnBrk="0" hangingPunct="1">
+              <a:lnSpc>
+                <a:spcPct val="90000"/>
+              </a:lnSpc>
+              <a:spcBef>
+                <a:spcPts val="1008"/>
+              </a:spcBef>
+              <a:buFont typeface="Wingdings" panose="05000000000000000000" pitchFamily="2" charset="2"/>
+              <a:buChar char="§"/>
+              <a:defRPr sz="3600" kern="1200">
+                <a:solidFill>
+                  <a:schemeClr val="bg1"/>
+                </a:solidFill>
+                <a:latin typeface="+mn-lt"/>
+                <a:ea typeface="+mn-ea"/>
+                <a:cs typeface="+mn-cs"/>
+              </a:defRPr>
+            </a:lvl1pPr>
+            <a:lvl2pPr marL="691149" indent="-230383" algn="l" defTabSz="921532" rtl="0" eaLnBrk="1" latinLnBrk="0" hangingPunct="1">
+              <a:lnSpc>
+                <a:spcPct val="90000"/>
+              </a:lnSpc>
+              <a:spcBef>
+                <a:spcPts val="504"/>
+              </a:spcBef>
+              <a:buFont typeface="Wingdings" panose="05000000000000000000" pitchFamily="2" charset="2"/>
+              <a:buChar char="§"/>
+              <a:defRPr sz="2800" kern="1200">
+                <a:solidFill>
+                  <a:schemeClr val="bg1"/>
+                </a:solidFill>
+                <a:latin typeface="+mn-lt"/>
+                <a:ea typeface="+mn-ea"/>
+                <a:cs typeface="+mn-cs"/>
+              </a:defRPr>
+            </a:lvl2pPr>
+            <a:lvl3pPr marL="1151915" indent="-230383" algn="l" defTabSz="921532" rtl="0" eaLnBrk="1" latinLnBrk="0" hangingPunct="1">
+              <a:lnSpc>
+                <a:spcPct val="90000"/>
+              </a:lnSpc>
+              <a:spcBef>
+                <a:spcPts val="504"/>
+              </a:spcBef>
+              <a:buFont typeface="Wingdings" panose="05000000000000000000" pitchFamily="2" charset="2"/>
+              <a:buChar char="§"/>
+              <a:defRPr sz="2800" kern="1200">
+                <a:solidFill>
+                  <a:schemeClr val="bg1"/>
+                </a:solidFill>
+                <a:latin typeface="+mn-lt"/>
+                <a:ea typeface="+mn-ea"/>
+                <a:cs typeface="+mn-cs"/>
+              </a:defRPr>
+            </a:lvl3pPr>
+            <a:lvl4pPr marL="1612682" indent="-230383" algn="l" defTabSz="921532" rtl="0" eaLnBrk="1" latinLnBrk="0" hangingPunct="1">
+              <a:lnSpc>
+                <a:spcPct val="90000"/>
+              </a:lnSpc>
+              <a:spcBef>
+                <a:spcPts val="504"/>
+              </a:spcBef>
+              <a:buFont typeface="Wingdings" panose="05000000000000000000" pitchFamily="2" charset="2"/>
+              <a:buChar char="§"/>
+              <a:defRPr sz="2800" kern="1200">
+                <a:solidFill>
+                  <a:schemeClr val="bg1"/>
+                </a:solidFill>
+                <a:latin typeface="+mn-lt"/>
+                <a:ea typeface="+mn-ea"/>
+                <a:cs typeface="+mn-cs"/>
+              </a:defRPr>
+            </a:lvl4pPr>
+            <a:lvl5pPr marL="2073448" indent="-230383" algn="l" defTabSz="921532" rtl="0" eaLnBrk="1" latinLnBrk="0" hangingPunct="1">
+              <a:lnSpc>
+                <a:spcPct val="90000"/>
+              </a:lnSpc>
+              <a:spcBef>
+                <a:spcPts val="504"/>
+              </a:spcBef>
+              <a:buFont typeface="Wingdings" panose="05000000000000000000" pitchFamily="2" charset="2"/>
+              <a:buChar char="§"/>
+              <a:defRPr sz="2800" kern="1200">
+                <a:solidFill>
+                  <a:schemeClr val="bg1"/>
+                </a:solidFill>
+                <a:latin typeface="+mn-lt"/>
+                <a:ea typeface="+mn-ea"/>
+                <a:cs typeface="+mn-cs"/>
+              </a:defRPr>
+            </a:lvl5pPr>
+            <a:lvl6pPr marL="2534214" indent="-230383" algn="l" defTabSz="921532" rtl="0" eaLnBrk="1" latinLnBrk="0" hangingPunct="1">
+              <a:lnSpc>
+                <a:spcPct val="90000"/>
+              </a:lnSpc>
+              <a:spcBef>
+                <a:spcPts val="504"/>
+              </a:spcBef>
+              <a:buFont typeface="Arial" panose="020B0604020202020204" pitchFamily="34" charset="0"/>
+              <a:buChar char="•"/>
+              <a:defRPr sz="1814" kern="1200">
+                <a:solidFill>
+                  <a:schemeClr val="tx1"/>
+                </a:solidFill>
+                <a:latin typeface="+mn-lt"/>
+                <a:ea typeface="+mn-ea"/>
+                <a:cs typeface="+mn-cs"/>
+              </a:defRPr>
+            </a:lvl6pPr>
+            <a:lvl7pPr marL="2994980" indent="-230383" algn="l" defTabSz="921532" rtl="0" eaLnBrk="1" latinLnBrk="0" hangingPunct="1">
+              <a:lnSpc>
+                <a:spcPct val="90000"/>
+              </a:lnSpc>
+              <a:spcBef>
+                <a:spcPts val="504"/>
+              </a:spcBef>
+              <a:buFont typeface="Arial" panose="020B0604020202020204" pitchFamily="34" charset="0"/>
+              <a:buChar char="•"/>
+              <a:defRPr sz="1814" kern="1200">
+                <a:solidFill>
+                  <a:schemeClr val="tx1"/>
+                </a:solidFill>
+                <a:latin typeface="+mn-lt"/>
+                <a:ea typeface="+mn-ea"/>
+                <a:cs typeface="+mn-cs"/>
+              </a:defRPr>
+            </a:lvl7pPr>
+            <a:lvl8pPr marL="3455746" indent="-230383" algn="l" defTabSz="921532" rtl="0" eaLnBrk="1" latinLnBrk="0" hangingPunct="1">
+              <a:lnSpc>
+                <a:spcPct val="90000"/>
+              </a:lnSpc>
+              <a:spcBef>
+                <a:spcPts val="504"/>
+              </a:spcBef>
+              <a:buFont typeface="Arial" panose="020B0604020202020204" pitchFamily="34" charset="0"/>
+              <a:buChar char="•"/>
+              <a:defRPr sz="1814" kern="1200">
+                <a:solidFill>
+                  <a:schemeClr val="tx1"/>
+                </a:solidFill>
+                <a:latin typeface="+mn-lt"/>
+                <a:ea typeface="+mn-ea"/>
+                <a:cs typeface="+mn-cs"/>
+              </a:defRPr>
+            </a:lvl8pPr>
+            <a:lvl9pPr marL="3916512" indent="-230383" algn="l" defTabSz="921532" rtl="0" eaLnBrk="1" latinLnBrk="0" hangingPunct="1">
+              <a:lnSpc>
+                <a:spcPct val="90000"/>
+              </a:lnSpc>
+              <a:spcBef>
+                <a:spcPts val="504"/>
+              </a:spcBef>
+              <a:buFont typeface="Arial" panose="020B0604020202020204" pitchFamily="34" charset="0"/>
+              <a:buChar char="•"/>
+              <a:defRPr sz="1814" kern="1200">
+                <a:solidFill>
+                  <a:schemeClr val="tx1"/>
+                </a:solidFill>
+                <a:latin typeface="+mn-lt"/>
+                <a:ea typeface="+mn-ea"/>
+                <a:cs typeface="+mn-cs"/>
+              </a:defRPr>
+            </a:lvl9pPr>
+          </a:lstStyle>
           <a:p>
             <a:pPr marL="0" indent="0" algn="ctr">
+              <a:buFont typeface="Wingdings" panose="05000000000000000000" pitchFamily="2" charset="2"/>
               <a:buNone/>
             </a:pPr>
             <a:r>
@@ -8670,12 +8963,14 @@
           </a:p>
           <a:p>
             <a:pPr marL="0" indent="0" algn="ctr">
+              <a:buFont typeface="Wingdings" panose="05000000000000000000" pitchFamily="2" charset="2"/>
               <a:buNone/>
             </a:pPr>
             <a:endParaRPr lang="en-GB" dirty="0"/>
           </a:p>
           <a:p>
             <a:pPr marL="0" indent="0" algn="ctr">
+              <a:buFont typeface="Wingdings" panose="05000000000000000000" pitchFamily="2" charset="2"/>
               <a:buNone/>
             </a:pPr>
             <a:r>
@@ -8685,6 +8980,7 @@
           </a:p>
           <a:p>
             <a:pPr marL="0" indent="0" algn="ctr">
+              <a:buFont typeface="Wingdings" panose="05000000000000000000" pitchFamily="2" charset="2"/>
               <a:buNone/>
             </a:pPr>
             <a:r>
@@ -8699,12 +8995,24 @@
           </a:p>
           <a:p>
             <a:pPr marL="0" indent="0" algn="ctr">
+              <a:buFont typeface="Wingdings" panose="05000000000000000000" pitchFamily="2" charset="2"/>
+              <a:buNone/>
+            </a:pPr>
+            <a:r>
+              <a:rPr lang="en-GB" dirty="0"/>
+              <a:t>craigbuckler.com</a:t>
+            </a:r>
+          </a:p>
+          <a:p>
+            <a:pPr marL="0" indent="0" algn="ctr">
+              <a:buFont typeface="Wingdings" panose="05000000000000000000" pitchFamily="2" charset="2"/>
               <a:buNone/>
             </a:pPr>
             <a:endParaRPr lang="en-GB" dirty="0"/>
           </a:p>
           <a:p>
             <a:pPr marL="0" indent="0" algn="ctr">
+              <a:buFont typeface="Wingdings" panose="05000000000000000000" pitchFamily="2" charset="2"/>
               <a:buNone/>
             </a:pPr>
             <a:r>
@@ -8713,7 +9021,23 @@
                   <a:schemeClr val="accent4"/>
                 </a:solidFill>
               </a:rPr>
-              <a:t>github.com/craigbuckler/html5-export</a:t>
+              <a:t>github.com/</a:t>
+            </a:r>
+            <a:r>
+              <a:rPr lang="en-GB" sz="3000" dirty="0" err="1">
+                <a:solidFill>
+                  <a:schemeClr val="accent4"/>
+                </a:solidFill>
+              </a:rPr>
+              <a:t>craigbuckler</a:t>
+            </a:r>
+            <a:r>
+              <a:rPr lang="en-GB" sz="3000" dirty="0">
+                <a:solidFill>
+                  <a:schemeClr val="accent4"/>
+                </a:solidFill>
+              </a:rPr>
+              <a:t>/html5-export</a:t>
             </a:r>
           </a:p>
         </p:txBody>
@@ -8728,6 +9052,18 @@
   <p:clrMapOvr>
     <a:masterClrMapping/>
   </p:clrMapOvr>
+  <mc:AlternateContent xmlns:mc="http://schemas.openxmlformats.org/markup-compatibility/2006">
+    <mc:Choice xmlns:p15="http://schemas.microsoft.com/office/powerpoint/2012/main" Requires="p15">
+      <p:transition xmlns:p14="http://schemas.microsoft.com/office/powerpoint/2010/main" spd="slow" p14:dur="3000">
+        <p15:prstTrans prst="curtains"/>
+      </p:transition>
+    </mc:Choice>
+    <mc:Fallback>
+      <p:transition spd="slow">
+        <p:fade/>
+      </p:transition>
+    </mc:Fallback>
+  </mc:AlternateContent>
 </p:sld>
 </file>
 
@@ -8842,6 +9178,18 @@
   <p:clrMapOvr>
     <a:masterClrMapping/>
   </p:clrMapOvr>
+  <mc:AlternateContent xmlns:mc="http://schemas.openxmlformats.org/markup-compatibility/2006">
+    <mc:Choice xmlns:p14="http://schemas.microsoft.com/office/powerpoint/2010/main" Requires="p14">
+      <p:transition spd="slow">
+        <p14:flash/>
+      </p:transition>
+    </mc:Choice>
+    <mc:Fallback>
+      <p:transition spd="slow">
+        <p:fade/>
+      </p:transition>
+    </mc:Fallback>
+  </mc:AlternateContent>
   <p:timing>
     <p:tnLst>
       <p:par>
@@ -9191,6 +9539,18 @@
   <p:clrMapOvr>
     <a:masterClrMapping/>
   </p:clrMapOvr>
+  <mc:AlternateContent xmlns:mc="http://schemas.openxmlformats.org/markup-compatibility/2006">
+    <mc:Choice xmlns:p14="http://schemas.microsoft.com/office/powerpoint/2010/main" Requires="p14">
+      <p:transition spd="slow" p14:dur="800">
+        <p14:flythrough/>
+      </p:transition>
+    </mc:Choice>
+    <mc:Fallback>
+      <p:transition spd="slow">
+        <p:fade/>
+      </p:transition>
+    </mc:Fallback>
+  </mc:AlternateContent>
   <p:timing>
     <p:tnLst>
       <p:par>
@@ -9427,10 +9787,6 @@
               <a:pPr/>
               <a:t>4</a:t>
             </a:fld>
-            <a:r>
-              <a:rPr lang="en-GB"/>
-              <a:t> of 99</a:t>
-            </a:r>
             <a:endParaRPr lang="en-GB" dirty="0"/>
           </a:p>
         </p:txBody>
@@ -9517,6 +9873,18 @@
   <p:clrMapOvr>
     <a:masterClrMapping/>
   </p:clrMapOvr>
+  <mc:AlternateContent xmlns:mc="http://schemas.openxmlformats.org/markup-compatibility/2006">
+    <mc:Choice xmlns:p15="http://schemas.microsoft.com/office/powerpoint/2012/main" Requires="p15">
+      <p:transition xmlns:p14="http://schemas.microsoft.com/office/powerpoint/2010/main" spd="slow" p14:dur="2000">
+        <p15:prstTrans prst="fracture"/>
+      </p:transition>
+    </mc:Choice>
+    <mc:Fallback>
+      <p:transition spd="slow">
+        <p:fade/>
+      </p:transition>
+    </mc:Fallback>
+  </mc:AlternateContent>
   <p:timing>
     <p:tnLst>
       <p:par>
@@ -10574,10 +10942,6 @@
               <a:pPr/>
               <a:t>5</a:t>
             </a:fld>
-            <a:r>
-              <a:rPr lang="en-GB"/>
-              <a:t> of 99</a:t>
-            </a:r>
             <a:endParaRPr lang="en-GB" dirty="0"/>
           </a:p>
         </p:txBody>
@@ -10715,6 +11079,18 @@
   <p:clrMapOvr>
     <a:masterClrMapping/>
   </p:clrMapOvr>
+  <mc:AlternateContent xmlns:mc="http://schemas.openxmlformats.org/markup-compatibility/2006">
+    <mc:Choice xmlns:p14="http://schemas.microsoft.com/office/powerpoint/2010/main" Requires="p14">
+      <p:transition spd="slow" p14:dur="1400">
+        <p14:ripple/>
+      </p:transition>
+    </mc:Choice>
+    <mc:Fallback>
+      <p:transition spd="slow">
+        <p:fade/>
+      </p:transition>
+    </mc:Fallback>
+  </mc:AlternateContent>
   <p:timing>
     <p:tnLst>
       <p:par>
@@ -11347,10 +11723,6 @@
               <a:pPr/>
               <a:t>6</a:t>
             </a:fld>
-            <a:r>
-              <a:rPr lang="en-GB"/>
-              <a:t> of 99</a:t>
-            </a:r>
             <a:endParaRPr lang="en-GB" dirty="0"/>
           </a:p>
         </p:txBody>
@@ -11561,6 +11933,18 @@
   <p:clrMapOvr>
     <a:masterClrMapping/>
   </p:clrMapOvr>
+  <mc:AlternateContent xmlns:mc="http://schemas.openxmlformats.org/markup-compatibility/2006">
+    <mc:Choice xmlns:p159="http://schemas.microsoft.com/office/powerpoint/2015/09/main" Requires="p159">
+      <p:transition xmlns:p14="http://schemas.microsoft.com/office/powerpoint/2010/main" spd="slow" p14:dur="2000">
+        <p159:morph option="byObject"/>
+      </p:transition>
+    </mc:Choice>
+    <mc:Fallback>
+      <p:transition spd="slow">
+        <p:fade/>
+      </p:transition>
+    </mc:Fallback>
+  </mc:AlternateContent>
   <mc:AlternateContent xmlns:mc="http://schemas.openxmlformats.org/markup-compatibility/2006" xmlns:p14="http://schemas.microsoft.com/office/powerpoint/2010/main">
     <mc:Choice Requires="p14">
       <p:timing>
@@ -13271,10 +13655,6 @@
               <a:pPr/>
               <a:t>7</a:t>
             </a:fld>
-            <a:r>
-              <a:rPr lang="en-GB"/>
-              <a:t> of 99</a:t>
-            </a:r>
             <a:endParaRPr lang="en-GB" dirty="0"/>
           </a:p>
         </p:txBody>
@@ -13331,6 +13711,18 @@
   <p:clrMapOvr>
     <a:masterClrMapping/>
   </p:clrMapOvr>
+  <mc:AlternateContent xmlns:mc="http://schemas.openxmlformats.org/markup-compatibility/2006">
+    <mc:Choice xmlns:p14="http://schemas.microsoft.com/office/powerpoint/2010/main" Requires="p14">
+      <p:transition spd="slow" p14:dur="1600">
+        <p14:conveyor dir="l"/>
+      </p:transition>
+    </mc:Choice>
+    <mc:Fallback>
+      <p:transition spd="slow">
+        <p:fade/>
+      </p:transition>
+    </mc:Fallback>
+  </mc:AlternateContent>
   <p:timing>
     <p:tnLst>
       <p:par>
@@ -13521,10 +13913,6 @@
               <a:pPr/>
               <a:t>8</a:t>
             </a:fld>
-            <a:r>
-              <a:rPr lang="en-GB"/>
-              <a:t> of 99</a:t>
-            </a:r>
             <a:endParaRPr lang="en-GB" dirty="0"/>
           </a:p>
         </p:txBody>
@@ -13667,6 +14055,18 @@
   <p:clrMapOvr>
     <a:masterClrMapping/>
   </p:clrMapOvr>
+  <mc:AlternateContent xmlns:mc="http://schemas.openxmlformats.org/markup-compatibility/2006">
+    <mc:Choice xmlns:p14="http://schemas.microsoft.com/office/powerpoint/2010/main" Requires="p14">
+      <p:transition spd="slow" p14:dur="1600">
+        <p14:conveyor dir="l"/>
+      </p:transition>
+    </mc:Choice>
+    <mc:Fallback>
+      <p:transition spd="slow">
+        <p:fade/>
+      </p:transition>
+    </mc:Fallback>
+  </mc:AlternateContent>
   <p:timing>
     <p:tnLst>
       <p:par>
@@ -14496,10 +14896,6 @@
               <a:pPr/>
               <a:t>9</a:t>
             </a:fld>
-            <a:r>
-              <a:rPr lang="en-GB"/>
-              <a:t> of 99</a:t>
-            </a:r>
             <a:endParaRPr lang="en-GB" dirty="0"/>
           </a:p>
         </p:txBody>
@@ -14636,6 +15032,18 @@
   <p:clrMapOvr>
     <a:masterClrMapping/>
   </p:clrMapOvr>
+  <mc:AlternateContent xmlns:mc="http://schemas.openxmlformats.org/markup-compatibility/2006">
+    <mc:Choice xmlns:p14="http://schemas.microsoft.com/office/powerpoint/2010/main" Requires="p14">
+      <p:transition spd="slow" p14:dur="1400">
+        <p14:ripple/>
+      </p:transition>
+    </mc:Choice>
+    <mc:Fallback>
+      <p:transition spd="slow">
+        <p:fade/>
+      </p:transition>
+    </mc:Fallback>
+  </mc:AlternateContent>
   <p:timing>
     <p:tnLst>
       <p:par>
@@ -14648,6 +15056,9 @@
                     <p:cTn id="3" fill="hold">
                       <p:stCondLst>
                         <p:cond delay="indefinite"/>
+                        <p:cond evt="onBegin" delay="0">
+                          <p:tn val="2"/>
+                        </p:cond>
                       </p:stCondLst>
                       <p:childTnLst>
                         <p:par>
@@ -14657,7 +15068,7 @@
                             </p:stCondLst>
                             <p:childTnLst>
                               <p:par>
-                                <p:cTn id="5" presetID="42" presetClass="entr" presetSubtype="0" fill="hold" grpId="0" nodeType="clickEffect">
+                                <p:cTn id="5" presetID="42" presetClass="entr" presetSubtype="0" fill="hold" grpId="0" nodeType="afterEffect">
                                   <p:stCondLst>
                                     <p:cond delay="0"/>
                                   </p:stCondLst>
@@ -14753,15 +15164,24 @@
                                   </p:childTnLst>
                                 </p:cTn>
                               </p:par>
+                            </p:childTnLst>
+                          </p:cTn>
+                        </p:par>
+                        <p:par>
+                          <p:cTn id="10" fill="hold">
+                            <p:stCondLst>
+                              <p:cond delay="1000"/>
+                            </p:stCondLst>
+                            <p:childTnLst>
                               <p:par>
-                                <p:cTn id="10" presetID="42" presetClass="entr" presetSubtype="0" fill="hold" grpId="0" nodeType="withEffect">
+                                <p:cTn id="11" presetID="42" presetClass="entr" presetSubtype="0" fill="hold" grpId="0" nodeType="afterEffect">
                                   <p:stCondLst>
                                     <p:cond delay="0"/>
                                   </p:stCondLst>
                                   <p:childTnLst>
                                     <p:set>
                                       <p:cBhvr>
-                                        <p:cTn id="11" dur="1" fill="hold">
+                                        <p:cTn id="12" dur="1" fill="hold">
                                           <p:stCondLst>
                                             <p:cond delay="0"/>
                                           </p:stCondLst>
@@ -14783,7 +15203,7 @@
                                     </p:set>
                                     <p:animEffect transition="in" filter="fade">
                                       <p:cBhvr>
-                                        <p:cTn id="12" dur="1000"/>
+                                        <p:cTn id="13" dur="1000"/>
                                         <p:tgtEl>
                                           <p:spTgt spid="5">
                                             <p:txEl>
@@ -14795,7 +15215,7 @@
                                     </p:animEffect>
                                     <p:anim calcmode="lin" valueType="num">
                                       <p:cBhvr>
-                                        <p:cTn id="13" dur="1000" fill="hold"/>
+                                        <p:cTn id="14" dur="1000" fill="hold"/>
                                         <p:tgtEl>
                                           <p:spTgt spid="5">
                                             <p:txEl>
@@ -14822,7 +15242,7 @@
                                     </p:anim>
                                     <p:anim calcmode="lin" valueType="num">
                                       <p:cBhvr>
-                                        <p:cTn id="14" dur="1000" fill="hold"/>
+                                        <p:cTn id="15" dur="1000" fill="hold"/>
                                         <p:tgtEl>
                                           <p:spTgt spid="5">
                                             <p:txEl>
@@ -14850,15 +15270,24 @@
                                   </p:childTnLst>
                                 </p:cTn>
                               </p:par>
+                            </p:childTnLst>
+                          </p:cTn>
+                        </p:par>
+                        <p:par>
+                          <p:cTn id="16" fill="hold">
+                            <p:stCondLst>
+                              <p:cond delay="2000"/>
+                            </p:stCondLst>
+                            <p:childTnLst>
                               <p:par>
-                                <p:cTn id="15" presetID="42" presetClass="entr" presetSubtype="0" fill="hold" grpId="0" nodeType="withEffect">
+                                <p:cTn id="17" presetID="42" presetClass="entr" presetSubtype="0" fill="hold" grpId="0" nodeType="afterEffect">
                                   <p:stCondLst>
                                     <p:cond delay="0"/>
                                   </p:stCondLst>
                                   <p:childTnLst>
                                     <p:set>
                                       <p:cBhvr>
-                                        <p:cTn id="16" dur="1" fill="hold">
+                                        <p:cTn id="18" dur="1" fill="hold">
                                           <p:stCondLst>
                                             <p:cond delay="0"/>
                                           </p:stCondLst>
@@ -14880,7 +15309,7 @@
                                     </p:set>
                                     <p:animEffect transition="in" filter="fade">
                                       <p:cBhvr>
-                                        <p:cTn id="17" dur="1000"/>
+                                        <p:cTn id="19" dur="1000"/>
                                         <p:tgtEl>
                                           <p:spTgt spid="5">
                                             <p:txEl>
@@ -14892,7 +15321,7 @@
                                     </p:animEffect>
                                     <p:anim calcmode="lin" valueType="num">
                                       <p:cBhvr>
-                                        <p:cTn id="18" dur="1000" fill="hold"/>
+                                        <p:cTn id="20" dur="1000" fill="hold"/>
                                         <p:tgtEl>
                                           <p:spTgt spid="5">
                                             <p:txEl>
@@ -14919,7 +15348,7 @@
                                     </p:anim>
                                     <p:anim calcmode="lin" valueType="num">
                                       <p:cBhvr>
-                                        <p:cTn id="19" dur="1000" fill="hold"/>
+                                        <p:cTn id="21" dur="1000" fill="hold"/>
                                         <p:tgtEl>
                                           <p:spTgt spid="5">
                                             <p:txEl>
@@ -14947,15 +15376,24 @@
                                   </p:childTnLst>
                                 </p:cTn>
                               </p:par>
+                            </p:childTnLst>
+                          </p:cTn>
+                        </p:par>
+                        <p:par>
+                          <p:cTn id="22" fill="hold">
+                            <p:stCondLst>
+                              <p:cond delay="3000"/>
+                            </p:stCondLst>
+                            <p:childTnLst>
                               <p:par>
-                                <p:cTn id="20" presetID="42" presetClass="entr" presetSubtype="0" fill="hold" grpId="0" nodeType="withEffect">
+                                <p:cTn id="23" presetID="42" presetClass="entr" presetSubtype="0" fill="hold" grpId="0" nodeType="afterEffect">
                                   <p:stCondLst>
                                     <p:cond delay="0"/>
                                   </p:stCondLst>
                                   <p:childTnLst>
                                     <p:set>
                                       <p:cBhvr>
-                                        <p:cTn id="21" dur="1" fill="hold">
+                                        <p:cTn id="24" dur="1" fill="hold">
                                           <p:stCondLst>
                                             <p:cond delay="0"/>
                                           </p:stCondLst>
@@ -14977,7 +15415,7 @@
                                     </p:set>
                                     <p:animEffect transition="in" filter="fade">
                                       <p:cBhvr>
-                                        <p:cTn id="22" dur="1000"/>
+                                        <p:cTn id="25" dur="1000"/>
                                         <p:tgtEl>
                                           <p:spTgt spid="5">
                                             <p:txEl>
@@ -14989,7 +15427,7 @@
                                     </p:animEffect>
                                     <p:anim calcmode="lin" valueType="num">
                                       <p:cBhvr>
-                                        <p:cTn id="23" dur="1000" fill="hold"/>
+                                        <p:cTn id="26" dur="1000" fill="hold"/>
                                         <p:tgtEl>
                                           <p:spTgt spid="5">
                                             <p:txEl>
@@ -15016,7 +15454,7 @@
                                     </p:anim>
                                     <p:anim calcmode="lin" valueType="num">
                                       <p:cBhvr>
-                                        <p:cTn id="24" dur="1000" fill="hold"/>
+                                        <p:cTn id="27" dur="1000" fill="hold"/>
                                         <p:tgtEl>
                                           <p:spTgt spid="5">
                                             <p:txEl>
@@ -15051,26 +15489,26 @@
                     </p:cTn>
                   </p:par>
                   <p:par>
-                    <p:cTn id="25" fill="hold">
+                    <p:cTn id="28" fill="hold">
                       <p:stCondLst>
                         <p:cond delay="indefinite"/>
                       </p:stCondLst>
                       <p:childTnLst>
                         <p:par>
-                          <p:cTn id="26" fill="hold">
+                          <p:cTn id="29" fill="hold">
                             <p:stCondLst>
                               <p:cond delay="0"/>
                             </p:stCondLst>
                             <p:childTnLst>
                               <p:par>
-                                <p:cTn id="27" presetID="42" presetClass="entr" presetSubtype="0" fill="hold" grpId="0" nodeType="clickEffect">
+                                <p:cTn id="30" presetID="42" presetClass="entr" presetSubtype="0" fill="hold" grpId="0" nodeType="clickEffect">
                                   <p:stCondLst>
                                     <p:cond delay="0"/>
                                   </p:stCondLst>
                                   <p:childTnLst>
                                     <p:set>
                                       <p:cBhvr>
-                                        <p:cTn id="28" dur="1" fill="hold">
+                                        <p:cTn id="31" dur="1" fill="hold">
                                           <p:stCondLst>
                                             <p:cond delay="0"/>
                                           </p:stCondLst>
@@ -15092,7 +15530,7 @@
                                     </p:set>
                                     <p:animEffect transition="in" filter="fade">
                                       <p:cBhvr>
-                                        <p:cTn id="29" dur="1000"/>
+                                        <p:cTn id="32" dur="1000"/>
                                         <p:tgtEl>
                                           <p:spTgt spid="6">
                                             <p:txEl>
@@ -15104,7 +15542,7 @@
                                     </p:animEffect>
                                     <p:anim calcmode="lin" valueType="num">
                                       <p:cBhvr>
-                                        <p:cTn id="30" dur="1000" fill="hold"/>
+                                        <p:cTn id="33" dur="1000" fill="hold"/>
                                         <p:tgtEl>
                                           <p:spTgt spid="6">
                                             <p:txEl>
@@ -15131,7 +15569,7 @@
                                     </p:anim>
                                     <p:anim calcmode="lin" valueType="num">
                                       <p:cBhvr>
-                                        <p:cTn id="31" dur="1000" fill="hold"/>
+                                        <p:cTn id="34" dur="1000" fill="hold"/>
                                         <p:tgtEl>
                                           <p:spTgt spid="6">
                                             <p:txEl>
@@ -15160,14 +15598,14 @@
                                 </p:cTn>
                               </p:par>
                               <p:par>
-                                <p:cTn id="32" presetID="42" presetClass="entr" presetSubtype="0" fill="hold" grpId="0" nodeType="withEffect">
+                                <p:cTn id="35" presetID="42" presetClass="entr" presetSubtype="0" fill="hold" grpId="0" nodeType="withEffect">
                                   <p:stCondLst>
                                     <p:cond delay="0"/>
                                   </p:stCondLst>
                                   <p:childTnLst>
                                     <p:set>
                                       <p:cBhvr>
-                                        <p:cTn id="33" dur="1" fill="hold">
+                                        <p:cTn id="36" dur="1" fill="hold">
                                           <p:stCondLst>
                                             <p:cond delay="0"/>
                                           </p:stCondLst>
@@ -15189,7 +15627,7 @@
                                     </p:set>
                                     <p:animEffect transition="in" filter="fade">
                                       <p:cBhvr>
-                                        <p:cTn id="34" dur="1000"/>
+                                        <p:cTn id="37" dur="1000"/>
                                         <p:tgtEl>
                                           <p:spTgt spid="6">
                                             <p:txEl>
@@ -15201,7 +15639,7 @@
                                     </p:animEffect>
                                     <p:anim calcmode="lin" valueType="num">
                                       <p:cBhvr>
-                                        <p:cTn id="35" dur="1000" fill="hold"/>
+                                        <p:cTn id="38" dur="1000" fill="hold"/>
                                         <p:tgtEl>
                                           <p:spTgt spid="6">
                                             <p:txEl>
@@ -15228,7 +15666,7 @@
                                     </p:anim>
                                     <p:anim calcmode="lin" valueType="num">
                                       <p:cBhvr>
-                                        <p:cTn id="36" dur="1000" fill="hold"/>
+                                        <p:cTn id="39" dur="1000" fill="hold"/>
                                         <p:tgtEl>
                                           <p:spTgt spid="6">
                                             <p:txEl>
@@ -15257,14 +15695,14 @@
                                 </p:cTn>
                               </p:par>
                               <p:par>
-                                <p:cTn id="37" presetID="42" presetClass="entr" presetSubtype="0" fill="hold" grpId="0" nodeType="withEffect">
+                                <p:cTn id="40" presetID="42" presetClass="entr" presetSubtype="0" fill="hold" grpId="0" nodeType="withEffect">
                                   <p:stCondLst>
                                     <p:cond delay="0"/>
                                   </p:stCondLst>
                                   <p:childTnLst>
                                     <p:set>
                                       <p:cBhvr>
-                                        <p:cTn id="38" dur="1" fill="hold">
+                                        <p:cTn id="41" dur="1" fill="hold">
                                           <p:stCondLst>
                                             <p:cond delay="0"/>
                                           </p:stCondLst>
@@ -15286,7 +15724,7 @@
                                     </p:set>
                                     <p:animEffect transition="in" filter="fade">
                                       <p:cBhvr>
-                                        <p:cTn id="39" dur="1000"/>
+                                        <p:cTn id="42" dur="1000"/>
                                         <p:tgtEl>
                                           <p:spTgt spid="6">
                                             <p:txEl>
@@ -15298,7 +15736,7 @@
                                     </p:animEffect>
                                     <p:anim calcmode="lin" valueType="num">
                                       <p:cBhvr>
-                                        <p:cTn id="40" dur="1000" fill="hold"/>
+                                        <p:cTn id="43" dur="1000" fill="hold"/>
                                         <p:tgtEl>
                                           <p:spTgt spid="6">
                                             <p:txEl>
@@ -15325,7 +15763,7 @@
                                     </p:anim>
                                     <p:anim calcmode="lin" valueType="num">
                                       <p:cBhvr>
-                                        <p:cTn id="41" dur="1000" fill="hold"/>
+                                        <p:cTn id="44" dur="1000" fill="hold"/>
                                         <p:tgtEl>
                                           <p:spTgt spid="6">
                                             <p:txEl>
@@ -15354,14 +15792,14 @@
                                 </p:cTn>
                               </p:par>
                               <p:par>
-                                <p:cTn id="42" presetID="42" presetClass="entr" presetSubtype="0" fill="hold" grpId="0" nodeType="withEffect">
+                                <p:cTn id="45" presetID="42" presetClass="entr" presetSubtype="0" fill="hold" grpId="0" nodeType="withEffect">
                                   <p:stCondLst>
                                     <p:cond delay="0"/>
                                   </p:stCondLst>
                                   <p:childTnLst>
                                     <p:set>
                                       <p:cBhvr>
-                                        <p:cTn id="43" dur="1" fill="hold">
+                                        <p:cTn id="46" dur="1" fill="hold">
                                           <p:stCondLst>
                                             <p:cond delay="0"/>
                                           </p:stCondLst>
@@ -15383,7 +15821,7 @@
                                     </p:set>
                                     <p:animEffect transition="in" filter="fade">
                                       <p:cBhvr>
-                                        <p:cTn id="44" dur="1000"/>
+                                        <p:cTn id="47" dur="1000"/>
                                         <p:tgtEl>
                                           <p:spTgt spid="6">
                                             <p:txEl>
@@ -15395,7 +15833,7 @@
                                     </p:animEffect>
                                     <p:anim calcmode="lin" valueType="num">
                                       <p:cBhvr>
-                                        <p:cTn id="45" dur="1000" fill="hold"/>
+                                        <p:cTn id="48" dur="1000" fill="hold"/>
                                         <p:tgtEl>
                                           <p:spTgt spid="6">
                                             <p:txEl>
@@ -15422,7 +15860,7 @@
                                     </p:anim>
                                     <p:anim calcmode="lin" valueType="num">
                                       <p:cBhvr>
-                                        <p:cTn id="46" dur="1000" fill="hold"/>
+                                        <p:cTn id="49" dur="1000" fill="hold"/>
                                         <p:tgtEl>
                                           <p:spTgt spid="6">
                                             <p:txEl>

--- a/craigbuckler-pdf-html.pptx
+++ b/craigbuckler-pdf-html.pptx
@@ -228,7 +228,7 @@
           <a:p>
             <a:fld id="{C76FB86B-C2AE-46D2-B88A-1F2A05A31980}" type="datetimeFigureOut">
               <a:rPr lang="en-GB" smtClean="0"/>
-              <a:t>03/08/2018</a:t>
+              <a:t>08/08/2018</a:t>
             </a:fld>
             <a:endParaRPr lang="en-GB"/>
           </a:p>
@@ -673,7 +673,7 @@
           <a:p>
             <a:r>
               <a:rPr lang="en-GB" dirty="0"/>
-              <a:t>But I came though that darkness and experienced a rare moment of clarity.</a:t>
+              <a:t>But I got though that and experienced a rare moment of clarity.</a:t>
             </a:r>
           </a:p>
           <a:p>
@@ -823,7 +823,7 @@
           <a:p>
             <a:r>
               <a:rPr lang="en-GB" dirty="0"/>
-              <a:t>That’s not necessarily the case for PDF readers</a:t>
+              <a:t>That’s not always the case with PDF readers</a:t>
             </a:r>
           </a:p>
           <a:p>
@@ -844,7 +844,7 @@
           <a:p>
             <a:r>
               <a:rPr lang="en-GB" dirty="0"/>
-              <a:t>PDFs are a fixed size: you end up zooming and panning on mobiles</a:t>
+              <a:t>PDFs are a fixed paper size: you end up zooming and panning on mobiles</a:t>
             </a:r>
           </a:p>
           <a:p>
@@ -1033,7 +1033,7 @@
           <a:p>
             <a:r>
               <a:rPr lang="en-GB" dirty="0"/>
-              <a:t>But I had to prove they could cope.</a:t>
+              <a:t>But I had to prove HTML wouldn’t cause problems.</a:t>
             </a:r>
           </a:p>
           <a:p>
@@ -1042,7 +1042,7 @@
           <a:p>
             <a:r>
               <a:rPr lang="en-GB" dirty="0"/>
-              <a:t>Now there are some options from history.</a:t>
+              <a:t>Now there are some options from distant history.</a:t>
             </a:r>
           </a:p>
           <a:p>
@@ -1066,7 +1066,13 @@
           <a:p>
             <a:r>
               <a:rPr lang="en-GB" dirty="0"/>
-              <a:t>Back then, it’d take 20 minutes to download a web page so you’d save a single MHTML file for offline reading.</a:t>
+              <a:t>Back then, it’d take almost 30 seconds to download a web page.</a:t>
+            </a:r>
+          </a:p>
+          <a:p>
+            <a:r>
+              <a:rPr lang="en-GB" dirty="0"/>
+              <a:t>So you’d download lots and save them as MHTML files for offline reading.</a:t>
             </a:r>
           </a:p>
           <a:p>
@@ -1098,55 +1104,13 @@
             </a:pPr>
             <a:r>
               <a:rPr lang="en-GB" dirty="0"/>
-              <a:t>You kids with your fibre </a:t>
-            </a:r>
-            <a:r>
-              <a:rPr lang="en-GB" dirty="0" err="1"/>
-              <a:t>wifi</a:t>
-            </a:r>
-            <a:r>
-              <a:rPr lang="en-GB" dirty="0"/>
-              <a:t> and instant </a:t>
-            </a:r>
-            <a:r>
-              <a:rPr lang="en-GB" dirty="0" err="1"/>
-              <a:t>instagramming</a:t>
-            </a:r>
-            <a:r>
-              <a:rPr lang="en-GB" dirty="0"/>
-              <a:t> don’t know you’re born!</a:t>
+              <a:t>MHTML is: MIME Encapsulation of Aggregate HTML Documents.</a:t>
             </a:r>
           </a:p>
           <a:p>
             <a:endParaRPr lang="en-GB" dirty="0"/>
           </a:p>
           <a:p>
-            <a:pPr marL="0" marR="0" lvl="0" indent="0" algn="l" defTabSz="914400" rtl="0" eaLnBrk="1" fontAlgn="auto" latinLnBrk="0" hangingPunct="1">
-              <a:lnSpc>
-                <a:spcPct val="100000"/>
-              </a:lnSpc>
-              <a:spcBef>
-                <a:spcPts val="0"/>
-              </a:spcBef>
-              <a:spcAft>
-                <a:spcPts val="0"/>
-              </a:spcAft>
-              <a:buClrTx/>
-              <a:buSzTx/>
-              <a:buFontTx/>
-              <a:buNone/>
-              <a:tabLst/>
-              <a:defRPr/>
-            </a:pPr>
-            <a:r>
-              <a:rPr lang="en-GB" dirty="0"/>
-              <a:t>MHTML is: MIME Encapsulation of Aggregate HTML Documents.</a:t>
-            </a:r>
-          </a:p>
-          <a:p>
-            <a:endParaRPr lang="en-GB" dirty="0"/>
-          </a:p>
-          <a:p>
             <a:r>
               <a:rPr lang="en-GB" dirty="0"/>
               <a:t>It’s effectively HTML email format.</a:t>
@@ -1155,7 +1119,7 @@
           <a:p>
             <a:r>
               <a:rPr lang="en-GB" dirty="0"/>
-              <a:t>That’s horrible and the format is only supported by IE so it wasn’t an option.</a:t>
+              <a:t>That’s horrible and the format is only native in IE so it wasn’t an option. Thankfully.</a:t>
             </a:r>
           </a:p>
         </p:txBody>
@@ -1263,7 +1227,7 @@
           <a:p>
             <a:r>
               <a:rPr lang="en-GB" dirty="0"/>
-              <a:t>It would all be done client side.</a:t>
+              <a:t>That would all happen client side.</a:t>
             </a:r>
           </a:p>
           <a:p>
@@ -1272,21 +1236,13 @@
           <a:p>
             <a:r>
               <a:rPr lang="en-GB" dirty="0"/>
-              <a:t>The page would look </a:t>
-            </a:r>
-            <a:r>
-              <a:rPr lang="en-GB" dirty="0" err="1"/>
-              <a:t>documenty</a:t>
-            </a:r>
-            <a:r>
-              <a:rPr lang="en-GB" dirty="0"/>
-              <a:t>.</a:t>
-            </a:r>
-          </a:p>
-          <a:p>
-            <a:r>
-              <a:rPr lang="en-GB" dirty="0"/>
-              <a:t>I’d give it PDF-like pages so users weren’t confused.</a:t>
+              <a:t>It would look like a document.</a:t>
+            </a:r>
+          </a:p>
+          <a:p>
+            <a:r>
+              <a:rPr lang="en-GB" dirty="0"/>
+              <a:t>With PDF-like pages or slides so users weren’t confused.</a:t>
             </a:r>
           </a:p>
           <a:p>
@@ -1301,7 +1257,7 @@
           <a:p>
             <a:r>
               <a:rPr lang="en-GB" dirty="0"/>
-              <a:t>It could never be better than PDF but would have to be OK.</a:t>
+              <a:t>It’d never be better than PDF but would have to be OK.</a:t>
             </a:r>
           </a:p>
           <a:p>
@@ -1346,7 +1302,19 @@
           <a:p>
             <a:r>
               <a:rPr lang="en-GB" dirty="0"/>
-              <a:t>But Craig: we use React. Or Vue. Or Angular. We need JavaScript.</a:t>
+              <a:t>Did anyone hear a React developer screaming? </a:t>
+            </a:r>
+          </a:p>
+          <a:p>
+            <a:r>
+              <a:rPr lang="en-GB" dirty="0"/>
+              <a:t>So it doesn’t matter what client side JavaScript you need to create content.</a:t>
+            </a:r>
+          </a:p>
+          <a:p>
+            <a:r>
+              <a:rPr lang="en-GB" dirty="0"/>
+              <a:t>Ultimately, all client-side libraries put HTML on the page.</a:t>
             </a:r>
           </a:p>
           <a:p>
@@ -1355,19 +1323,13 @@
           <a:p>
             <a:r>
               <a:rPr lang="en-GB" dirty="0"/>
-              <a:t>That’s not a problem. All client-side libraries ultimately put HTML on the page.</a:t>
-            </a:r>
-          </a:p>
-          <a:p>
-            <a:r>
-              <a:rPr lang="en-GB" dirty="0"/>
-              <a:t>We can extract that HTML.</a:t>
-            </a:r>
-          </a:p>
-          <a:p>
-            <a:r>
-              <a:rPr lang="en-GB" dirty="0"/>
-              <a:t>and won’t need the JavaScript which created it.</a:t>
+              <a:t>So we can extract that HTML.</a:t>
+            </a:r>
+          </a:p>
+          <a:p>
+            <a:r>
+              <a:rPr lang="en-GB" dirty="0"/>
+              <a:t>without needing the JavaScript which created it.</a:t>
             </a:r>
           </a:p>
           <a:p>
@@ -1544,7 +1506,7 @@
           <a:p>
             <a:r>
               <a:rPr lang="en-GB" dirty="0"/>
-              <a:t>So our static HTML file can now be sent to people by email or whatever.</a:t>
+              <a:t>So our static HTML file can now be sent by email or whatever.</a:t>
             </a:r>
           </a:p>
           <a:p>
@@ -1559,7 +1521,7 @@
           <a:p>
             <a:r>
               <a:rPr lang="en-GB" dirty="0"/>
-              <a:t>What do you think Gmail users see when they click the attachment icon and see a preview?</a:t>
+              <a:t>What do you think Gmail users see when they click an attachment icon in an email and see a preview?</a:t>
             </a:r>
           </a:p>
           <a:p>
@@ -1583,7 +1545,7 @@
           <a:p>
             <a:r>
               <a:rPr lang="en-GB" dirty="0"/>
-              <a:t>Yep, Google thinks it’s best to treat this document as an HTML email.</a:t>
+              <a:t>Yep, Google thinks it’s best to treat the document as an HTML email.</a:t>
             </a:r>
           </a:p>
           <a:p>
@@ -1598,7 +1560,7 @@
           <a:p>
             <a:r>
               <a:rPr lang="en-GB" dirty="0"/>
-              <a:t>It looks reasonable if you use semantic tags.</a:t>
+              <a:t>Actually, it looks OK if you use semantic tags.</a:t>
             </a:r>
           </a:p>
           <a:p>
@@ -1610,7 +1572,7 @@
           <a:p>
             <a:r>
               <a:rPr lang="en-GB" dirty="0"/>
-              <a:t>But some users could think this is the actual report.</a:t>
+              <a:t>But some users could think this is the final document.</a:t>
             </a:r>
           </a:p>
           <a:p>
@@ -1619,7 +1581,7 @@
           <a:p>
             <a:r>
               <a:rPr lang="en-GB" dirty="0"/>
-              <a:t>You can fix this using tables and inline style attributes.</a:t>
+              <a:t>Now you could fix it using tables and inline styles.</a:t>
             </a:r>
           </a:p>
           <a:p>
@@ -1936,7 +1898,7 @@
                 <a:ea typeface="+mn-ea"/>
                 <a:cs typeface="+mn-cs"/>
               </a:rPr>
-              <a:t>That’s it. We have a report we can preview then download a static HTML document.</a:t>
+              <a:t>That’s it. We have a web report we can create, preview, and edit before downloading a static HTML document.</a:t>
             </a:r>
           </a:p>
           <a:p>
@@ -2011,7 +1973,7 @@
                 <a:ea typeface="+mn-ea"/>
                 <a:cs typeface="+mn-cs"/>
               </a:rPr>
-              <a:t>It's not read-only but nor are PDFs when it comes to it.</a:t>
+              <a:t>It's not read-only but neither are PDFs if it comes to it.</a:t>
             </a:r>
           </a:p>
           <a:p>
@@ -2039,7 +2001,7 @@
                 <a:ea typeface="+mn-ea"/>
                 <a:cs typeface="+mn-cs"/>
               </a:rPr>
-              <a:t>If you’re worried, I’d suggest generating a hash in the content or filename so you can prove it’s been tampered with.</a:t>
+              <a:t>But if you’re worried, I’d suggest generating a hash in the content or the filename so you can prove it’s been tampered with.</a:t>
             </a:r>
           </a:p>
           <a:p>
@@ -2064,7 +2026,21 @@
                 <a:ea typeface="+mn-ea"/>
                 <a:cs typeface="+mn-cs"/>
               </a:rPr>
-              <a:t>User expectations was the biggest unknown, but similar HTML documents have been sent to hundreds of people over the past year.</a:t>
+              <a:t>User expectations was the biggest unknown</a:t>
+            </a:r>
+          </a:p>
+          <a:p>
+            <a:r>
+              <a:rPr lang="en-GB" sz="1200" b="0" kern="1200" dirty="0">
+                <a:solidFill>
+                  <a:schemeClr val="tx1"/>
+                </a:solidFill>
+                <a:effectLst/>
+                <a:latin typeface="+mn-lt"/>
+                <a:ea typeface="+mn-ea"/>
+                <a:cs typeface="+mn-cs"/>
+              </a:rPr>
+              <a:t>but similar HTML documents have been sent to hundreds of people over the past year.</a:t>
             </a:r>
           </a:p>
           <a:p>
@@ -2103,22 +2079,10 @@
                 <a:ea typeface="+mn-ea"/>
                 <a:cs typeface="+mn-cs"/>
               </a:rPr>
-              <a:t>In fact, they love it. Some are now demanding monthly reports before the month ends.</a:t>
-            </a:r>
-          </a:p>
-          <a:p>
-            <a:r>
-              <a:rPr lang="en-GB" sz="1200" b="0" kern="1200">
-                <a:solidFill>
-                  <a:schemeClr val="tx1"/>
-                </a:solidFill>
-                <a:effectLst/>
-                <a:latin typeface="+mn-lt"/>
-                <a:ea typeface="+mn-ea"/>
-                <a:cs typeface="+mn-cs"/>
-              </a:rPr>
-              <a:t>Which is </a:t>
-            </a:r>
+              <a:t>In fact, they love it. Some are actually asking for monthly reports before the end of the month.</a:t>
+            </a:r>
+          </a:p>
+          <a:p>
             <a:r>
               <a:rPr lang="en-GB" sz="1200" b="0" kern="1200" dirty="0">
                 <a:solidFill>
@@ -2129,7 +2093,7 @@
                 <a:ea typeface="+mn-ea"/>
                 <a:cs typeface="+mn-cs"/>
               </a:rPr>
-              <a:t>clearly bonkers, but that’s users for you.</a:t>
+              <a:t>Which is clearly bonkers, but that’s users for you.</a:t>
             </a:r>
           </a:p>
           <a:p>
@@ -2168,7 +2132,7 @@
                 <a:ea typeface="+mn-ea"/>
                 <a:cs typeface="+mn-cs"/>
               </a:rPr>
-              <a:t>Feel free to adapt it for your own purposes.</a:t>
+              <a:t>Feel free to use it as you like.</a:t>
             </a:r>
           </a:p>
           <a:p>
@@ -2182,7 +2146,7 @@
                 <a:ea typeface="+mn-ea"/>
                 <a:cs typeface="+mn-cs"/>
               </a:rPr>
-              <a:t>Or please hire me if you’d like someone else to do the hard work!</a:t>
+              <a:t>Or please hire me if you’d like someone else to do it for you!</a:t>
             </a:r>
           </a:p>
           <a:p>
@@ -2207,19 +2171,8 @@
                 <a:ea typeface="+mn-ea"/>
                 <a:cs typeface="+mn-cs"/>
               </a:rPr>
-              <a:t>So, the next time someone demands a PDF, tell them you have a better option.</a:t>
-            </a:r>
-          </a:p>
-          <a:p>
-            <a:endParaRPr lang="en-GB" sz="1200" b="0" kern="1200" dirty="0">
-              <a:solidFill>
-                <a:schemeClr val="tx1"/>
-              </a:solidFill>
-              <a:effectLst/>
-              <a:latin typeface="+mn-lt"/>
-              <a:ea typeface="+mn-ea"/>
-              <a:cs typeface="+mn-cs"/>
-            </a:endParaRPr>
+              <a:t>So yeah, let’s abolish PDF reports from web systems!</a:t>
+            </a:r>
           </a:p>
         </p:txBody>
       </p:sp>
@@ -2303,7 +2256,10 @@
           <a:bodyPr/>
           <a:lstStyle/>
           <a:p>
-            <a:endParaRPr lang="en-GB" dirty="0"/>
+            <a:r>
+              <a:rPr lang="en-GB" dirty="0"/>
+              <a:t>I wouldn’t be so vulgar</a:t>
+            </a:r>
           </a:p>
         </p:txBody>
       </p:sp>
@@ -2389,7 +2345,7 @@
           <a:p>
             <a:r>
               <a:rPr lang="en-GB" dirty="0"/>
-              <a:t>So let’s talk about Portable Document Format – or PDFs.</a:t>
+              <a:t>So let’s talk about Portable Document Format.</a:t>
             </a:r>
           </a:p>
           <a:p>
@@ -2430,7 +2386,7 @@
             </a:pPr>
             <a:r>
               <a:rPr lang="en-GB" dirty="0"/>
-              <a:t>I’ll keep you excited by mentioning Blockchain and serverless every so often.</a:t>
+              <a:t>I’ll keep you excited by mentioning Blockchain and serverless every few minutes.</a:t>
             </a:r>
           </a:p>
           <a:p>
@@ -2465,7 +2421,7 @@
           <a:p>
             <a:r>
               <a:rPr lang="en-GB" dirty="0"/>
-              <a:t>They’re essentially postscript instructions sent to a file rather than sent to a printer</a:t>
+              <a:t>They’re essentially printing instructions sent to a file rather than sent to a printer</a:t>
             </a:r>
           </a:p>
         </p:txBody>
@@ -2612,7 +2568,7 @@
           <a:p>
             <a:r>
               <a:rPr lang="en-GB" dirty="0"/>
-              <a:t>You can usually read PDFs offline</a:t>
+              <a:t>You can usually read a PDF offline</a:t>
             </a:r>
           </a:p>
           <a:p>
@@ -2642,11 +2598,8 @@
           <a:p>
             <a:r>
               <a:rPr lang="en-GB" dirty="0"/>
-              <a:t>Get over it Craig. What don’t you understand.</a:t>
-            </a:r>
-          </a:p>
-          <a:p>
-            <a:endParaRPr lang="en-GB" dirty="0"/>
+              <a:t>I should just get over it.</a:t>
+            </a:r>
           </a:p>
         </p:txBody>
       </p:sp>
@@ -2923,11 +2876,8 @@
           <a:p>
             <a:r>
               <a:rPr lang="en-GB" dirty="0"/>
-              <a:t>Those customers can access the same information with a few clicks.</a:t>
-            </a:r>
-          </a:p>
-          <a:p>
-            <a:endParaRPr lang="en-GB" dirty="0"/>
+              <a:t>Those customers can access all the information any time they like</a:t>
+            </a:r>
           </a:p>
         </p:txBody>
       </p:sp>
@@ -3248,7 +3198,7 @@
             </a:pPr>
             <a:r>
               <a:rPr lang="en-GB" dirty="0"/>
-              <a:t>Normal people are not like us. </a:t>
+              <a:t>Other people are not like us. </a:t>
             </a:r>
           </a:p>
           <a:p>
@@ -3314,7 +3264,7 @@
             </a:pPr>
             <a:r>
               <a:rPr lang="en-GB" dirty="0"/>
-              <a:t>They don’t want the effort of doing research.</a:t>
+              <a:t>They don’t want the effort of doing their own research.</a:t>
             </a:r>
           </a:p>
           <a:p>
@@ -3337,8 +3287,13 @@
             </a:pPr>
             <a:r>
               <a:rPr lang="en-GB" dirty="0"/>
-              <a:t>They’ve got important jobs and they’re far too busy to analyse facts.</a:t>
-            </a:r>
+              <a:t>They’ve got important jobs and are far </a:t>
+            </a:r>
+            <a:r>
+              <a:rPr lang="en-GB"/>
+              <a:t>too busy.</a:t>
+            </a:r>
+            <a:endParaRPr lang="en-GB" dirty="0"/>
           </a:p>
           <a:p>
             <a:pPr marL="0" marR="0" lvl="0" indent="0" algn="l" defTabSz="914400" rtl="0" eaLnBrk="1" fontAlgn="auto" latinLnBrk="0" hangingPunct="1">
@@ -3403,7 +3358,7 @@
             </a:pPr>
             <a:r>
               <a:rPr lang="en-GB" dirty="0"/>
-              <a:t>And it reminded them they were getting a useful service even if they weren’t logging in every day.</a:t>
+              <a:t>And it reminded them they were getting a useful service even if they didn’t log in every day.</a:t>
             </a:r>
           </a:p>
           <a:p>
@@ -3446,7 +3401,7 @@
             </a:pPr>
             <a:r>
               <a:rPr lang="en-GB" dirty="0"/>
-              <a:t>So I had to accept this monthly PDF report actually worked well.</a:t>
+              <a:t>So I had to accept this monthly report worked quite well.</a:t>
             </a:r>
           </a:p>
           <a:p>
@@ -3667,13 +3622,16 @@
           <a:p>
             <a:r>
               <a:rPr lang="en-GB" dirty="0"/>
-              <a:t>So the question was:</a:t>
-            </a:r>
-          </a:p>
-          <a:p>
-            <a:r>
-              <a:rPr lang="en-GB" dirty="0"/>
-              <a:t>could I make this easier?</a:t>
+              <a:t>But rightly or wrongly, this is the process which worked for them.</a:t>
+            </a:r>
+          </a:p>
+          <a:p>
+            <a:endParaRPr lang="en-GB" dirty="0"/>
+          </a:p>
+          <a:p>
+            <a:r>
+              <a:rPr lang="en-GB" dirty="0"/>
+              <a:t>But I had to make it easier?</a:t>
             </a:r>
           </a:p>
         </p:txBody>
@@ -3781,19 +3739,30 @@
           <a:p>
             <a:r>
               <a:rPr lang="en-GB" dirty="0"/>
-              <a:t>That effectively converts HTML to Postscript.</a:t>
-            </a:r>
-          </a:p>
-          <a:p>
-            <a:r>
-              <a:rPr lang="en-GB" dirty="0"/>
-              <a:t>It works, but control is limited.</a:t>
-            </a:r>
-          </a:p>
-          <a:p>
-            <a:r>
-              <a:rPr lang="en-GB" dirty="0"/>
-              <a:t>There are some CSS printing properties but…</a:t>
+              <a:t>There are some CSS printing properties…</a:t>
+            </a:r>
+          </a:p>
+          <a:p>
+            <a:pPr marL="0" marR="0" lvl="0" indent="0" algn="l" defTabSz="914400" rtl="0" eaLnBrk="1" fontAlgn="auto" latinLnBrk="0" hangingPunct="1">
+              <a:lnSpc>
+                <a:spcPct val="100000"/>
+              </a:lnSpc>
+              <a:spcBef>
+                <a:spcPts val="0"/>
+              </a:spcBef>
+              <a:spcAft>
+                <a:spcPts val="0"/>
+              </a:spcAft>
+              <a:buClrTx/>
+              <a:buSzTx/>
+              <a:buFontTx/>
+              <a:buNone/>
+              <a:tabLst/>
+              <a:defRPr/>
+            </a:pPr>
+            <a:r>
+              <a:rPr lang="en-GB" dirty="0"/>
+              <a:t>…but control is limited.</a:t>
             </a:r>
           </a:p>
           <a:p>
@@ -3805,7 +3774,7 @@
           <a:p>
             <a:r>
               <a:rPr lang="en-GB" dirty="0"/>
-              <a:t>And it depends on user to tweak the settings. Which they never get right.</a:t>
+              <a:t>And it often depends on users to tweak settings. Which they never get right.</a:t>
             </a:r>
           </a:p>
           <a:p>
@@ -3818,12 +3787,23 @@
             </a:r>
           </a:p>
           <a:p>
-            <a:r>
-              <a:rPr lang="en-GB" dirty="0"/>
-              <a:t>I’m sure you could all write raw Postscript but most developers would grab a library.</a:t>
-            </a:r>
-          </a:p>
-          <a:p>
+            <a:pPr marL="0" marR="0" lvl="0" indent="0" algn="l" defTabSz="914400" rtl="0" eaLnBrk="1" fontAlgn="auto" latinLnBrk="0" hangingPunct="1">
+              <a:lnSpc>
+                <a:spcPct val="100000"/>
+              </a:lnSpc>
+              <a:spcBef>
+                <a:spcPts val="0"/>
+              </a:spcBef>
+              <a:spcAft>
+                <a:spcPts val="0"/>
+              </a:spcAft>
+              <a:buClrTx/>
+              <a:buSzTx/>
+              <a:buFontTx/>
+              <a:buNone/>
+              <a:tabLst/>
+              <a:defRPr/>
+            </a:pPr>
             <a:r>
               <a:rPr lang="en-GB" dirty="0"/>
               <a:t>This has more flexibly because you're positioning text and lines on paper. </a:t>
@@ -3832,7 +3812,13 @@
           <a:p>
             <a:r>
               <a:rPr lang="en-GB" dirty="0"/>
-              <a:t>But it’s hard work.</a:t>
+              <a:t>I’m sure you could all write raw PDF code but most developers will grab a library.</a:t>
+            </a:r>
+          </a:p>
+          <a:p>
+            <a:r>
+              <a:rPr lang="en-GB" dirty="0"/>
+              <a:t>But it’s still hard work.</a:t>
             </a:r>
           </a:p>
           <a:p>
@@ -5486,13 +5472,13 @@
   <p:clrMapOvr>
     <a:masterClrMapping/>
   </p:clrMapOvr>
-  <mc:AlternateContent xmlns:mc="http://schemas.openxmlformats.org/markup-compatibility/2006">
-    <mc:Choice xmlns:p14="http://schemas.microsoft.com/office/powerpoint/2010/main" Requires="p14">
+  <mc:AlternateContent xmlns:mc="http://schemas.openxmlformats.org/markup-compatibility/2006" xmlns:p14="http://schemas.microsoft.com/office/powerpoint/2010/main">
+    <mc:Choice Requires="p14">
       <p:transition spd="slow" p14:dur="800">
         <p14:flythrough dir="out"/>
       </p:transition>
     </mc:Choice>
-    <mc:Fallback>
+    <mc:Fallback xmlns="">
       <p:transition spd="slow">
         <p:fade/>
       </p:transition>
@@ -5758,13 +5744,13 @@
   <p:clrMapOvr>
     <a:masterClrMapping/>
   </p:clrMapOvr>
-  <mc:AlternateContent xmlns:mc="http://schemas.openxmlformats.org/markup-compatibility/2006">
-    <mc:Choice xmlns:p15="http://schemas.microsoft.com/office/powerpoint/2012/main" Requires="p15">
+  <mc:AlternateContent xmlns:mc="http://schemas.openxmlformats.org/markup-compatibility/2006" xmlns:p15="http://schemas.microsoft.com/office/powerpoint/2012/main">
+    <mc:Choice Requires="p15">
       <p:transition xmlns:p14="http://schemas.microsoft.com/office/powerpoint/2010/main" spd="slow" p14:dur="2000">
         <p15:prstTrans prst="drape"/>
       </p:transition>
     </mc:Choice>
-    <mc:Fallback>
+    <mc:Fallback xmlns="">
       <p:transition spd="slow">
         <p:fade/>
       </p:transition>
@@ -6877,13 +6863,13 @@
   <p:clrMapOvr>
     <a:masterClrMapping/>
   </p:clrMapOvr>
-  <mc:AlternateContent xmlns:mc="http://schemas.openxmlformats.org/markup-compatibility/2006">
-    <mc:Choice xmlns:p15="http://schemas.microsoft.com/office/powerpoint/2012/main" Requires="p15">
+  <mc:AlternateContent xmlns:mc="http://schemas.openxmlformats.org/markup-compatibility/2006" xmlns:p15="http://schemas.microsoft.com/office/powerpoint/2012/main">
+    <mc:Choice Requires="p15">
       <p:transition xmlns:p14="http://schemas.microsoft.com/office/powerpoint/2010/main" spd="slow" p14:dur="1250">
         <p15:prstTrans prst="peelOff"/>
       </p:transition>
     </mc:Choice>
-    <mc:Fallback>
+    <mc:Fallback xmlns="">
       <p:transition spd="slow">
         <p:fade/>
       </p:transition>
@@ -7615,13 +7601,13 @@
   <p:clrMapOvr>
     <a:masterClrMapping/>
   </p:clrMapOvr>
-  <mc:AlternateContent xmlns:mc="http://schemas.openxmlformats.org/markup-compatibility/2006">
-    <mc:Choice xmlns:p14="http://schemas.microsoft.com/office/powerpoint/2010/main" Requires="p14">
+  <mc:AlternateContent xmlns:mc="http://schemas.openxmlformats.org/markup-compatibility/2006" xmlns:p14="http://schemas.microsoft.com/office/powerpoint/2010/main">
+    <mc:Choice Requires="p14">
       <p:transition spd="slow" p14:dur="4400">
         <p14:honeycomb/>
       </p:transition>
     </mc:Choice>
-    <mc:Fallback>
+    <mc:Fallback xmlns="">
       <p:transition spd="slow">
         <p:fade/>
       </p:transition>
@@ -7781,13 +7767,13 @@
   <p:clrMapOvr>
     <a:masterClrMapping/>
   </p:clrMapOvr>
-  <mc:AlternateContent xmlns:mc="http://schemas.openxmlformats.org/markup-compatibility/2006">
-    <mc:Choice xmlns:p14="http://schemas.microsoft.com/office/powerpoint/2010/main" Requires="p14">
+  <mc:AlternateContent xmlns:mc="http://schemas.openxmlformats.org/markup-compatibility/2006" xmlns:p14="http://schemas.microsoft.com/office/powerpoint/2010/main">
+    <mc:Choice Requires="p14">
       <p:transition spd="slow" p14:dur="1250">
         <p14:switch dir="l"/>
       </p:transition>
     </mc:Choice>
-    <mc:Fallback>
+    <mc:Fallback xmlns="">
       <p:transition spd="slow">
         <p:fade/>
       </p:transition>
@@ -8482,13 +8468,13 @@
   <p:clrMapOvr>
     <a:masterClrMapping/>
   </p:clrMapOvr>
-  <mc:AlternateContent xmlns:mc="http://schemas.openxmlformats.org/markup-compatibility/2006">
-    <mc:Choice xmlns:p14="http://schemas.microsoft.com/office/powerpoint/2010/main" Requires="p14">
+  <mc:AlternateContent xmlns:mc="http://schemas.openxmlformats.org/markup-compatibility/2006" xmlns:p14="http://schemas.microsoft.com/office/powerpoint/2010/main">
+    <mc:Choice Requires="p14">
       <p:transition spd="slow" p14:dur="2000">
         <p14:vortex dir="r"/>
       </p:transition>
     </mc:Choice>
-    <mc:Fallback>
+    <mc:Fallback xmlns="">
       <p:transition spd="slow">
         <p:fade/>
       </p:transition>
@@ -8648,13 +8634,13 @@
   <p:clrMapOvr>
     <a:masterClrMapping/>
   </p:clrMapOvr>
-  <mc:AlternateContent xmlns:mc="http://schemas.openxmlformats.org/markup-compatibility/2006">
-    <mc:Choice xmlns:p14="http://schemas.microsoft.com/office/powerpoint/2010/main" Requires="p14">
+  <mc:AlternateContent xmlns:mc="http://schemas.openxmlformats.org/markup-compatibility/2006" xmlns:p14="http://schemas.microsoft.com/office/powerpoint/2010/main">
+    <mc:Choice Requires="p14">
       <p:transition spd="slow" p14:dur="1600">
         <p14:gallery dir="l"/>
       </p:transition>
     </mc:Choice>
-    <mc:Fallback>
+    <mc:Fallback xmlns="">
       <p:transition spd="slow">
         <p:fade/>
       </p:transition>
@@ -9052,13 +9038,13 @@
   <p:clrMapOvr>
     <a:masterClrMapping/>
   </p:clrMapOvr>
-  <mc:AlternateContent xmlns:mc="http://schemas.openxmlformats.org/markup-compatibility/2006">
-    <mc:Choice xmlns:p15="http://schemas.microsoft.com/office/powerpoint/2012/main" Requires="p15">
+  <mc:AlternateContent xmlns:mc="http://schemas.openxmlformats.org/markup-compatibility/2006" xmlns:p15="http://schemas.microsoft.com/office/powerpoint/2012/main">
+    <mc:Choice Requires="p15">
       <p:transition xmlns:p14="http://schemas.microsoft.com/office/powerpoint/2010/main" spd="slow" p14:dur="3000">
         <p15:prstTrans prst="curtains"/>
       </p:transition>
     </mc:Choice>
-    <mc:Fallback>
+    <mc:Fallback xmlns="">
       <p:transition spd="slow">
         <p:fade/>
       </p:transition>
@@ -9178,13 +9164,13 @@
   <p:clrMapOvr>
     <a:masterClrMapping/>
   </p:clrMapOvr>
-  <mc:AlternateContent xmlns:mc="http://schemas.openxmlformats.org/markup-compatibility/2006">
-    <mc:Choice xmlns:p14="http://schemas.microsoft.com/office/powerpoint/2010/main" Requires="p14">
+  <mc:AlternateContent xmlns:mc="http://schemas.openxmlformats.org/markup-compatibility/2006" xmlns:p14="http://schemas.microsoft.com/office/powerpoint/2010/main">
+    <mc:Choice Requires="p14">
       <p:transition spd="slow">
         <p14:flash/>
       </p:transition>
     </mc:Choice>
-    <mc:Fallback>
+    <mc:Fallback xmlns="">
       <p:transition spd="slow">
         <p:fade/>
       </p:transition>
@@ -9539,13 +9525,13 @@
   <p:clrMapOvr>
     <a:masterClrMapping/>
   </p:clrMapOvr>
-  <mc:AlternateContent xmlns:mc="http://schemas.openxmlformats.org/markup-compatibility/2006">
-    <mc:Choice xmlns:p14="http://schemas.microsoft.com/office/powerpoint/2010/main" Requires="p14">
+  <mc:AlternateContent xmlns:mc="http://schemas.openxmlformats.org/markup-compatibility/2006" xmlns:p14="http://schemas.microsoft.com/office/powerpoint/2010/main">
+    <mc:Choice Requires="p14">
       <p:transition spd="slow" p14:dur="800">
         <p14:flythrough/>
       </p:transition>
     </mc:Choice>
-    <mc:Fallback>
+    <mc:Fallback xmlns="">
       <p:transition spd="slow">
         <p:fade/>
       </p:transition>
@@ -9873,13 +9859,13 @@
   <p:clrMapOvr>
     <a:masterClrMapping/>
   </p:clrMapOvr>
-  <mc:AlternateContent xmlns:mc="http://schemas.openxmlformats.org/markup-compatibility/2006">
-    <mc:Choice xmlns:p15="http://schemas.microsoft.com/office/powerpoint/2012/main" Requires="p15">
+  <mc:AlternateContent xmlns:mc="http://schemas.openxmlformats.org/markup-compatibility/2006" xmlns:p15="http://schemas.microsoft.com/office/powerpoint/2012/main">
+    <mc:Choice Requires="p15">
       <p:transition xmlns:p14="http://schemas.microsoft.com/office/powerpoint/2010/main" spd="slow" p14:dur="2000">
         <p15:prstTrans prst="fracture"/>
       </p:transition>
     </mc:Choice>
-    <mc:Fallback>
+    <mc:Fallback xmlns="">
       <p:transition spd="slow">
         <p:fade/>
       </p:transition>
@@ -11079,13 +11065,13 @@
   <p:clrMapOvr>
     <a:masterClrMapping/>
   </p:clrMapOvr>
-  <mc:AlternateContent xmlns:mc="http://schemas.openxmlformats.org/markup-compatibility/2006">
-    <mc:Choice xmlns:p14="http://schemas.microsoft.com/office/powerpoint/2010/main" Requires="p14">
+  <mc:AlternateContent xmlns:mc="http://schemas.openxmlformats.org/markup-compatibility/2006" xmlns:p14="http://schemas.microsoft.com/office/powerpoint/2010/main">
+    <mc:Choice Requires="p14">
       <p:transition spd="slow" p14:dur="1400">
         <p14:ripple/>
       </p:transition>
     </mc:Choice>
-    <mc:Fallback>
+    <mc:Fallback xmlns="">
       <p:transition spd="slow">
         <p:fade/>
       </p:transition>
@@ -11933,13 +11919,13 @@
   <p:clrMapOvr>
     <a:masterClrMapping/>
   </p:clrMapOvr>
-  <mc:AlternateContent xmlns:mc="http://schemas.openxmlformats.org/markup-compatibility/2006">
-    <mc:Choice xmlns:p159="http://schemas.microsoft.com/office/powerpoint/2015/09/main" Requires="p159">
+  <mc:AlternateContent xmlns:mc="http://schemas.openxmlformats.org/markup-compatibility/2006" xmlns:p159="http://schemas.microsoft.com/office/powerpoint/2015/09/main">
+    <mc:Choice Requires="p159">
       <p:transition xmlns:p14="http://schemas.microsoft.com/office/powerpoint/2010/main" spd="slow" p14:dur="2000">
         <p159:morph option="byObject"/>
       </p:transition>
     </mc:Choice>
-    <mc:Fallback>
+    <mc:Fallback xmlns="">
       <p:transition spd="slow">
         <p:fade/>
       </p:transition>
@@ -13711,13 +13697,13 @@
   <p:clrMapOvr>
     <a:masterClrMapping/>
   </p:clrMapOvr>
-  <mc:AlternateContent xmlns:mc="http://schemas.openxmlformats.org/markup-compatibility/2006">
-    <mc:Choice xmlns:p14="http://schemas.microsoft.com/office/powerpoint/2010/main" Requires="p14">
+  <mc:AlternateContent xmlns:mc="http://schemas.openxmlformats.org/markup-compatibility/2006" xmlns:p14="http://schemas.microsoft.com/office/powerpoint/2010/main">
+    <mc:Choice Requires="p14">
       <p:transition spd="slow" p14:dur="1600">
         <p14:conveyor dir="l"/>
       </p:transition>
     </mc:Choice>
-    <mc:Fallback>
+    <mc:Fallback xmlns="">
       <p:transition spd="slow">
         <p:fade/>
       </p:transition>
@@ -14055,13 +14041,13 @@
   <p:clrMapOvr>
     <a:masterClrMapping/>
   </p:clrMapOvr>
-  <mc:AlternateContent xmlns:mc="http://schemas.openxmlformats.org/markup-compatibility/2006">
-    <mc:Choice xmlns:p14="http://schemas.microsoft.com/office/powerpoint/2010/main" Requires="p14">
+  <mc:AlternateContent xmlns:mc="http://schemas.openxmlformats.org/markup-compatibility/2006" xmlns:p14="http://schemas.microsoft.com/office/powerpoint/2010/main">
+    <mc:Choice Requires="p14">
       <p:transition spd="slow" p14:dur="1600">
         <p14:conveyor dir="l"/>
       </p:transition>
     </mc:Choice>
-    <mc:Fallback>
+    <mc:Fallback xmlns="">
       <p:transition spd="slow">
         <p:fade/>
       </p:transition>
@@ -15032,13 +15018,13 @@
   <p:clrMapOvr>
     <a:masterClrMapping/>
   </p:clrMapOvr>
-  <mc:AlternateContent xmlns:mc="http://schemas.openxmlformats.org/markup-compatibility/2006">
-    <mc:Choice xmlns:p14="http://schemas.microsoft.com/office/powerpoint/2010/main" Requires="p14">
+  <mc:AlternateContent xmlns:mc="http://schemas.openxmlformats.org/markup-compatibility/2006" xmlns:p14="http://schemas.microsoft.com/office/powerpoint/2010/main">
+    <mc:Choice Requires="p14">
       <p:transition spd="slow" p14:dur="1400">
         <p14:ripple/>
       </p:transition>
     </mc:Choice>
-    <mc:Fallback>
+    <mc:Fallback xmlns="">
       <p:transition spd="slow">
         <p:fade/>
       </p:transition>
